--- a/team_8/Optimization_Deep_Learning_Group8.pptx
+++ b/team_8/Optimization_Deep_Learning_Group8.pptx
@@ -1,6 +1,6 @@
 
 <file path=ppt/presentation.xml><?xml version="1.0" encoding="utf-8"?>
-<p:presentation xmlns:a="http://schemas.openxmlformats.org/drawingml/2006/main" xmlns:r="http://schemas.openxmlformats.org/officeDocument/2006/relationships" xmlns:mc="http://schemas.openxmlformats.org/markup-compatibility/2006" xmlns:mv="urn:schemas-microsoft-com:mac:vml" xmlns:p="http://schemas.openxmlformats.org/presentationml/2006/main" xmlns:c="http://schemas.openxmlformats.org/drawingml/2006/chart" xmlns:dgm="http://schemas.openxmlformats.org/drawingml/2006/diagram" xmlns:o="urn:schemas-microsoft-com:office:office" xmlns:v="urn:schemas-microsoft-com:vml" xmlns:pvml="urn:schemas-microsoft-com:office:powerpoint" xmlns:com="http://schemas.openxmlformats.org/drawingml/2006/compatibility" xmlns:p14="http://schemas.microsoft.com/office/powerpoint/2010/main" xmlns:p15="http://schemas.microsoft.com/office/powerpoint/2012/main" autoCompressPictures="0" strictFirstAndLastChars="0" saveSubsetFonts="1">
+<p:presentation xmlns:a="http://schemas.openxmlformats.org/drawingml/2006/main" xmlns:r="http://schemas.openxmlformats.org/officeDocument/2006/relationships" xmlns:mc="http://schemas.openxmlformats.org/markup-compatibility/2006" xmlns:mv="urn:schemas-microsoft-com:mac:vml" xmlns:p="http://schemas.openxmlformats.org/presentationml/2006/main" xmlns:c="http://schemas.openxmlformats.org/drawingml/2006/chart" xmlns:dgm="http://schemas.openxmlformats.org/drawingml/2006/diagram" xmlns:o="urn:schemas-microsoft-com:office:office" xmlns:v="urn:schemas-microsoft-com:vml" xmlns:pvml="urn:schemas-microsoft-com:office:powerpoint" xmlns:com="http://schemas.openxmlformats.org/drawingml/2006/compatibility" xmlns:p14="http://schemas.microsoft.com/office/powerpoint/2010/main" xmlns:p15="http://schemas.microsoft.com/office/powerpoint/2012/main" autoCompressPictures="0" embedTrueTypeFonts="1" strictFirstAndLastChars="0" saveSubsetFonts="1">
   <p:sldMasterIdLst>
     <p:sldMasterId id="2147483659" r:id="rId3"/>
   </p:sldMasterIdLst>
@@ -31,9 +31,19 @@
     <p:sldId id="276" r:id="rId25"/>
     <p:sldId id="277" r:id="rId26"/>
     <p:sldId id="278" r:id="rId27"/>
+    <p:sldId id="279" r:id="rId28"/>
   </p:sldIdLst>
   <p:sldSz cy="6858000" cx="12192000"/>
   <p:notesSz cx="6858000" cy="9144000"/>
+  <p:embeddedFontLst>
+    <p:embeddedFont>
+      <p:font typeface="Roboto"/>
+      <p:regular r:id="rId29"/>
+      <p:bold r:id="rId30"/>
+      <p:italic r:id="rId31"/>
+      <p:boldItalic r:id="rId32"/>
+    </p:embeddedFont>
+  </p:embeddedFontLst>
   <p:defaultTextStyle>
     <a:defPPr lvl="0" marR="0" rtl="0" algn="l">
       <a:lnSpc>
@@ -794,7 +804,7 @@
   <p:cSld>
     <p:spTree>
       <p:nvGrpSpPr>
-        <p:cNvPr id="169" name="Shape 169"/>
+        <p:cNvPr id="176" name="Shape 176"/>
         <p:cNvGrpSpPr/>
         <p:nvPr/>
       </p:nvGrpSpPr>
@@ -808,7 +818,46 @@
       </p:grpSpPr>
       <p:sp>
         <p:nvSpPr>
-          <p:cNvPr id="170" name="Google Shape;170;g4de70dcd95_0_12:notes"/>
+          <p:cNvPr id="177" name="Google Shape;177;p4:notes"/>
+          <p:cNvSpPr txBox="1"/>
+          <p:nvPr>
+            <p:ph idx="1" type="body"/>
+          </p:nvPr>
+        </p:nvSpPr>
+        <p:spPr>
+          <a:xfrm>
+            <a:off x="685800" y="4343400"/>
+            <a:ext cx="5486400" cy="4114800"/>
+          </a:xfrm>
+          <a:prstGeom prst="rect">
+            <a:avLst/>
+          </a:prstGeom>
+        </p:spPr>
+        <p:txBody>
+          <a:bodyPr anchorCtr="0" anchor="t" bIns="91425" lIns="91425" spcFirstLastPara="1" rIns="91425" wrap="square" tIns="91425">
+            <a:noAutofit/>
+          </a:bodyPr>
+          <a:lstStyle/>
+          <a:p>
+            <a:pPr indent="0" lvl="0" marL="0" rtl="0" algn="l">
+              <a:spcBef>
+                <a:spcPts val="0"/>
+              </a:spcBef>
+              <a:spcAft>
+                <a:spcPts val="0"/>
+              </a:spcAft>
+              <a:buNone/>
+            </a:pPr>
+            <a:r>
+              <a:t/>
+            </a:r>
+            <a:endParaRPr/>
+          </a:p>
+        </p:txBody>
+      </p:sp>
+      <p:sp>
+        <p:nvSpPr>
+          <p:cNvPr id="178" name="Google Shape;178;p4:notes"/>
           <p:cNvSpPr/>
           <p:nvPr>
             <p:ph idx="2" type="sldImg"/>
@@ -817,7 +866,7 @@
         <p:spPr>
           <a:xfrm>
             <a:off x="1143225" y="685800"/>
-            <a:ext cx="4572300" cy="3429000"/>
+            <a:ext cx="4572225" cy="3429000"/>
           </a:xfrm>
           <a:custGeom>
             <a:rect b="b" l="l" r="r" t="t"/>
@@ -841,45 +890,6 @@
           </a:custGeom>
         </p:spPr>
       </p:sp>
-      <p:sp>
-        <p:nvSpPr>
-          <p:cNvPr id="171" name="Google Shape;171;g4de70dcd95_0_12:notes"/>
-          <p:cNvSpPr txBox="1"/>
-          <p:nvPr>
-            <p:ph idx="1" type="body"/>
-          </p:nvPr>
-        </p:nvSpPr>
-        <p:spPr>
-          <a:xfrm>
-            <a:off x="685800" y="4343400"/>
-            <a:ext cx="5486400" cy="4114800"/>
-          </a:xfrm>
-          <a:prstGeom prst="rect">
-            <a:avLst/>
-          </a:prstGeom>
-        </p:spPr>
-        <p:txBody>
-          <a:bodyPr anchorCtr="0" anchor="t" bIns="91425" lIns="91425" spcFirstLastPara="1" rIns="91425" wrap="square" tIns="91425">
-            <a:noAutofit/>
-          </a:bodyPr>
-          <a:lstStyle/>
-          <a:p>
-            <a:pPr indent="0" lvl="0" marL="0" rtl="0" algn="l">
-              <a:spcBef>
-                <a:spcPts val="0"/>
-              </a:spcBef>
-              <a:spcAft>
-                <a:spcPts val="0"/>
-              </a:spcAft>
-              <a:buNone/>
-            </a:pPr>
-            <a:r>
-              <a:t/>
-            </a:r>
-            <a:endParaRPr/>
-          </a:p>
-        </p:txBody>
-      </p:sp>
     </p:spTree>
   </p:cSld>
   <p:clrMapOvr>
@@ -893,7 +903,7 @@
   <p:cSld>
     <p:spTree>
       <p:nvGrpSpPr>
-        <p:cNvPr id="178" name="Shape 178"/>
+        <p:cNvPr id="185" name="Shape 185"/>
         <p:cNvGrpSpPr/>
         <p:nvPr/>
       </p:nvGrpSpPr>
@@ -907,46 +917,7 @@
       </p:grpSpPr>
       <p:sp>
         <p:nvSpPr>
-          <p:cNvPr id="179" name="Google Shape;179;p5:notes"/>
-          <p:cNvSpPr txBox="1"/>
-          <p:nvPr>
-            <p:ph idx="1" type="body"/>
-          </p:nvPr>
-        </p:nvSpPr>
-        <p:spPr>
-          <a:xfrm>
-            <a:off x="685800" y="4343400"/>
-            <a:ext cx="5486400" cy="4114800"/>
-          </a:xfrm>
-          <a:prstGeom prst="rect">
-            <a:avLst/>
-          </a:prstGeom>
-        </p:spPr>
-        <p:txBody>
-          <a:bodyPr anchorCtr="0" anchor="t" bIns="91425" lIns="91425" spcFirstLastPara="1" rIns="91425" wrap="square" tIns="91425">
-            <a:noAutofit/>
-          </a:bodyPr>
-          <a:lstStyle/>
-          <a:p>
-            <a:pPr indent="0" lvl="0" marL="0" rtl="0" algn="l">
-              <a:spcBef>
-                <a:spcPts val="0"/>
-              </a:spcBef>
-              <a:spcAft>
-                <a:spcPts val="0"/>
-              </a:spcAft>
-              <a:buNone/>
-            </a:pPr>
-            <a:r>
-              <a:t/>
-            </a:r>
-            <a:endParaRPr/>
-          </a:p>
-        </p:txBody>
-      </p:sp>
-      <p:sp>
-        <p:nvSpPr>
-          <p:cNvPr id="180" name="Google Shape;180;p5:notes"/>
+          <p:cNvPr id="186" name="Google Shape;186;g4de70dcd95_0_12:notes"/>
           <p:cNvSpPr/>
           <p:nvPr>
             <p:ph idx="2" type="sldImg"/>
@@ -955,7 +926,7 @@
         <p:spPr>
           <a:xfrm>
             <a:off x="1143225" y="685800"/>
-            <a:ext cx="4572225" cy="3429000"/>
+            <a:ext cx="4572300" cy="3429000"/>
           </a:xfrm>
           <a:custGeom>
             <a:rect b="b" l="l" r="r" t="t"/>
@@ -979,6 +950,45 @@
           </a:custGeom>
         </p:spPr>
       </p:sp>
+      <p:sp>
+        <p:nvSpPr>
+          <p:cNvPr id="187" name="Google Shape;187;g4de70dcd95_0_12:notes"/>
+          <p:cNvSpPr txBox="1"/>
+          <p:nvPr>
+            <p:ph idx="1" type="body"/>
+          </p:nvPr>
+        </p:nvSpPr>
+        <p:spPr>
+          <a:xfrm>
+            <a:off x="685800" y="4343400"/>
+            <a:ext cx="5486400" cy="4114800"/>
+          </a:xfrm>
+          <a:prstGeom prst="rect">
+            <a:avLst/>
+          </a:prstGeom>
+        </p:spPr>
+        <p:txBody>
+          <a:bodyPr anchorCtr="0" anchor="t" bIns="91425" lIns="91425" spcFirstLastPara="1" rIns="91425" wrap="square" tIns="91425">
+            <a:noAutofit/>
+          </a:bodyPr>
+          <a:lstStyle/>
+          <a:p>
+            <a:pPr indent="0" lvl="0" marL="0" rtl="0" algn="l">
+              <a:spcBef>
+                <a:spcPts val="0"/>
+              </a:spcBef>
+              <a:spcAft>
+                <a:spcPts val="0"/>
+              </a:spcAft>
+              <a:buNone/>
+            </a:pPr>
+            <a:r>
+              <a:t/>
+            </a:r>
+            <a:endParaRPr/>
+          </a:p>
+        </p:txBody>
+      </p:sp>
     </p:spTree>
   </p:cSld>
   <p:clrMapOvr>
@@ -992,7 +1002,7 @@
   <p:cSld>
     <p:spTree>
       <p:nvGrpSpPr>
-        <p:cNvPr id="184" name="Shape 184"/>
+        <p:cNvPr id="194" name="Shape 194"/>
         <p:cNvGrpSpPr/>
         <p:nvPr/>
       </p:nvGrpSpPr>
@@ -1006,46 +1016,7 @@
       </p:grpSpPr>
       <p:sp>
         <p:nvSpPr>
-          <p:cNvPr id="185" name="Google Shape;185;p6:notes"/>
-          <p:cNvSpPr txBox="1"/>
-          <p:nvPr>
-            <p:ph idx="1" type="body"/>
-          </p:nvPr>
-        </p:nvSpPr>
-        <p:spPr>
-          <a:xfrm>
-            <a:off x="685800" y="4343400"/>
-            <a:ext cx="5486400" cy="4114800"/>
-          </a:xfrm>
-          <a:prstGeom prst="rect">
-            <a:avLst/>
-          </a:prstGeom>
-        </p:spPr>
-        <p:txBody>
-          <a:bodyPr anchorCtr="0" anchor="t" bIns="91425" lIns="91425" spcFirstLastPara="1" rIns="91425" wrap="square" tIns="91425">
-            <a:noAutofit/>
-          </a:bodyPr>
-          <a:lstStyle/>
-          <a:p>
-            <a:pPr indent="0" lvl="0" marL="0" rtl="0" algn="l">
-              <a:spcBef>
-                <a:spcPts val="0"/>
-              </a:spcBef>
-              <a:spcAft>
-                <a:spcPts val="0"/>
-              </a:spcAft>
-              <a:buNone/>
-            </a:pPr>
-            <a:r>
-              <a:t/>
-            </a:r>
-            <a:endParaRPr/>
-          </a:p>
-        </p:txBody>
-      </p:sp>
-      <p:sp>
-        <p:nvSpPr>
-          <p:cNvPr id="186" name="Google Shape;186;p6:notes"/>
+          <p:cNvPr id="195" name="Google Shape;195;g4de70dcd95_0_59:notes"/>
           <p:cNvSpPr/>
           <p:nvPr>
             <p:ph idx="2" type="sldImg"/>
@@ -1054,7 +1025,7 @@
         <p:spPr>
           <a:xfrm>
             <a:off x="1143225" y="685800"/>
-            <a:ext cx="4572225" cy="3429000"/>
+            <a:ext cx="4572300" cy="3429000"/>
           </a:xfrm>
           <a:custGeom>
             <a:rect b="b" l="l" r="r" t="t"/>
@@ -1078,6 +1049,45 @@
           </a:custGeom>
         </p:spPr>
       </p:sp>
+      <p:sp>
+        <p:nvSpPr>
+          <p:cNvPr id="196" name="Google Shape;196;g4de70dcd95_0_59:notes"/>
+          <p:cNvSpPr txBox="1"/>
+          <p:nvPr>
+            <p:ph idx="1" type="body"/>
+          </p:nvPr>
+        </p:nvSpPr>
+        <p:spPr>
+          <a:xfrm>
+            <a:off x="685800" y="4343400"/>
+            <a:ext cx="5486400" cy="4114800"/>
+          </a:xfrm>
+          <a:prstGeom prst="rect">
+            <a:avLst/>
+          </a:prstGeom>
+        </p:spPr>
+        <p:txBody>
+          <a:bodyPr anchorCtr="0" anchor="t" bIns="91425" lIns="91425" spcFirstLastPara="1" rIns="91425" wrap="square" tIns="91425">
+            <a:noAutofit/>
+          </a:bodyPr>
+          <a:lstStyle/>
+          <a:p>
+            <a:pPr indent="0" lvl="0" marL="0" rtl="0" algn="l">
+              <a:spcBef>
+                <a:spcPts val="0"/>
+              </a:spcBef>
+              <a:spcAft>
+                <a:spcPts val="0"/>
+              </a:spcAft>
+              <a:buNone/>
+            </a:pPr>
+            <a:r>
+              <a:t/>
+            </a:r>
+            <a:endParaRPr/>
+          </a:p>
+        </p:txBody>
+      </p:sp>
     </p:spTree>
   </p:cSld>
   <p:clrMapOvr>
@@ -1091,7 +1101,7 @@
   <p:cSld>
     <p:spTree>
       <p:nvGrpSpPr>
-        <p:cNvPr id="194" name="Shape 194"/>
+        <p:cNvPr id="205" name="Shape 205"/>
         <p:cNvGrpSpPr/>
         <p:nvPr/>
       </p:nvGrpSpPr>
@@ -1105,7 +1115,7 @@
       </p:grpSpPr>
       <p:sp>
         <p:nvSpPr>
-          <p:cNvPr id="195" name="Google Shape;195;p7:notes"/>
+          <p:cNvPr id="206" name="Google Shape;206;p13:notes"/>
           <p:cNvSpPr txBox="1"/>
           <p:nvPr>
             <p:ph idx="1" type="body"/>
@@ -1144,7 +1154,7 @@
       </p:sp>
       <p:sp>
         <p:nvSpPr>
-          <p:cNvPr id="196" name="Google Shape;196;p7:notes"/>
+          <p:cNvPr id="207" name="Google Shape;207;p13:notes"/>
           <p:cNvSpPr/>
           <p:nvPr>
             <p:ph idx="2" type="sldImg"/>
@@ -1190,7 +1200,7 @@
   <p:cSld>
     <p:spTree>
       <p:nvGrpSpPr>
-        <p:cNvPr id="204" name="Shape 204"/>
+        <p:cNvPr id="219" name="Shape 219"/>
         <p:cNvGrpSpPr/>
         <p:nvPr/>
       </p:nvGrpSpPr>
@@ -1204,7 +1214,7 @@
       </p:grpSpPr>
       <p:sp>
         <p:nvSpPr>
-          <p:cNvPr id="205" name="Google Shape;205;g4de70dcd95_0_51:notes"/>
+          <p:cNvPr id="220" name="Google Shape;220;g4de70dcd95_0_69:notes"/>
           <p:cNvSpPr/>
           <p:nvPr>
             <p:ph idx="2" type="sldImg"/>
@@ -1239,7 +1249,7 @@
       </p:sp>
       <p:sp>
         <p:nvSpPr>
-          <p:cNvPr id="206" name="Google Shape;206;g4de70dcd95_0_51:notes"/>
+          <p:cNvPr id="221" name="Google Shape;221;g4de70dcd95_0_69:notes"/>
           <p:cNvSpPr txBox="1"/>
           <p:nvPr>
             <p:ph idx="1" type="body"/>
@@ -1289,7 +1299,7 @@
   <p:cSld>
     <p:spTree>
       <p:nvGrpSpPr>
-        <p:cNvPr id="213" name="Shape 213"/>
+        <p:cNvPr id="228" name="Shape 228"/>
         <p:cNvGrpSpPr/>
         <p:nvPr/>
       </p:nvGrpSpPr>
@@ -1303,7 +1313,7 @@
       </p:grpSpPr>
       <p:sp>
         <p:nvSpPr>
-          <p:cNvPr id="214" name="Google Shape;214;g4de70dcd95_0_59:notes"/>
+          <p:cNvPr id="229" name="Google Shape;229;g4de99a07ab_2_0:notes"/>
           <p:cNvSpPr/>
           <p:nvPr>
             <p:ph idx="2" type="sldImg"/>
@@ -1338,7 +1348,7 @@
       </p:sp>
       <p:sp>
         <p:nvSpPr>
-          <p:cNvPr id="215" name="Google Shape;215;g4de70dcd95_0_59:notes"/>
+          <p:cNvPr id="230" name="Google Shape;230;g4de99a07ab_2_0:notes"/>
           <p:cNvSpPr txBox="1"/>
           <p:nvPr>
             <p:ph idx="1" type="body"/>
@@ -1388,7 +1398,7 @@
   <p:cSld>
     <p:spTree>
       <p:nvGrpSpPr>
-        <p:cNvPr id="224" name="Shape 224"/>
+        <p:cNvPr id="236" name="Shape 236"/>
         <p:cNvGrpSpPr/>
         <p:nvPr/>
       </p:nvGrpSpPr>
@@ -1402,7 +1412,46 @@
       </p:grpSpPr>
       <p:sp>
         <p:nvSpPr>
-          <p:cNvPr id="225" name="Google Shape;225;g4de70dcd95_0_69:notes"/>
+          <p:cNvPr id="237" name="Google Shape;237;p5:notes"/>
+          <p:cNvSpPr txBox="1"/>
+          <p:nvPr>
+            <p:ph idx="1" type="body"/>
+          </p:nvPr>
+        </p:nvSpPr>
+        <p:spPr>
+          <a:xfrm>
+            <a:off x="685800" y="4343400"/>
+            <a:ext cx="5486400" cy="4114800"/>
+          </a:xfrm>
+          <a:prstGeom prst="rect">
+            <a:avLst/>
+          </a:prstGeom>
+        </p:spPr>
+        <p:txBody>
+          <a:bodyPr anchorCtr="0" anchor="t" bIns="91425" lIns="91425" spcFirstLastPara="1" rIns="91425" wrap="square" tIns="91425">
+            <a:noAutofit/>
+          </a:bodyPr>
+          <a:lstStyle/>
+          <a:p>
+            <a:pPr indent="0" lvl="0" marL="0" rtl="0" algn="l">
+              <a:spcBef>
+                <a:spcPts val="0"/>
+              </a:spcBef>
+              <a:spcAft>
+                <a:spcPts val="0"/>
+              </a:spcAft>
+              <a:buNone/>
+            </a:pPr>
+            <a:r>
+              <a:t/>
+            </a:r>
+            <a:endParaRPr/>
+          </a:p>
+        </p:txBody>
+      </p:sp>
+      <p:sp>
+        <p:nvSpPr>
+          <p:cNvPr id="238" name="Google Shape;238;p5:notes"/>
           <p:cNvSpPr/>
           <p:nvPr>
             <p:ph idx="2" type="sldImg"/>
@@ -1411,7 +1460,7 @@
         <p:spPr>
           <a:xfrm>
             <a:off x="1143225" y="685800"/>
-            <a:ext cx="4572300" cy="3429000"/>
+            <a:ext cx="4572225" cy="3429000"/>
           </a:xfrm>
           <a:custGeom>
             <a:rect b="b" l="l" r="r" t="t"/>
@@ -1435,45 +1484,6 @@
           </a:custGeom>
         </p:spPr>
       </p:sp>
-      <p:sp>
-        <p:nvSpPr>
-          <p:cNvPr id="226" name="Google Shape;226;g4de70dcd95_0_69:notes"/>
-          <p:cNvSpPr txBox="1"/>
-          <p:nvPr>
-            <p:ph idx="1" type="body"/>
-          </p:nvPr>
-        </p:nvSpPr>
-        <p:spPr>
-          <a:xfrm>
-            <a:off x="685800" y="4343400"/>
-            <a:ext cx="5486400" cy="4114800"/>
-          </a:xfrm>
-          <a:prstGeom prst="rect">
-            <a:avLst/>
-          </a:prstGeom>
-        </p:spPr>
-        <p:txBody>
-          <a:bodyPr anchorCtr="0" anchor="t" bIns="91425" lIns="91425" spcFirstLastPara="1" rIns="91425" wrap="square" tIns="91425">
-            <a:noAutofit/>
-          </a:bodyPr>
-          <a:lstStyle/>
-          <a:p>
-            <a:pPr indent="0" lvl="0" marL="0" rtl="0" algn="l">
-              <a:spcBef>
-                <a:spcPts val="0"/>
-              </a:spcBef>
-              <a:spcAft>
-                <a:spcPts val="0"/>
-              </a:spcAft>
-              <a:buNone/>
-            </a:pPr>
-            <a:r>
-              <a:t/>
-            </a:r>
-            <a:endParaRPr/>
-          </a:p>
-        </p:txBody>
-      </p:sp>
     </p:spTree>
   </p:cSld>
   <p:clrMapOvr>
@@ -1487,7 +1497,7 @@
   <p:cSld>
     <p:spTree>
       <p:nvGrpSpPr>
-        <p:cNvPr id="233" name="Shape 233"/>
+        <p:cNvPr id="242" name="Shape 242"/>
         <p:cNvGrpSpPr/>
         <p:nvPr/>
       </p:nvGrpSpPr>
@@ -1501,7 +1511,7 @@
       </p:grpSpPr>
       <p:sp>
         <p:nvSpPr>
-          <p:cNvPr id="234" name="Google Shape;234;p9:notes"/>
+          <p:cNvPr id="243" name="Google Shape;243;p6:notes"/>
           <p:cNvSpPr txBox="1"/>
           <p:nvPr>
             <p:ph idx="1" type="body"/>
@@ -1540,7 +1550,7 @@
       </p:sp>
       <p:sp>
         <p:nvSpPr>
-          <p:cNvPr id="235" name="Google Shape;235;p9:notes"/>
+          <p:cNvPr id="244" name="Google Shape;244;p6:notes"/>
           <p:cNvSpPr/>
           <p:nvPr>
             <p:ph idx="2" type="sldImg"/>
@@ -1586,7 +1596,7 @@
   <p:cSld>
     <p:spTree>
       <p:nvGrpSpPr>
-        <p:cNvPr id="243" name="Shape 243"/>
+        <p:cNvPr id="252" name="Shape 252"/>
         <p:cNvGrpSpPr/>
         <p:nvPr/>
       </p:nvGrpSpPr>
@@ -1600,7 +1610,7 @@
       </p:grpSpPr>
       <p:sp>
         <p:nvSpPr>
-          <p:cNvPr id="244" name="Google Shape;244;p10:notes"/>
+          <p:cNvPr id="253" name="Google Shape;253;p7:notes"/>
           <p:cNvSpPr txBox="1"/>
           <p:nvPr>
             <p:ph idx="1" type="body"/>
@@ -1639,7 +1649,7 @@
       </p:sp>
       <p:sp>
         <p:nvSpPr>
-          <p:cNvPr id="245" name="Google Shape;245;p10:notes"/>
+          <p:cNvPr id="254" name="Google Shape;254;p7:notes"/>
           <p:cNvSpPr/>
           <p:nvPr>
             <p:ph idx="2" type="sldImg"/>
@@ -1685,7 +1695,7 @@
   <p:cSld>
     <p:spTree>
       <p:nvGrpSpPr>
-        <p:cNvPr id="253" name="Shape 253"/>
+        <p:cNvPr id="262" name="Shape 262"/>
         <p:cNvGrpSpPr/>
         <p:nvPr/>
       </p:nvGrpSpPr>
@@ -1699,7 +1709,7 @@
       </p:grpSpPr>
       <p:sp>
         <p:nvSpPr>
-          <p:cNvPr id="254" name="Google Shape;254;p11:notes"/>
+          <p:cNvPr id="263" name="Google Shape;263;p9:notes"/>
           <p:cNvSpPr txBox="1"/>
           <p:nvPr>
             <p:ph idx="1" type="body"/>
@@ -1738,7 +1748,7 @@
       </p:sp>
       <p:sp>
         <p:nvSpPr>
-          <p:cNvPr id="255" name="Google Shape;255;p11:notes"/>
+          <p:cNvPr id="264" name="Google Shape;264;p9:notes"/>
           <p:cNvSpPr/>
           <p:nvPr>
             <p:ph idx="2" type="sldImg"/>
@@ -2046,7 +2056,7 @@
   <p:cSld>
     <p:spTree>
       <p:nvGrpSpPr>
-        <p:cNvPr id="263" name="Shape 263"/>
+        <p:cNvPr id="272" name="Shape 272"/>
         <p:cNvGrpSpPr/>
         <p:nvPr/>
       </p:nvGrpSpPr>
@@ -2060,7 +2070,7 @@
       </p:grpSpPr>
       <p:sp>
         <p:nvSpPr>
-          <p:cNvPr id="264" name="Google Shape;264;p12:notes"/>
+          <p:cNvPr id="273" name="Google Shape;273;p11:notes"/>
           <p:cNvSpPr txBox="1"/>
           <p:nvPr>
             <p:ph idx="1" type="body"/>
@@ -2099,7 +2109,7 @@
       </p:sp>
       <p:sp>
         <p:nvSpPr>
-          <p:cNvPr id="265" name="Google Shape;265;p12:notes"/>
+          <p:cNvPr id="274" name="Google Shape;274;p11:notes"/>
           <p:cNvSpPr/>
           <p:nvPr>
             <p:ph idx="2" type="sldImg"/>
@@ -2145,7 +2155,7 @@
   <p:cSld>
     <p:spTree>
       <p:nvGrpSpPr>
-        <p:cNvPr id="274" name="Shape 274"/>
+        <p:cNvPr id="282" name="Shape 282"/>
         <p:cNvGrpSpPr/>
         <p:nvPr/>
       </p:nvGrpSpPr>
@@ -2159,46 +2169,7 @@
       </p:grpSpPr>
       <p:sp>
         <p:nvSpPr>
-          <p:cNvPr id="275" name="Google Shape;275;p13:notes"/>
-          <p:cNvSpPr txBox="1"/>
-          <p:nvPr>
-            <p:ph idx="1" type="body"/>
-          </p:nvPr>
-        </p:nvSpPr>
-        <p:spPr>
-          <a:xfrm>
-            <a:off x="685800" y="4343400"/>
-            <a:ext cx="5486400" cy="4114800"/>
-          </a:xfrm>
-          <a:prstGeom prst="rect">
-            <a:avLst/>
-          </a:prstGeom>
-        </p:spPr>
-        <p:txBody>
-          <a:bodyPr anchorCtr="0" anchor="t" bIns="91425" lIns="91425" spcFirstLastPara="1" rIns="91425" wrap="square" tIns="91425">
-            <a:noAutofit/>
-          </a:bodyPr>
-          <a:lstStyle/>
-          <a:p>
-            <a:pPr indent="0" lvl="0" marL="0" rtl="0" algn="l">
-              <a:spcBef>
-                <a:spcPts val="0"/>
-              </a:spcBef>
-              <a:spcAft>
-                <a:spcPts val="0"/>
-              </a:spcAft>
-              <a:buNone/>
-            </a:pPr>
-            <a:r>
-              <a:t/>
-            </a:r>
-            <a:endParaRPr/>
-          </a:p>
-        </p:txBody>
-      </p:sp>
-      <p:sp>
-        <p:nvSpPr>
-          <p:cNvPr id="276" name="Google Shape;276;p13:notes"/>
+          <p:cNvPr id="283" name="Google Shape;283;g4de70dcd95_0_51:notes"/>
           <p:cNvSpPr/>
           <p:nvPr>
             <p:ph idx="2" type="sldImg"/>
@@ -2207,7 +2178,7 @@
         <p:spPr>
           <a:xfrm>
             <a:off x="1143225" y="685800"/>
-            <a:ext cx="4572225" cy="3429000"/>
+            <a:ext cx="4572300" cy="3429000"/>
           </a:xfrm>
           <a:custGeom>
             <a:rect b="b" l="l" r="r" t="t"/>
@@ -2231,6 +2202,45 @@
           </a:custGeom>
         </p:spPr>
       </p:sp>
+      <p:sp>
+        <p:nvSpPr>
+          <p:cNvPr id="284" name="Google Shape;284;g4de70dcd95_0_51:notes"/>
+          <p:cNvSpPr txBox="1"/>
+          <p:nvPr>
+            <p:ph idx="1" type="body"/>
+          </p:nvPr>
+        </p:nvSpPr>
+        <p:spPr>
+          <a:xfrm>
+            <a:off x="685800" y="4343400"/>
+            <a:ext cx="5486400" cy="4114800"/>
+          </a:xfrm>
+          <a:prstGeom prst="rect">
+            <a:avLst/>
+          </a:prstGeom>
+        </p:spPr>
+        <p:txBody>
+          <a:bodyPr anchorCtr="0" anchor="t" bIns="91425" lIns="91425" spcFirstLastPara="1" rIns="91425" wrap="square" tIns="91425">
+            <a:noAutofit/>
+          </a:bodyPr>
+          <a:lstStyle/>
+          <a:p>
+            <a:pPr indent="0" lvl="0" marL="0" rtl="0" algn="l">
+              <a:spcBef>
+                <a:spcPts val="0"/>
+              </a:spcBef>
+              <a:spcAft>
+                <a:spcPts val="0"/>
+              </a:spcAft>
+              <a:buNone/>
+            </a:pPr>
+            <a:r>
+              <a:t/>
+            </a:r>
+            <a:endParaRPr/>
+          </a:p>
+        </p:txBody>
+      </p:sp>
     </p:spTree>
   </p:cSld>
   <p:clrMapOvr>
@@ -2244,7 +2254,7 @@
   <p:cSld>
     <p:spTree>
       <p:nvGrpSpPr>
-        <p:cNvPr id="288" name="Shape 288"/>
+        <p:cNvPr id="291" name="Shape 291"/>
         <p:cNvGrpSpPr/>
         <p:nvPr/>
       </p:nvGrpSpPr>
@@ -2258,7 +2268,46 @@
       </p:grpSpPr>
       <p:sp>
         <p:nvSpPr>
-          <p:cNvPr id="289" name="Google Shape;289;g4e7e8bd7f5_0_0:notes"/>
+          <p:cNvPr id="292" name="Google Shape;292;p10:notes"/>
+          <p:cNvSpPr txBox="1"/>
+          <p:nvPr>
+            <p:ph idx="1" type="body"/>
+          </p:nvPr>
+        </p:nvSpPr>
+        <p:spPr>
+          <a:xfrm>
+            <a:off x="685800" y="4343400"/>
+            <a:ext cx="5486400" cy="4114800"/>
+          </a:xfrm>
+          <a:prstGeom prst="rect">
+            <a:avLst/>
+          </a:prstGeom>
+        </p:spPr>
+        <p:txBody>
+          <a:bodyPr anchorCtr="0" anchor="t" bIns="91425" lIns="91425" spcFirstLastPara="1" rIns="91425" wrap="square" tIns="91425">
+            <a:noAutofit/>
+          </a:bodyPr>
+          <a:lstStyle/>
+          <a:p>
+            <a:pPr indent="0" lvl="0" marL="0" rtl="0" algn="l">
+              <a:spcBef>
+                <a:spcPts val="0"/>
+              </a:spcBef>
+              <a:spcAft>
+                <a:spcPts val="0"/>
+              </a:spcAft>
+              <a:buNone/>
+            </a:pPr>
+            <a:r>
+              <a:t/>
+            </a:r>
+            <a:endParaRPr/>
+          </a:p>
+        </p:txBody>
+      </p:sp>
+      <p:sp>
+        <p:nvSpPr>
+          <p:cNvPr id="293" name="Google Shape;293;p10:notes"/>
           <p:cNvSpPr/>
           <p:nvPr>
             <p:ph idx="2" type="sldImg"/>
@@ -2267,7 +2316,7 @@
         <p:spPr>
           <a:xfrm>
             <a:off x="1143225" y="685800"/>
-            <a:ext cx="4572300" cy="3429000"/>
+            <a:ext cx="4572225" cy="3429000"/>
           </a:xfrm>
           <a:custGeom>
             <a:rect b="b" l="l" r="r" t="t"/>
@@ -2291,45 +2340,6 @@
           </a:custGeom>
         </p:spPr>
       </p:sp>
-      <p:sp>
-        <p:nvSpPr>
-          <p:cNvPr id="290" name="Google Shape;290;g4e7e8bd7f5_0_0:notes"/>
-          <p:cNvSpPr txBox="1"/>
-          <p:nvPr>
-            <p:ph idx="1" type="body"/>
-          </p:nvPr>
-        </p:nvSpPr>
-        <p:spPr>
-          <a:xfrm>
-            <a:off x="685800" y="4343400"/>
-            <a:ext cx="5486400" cy="4114800"/>
-          </a:xfrm>
-          <a:prstGeom prst="rect">
-            <a:avLst/>
-          </a:prstGeom>
-        </p:spPr>
-        <p:txBody>
-          <a:bodyPr anchorCtr="0" anchor="t" bIns="91425" lIns="91425" spcFirstLastPara="1" rIns="91425" wrap="square" tIns="91425">
-            <a:noAutofit/>
-          </a:bodyPr>
-          <a:lstStyle/>
-          <a:p>
-            <a:pPr indent="0" lvl="0" marL="0" rtl="0" algn="l">
-              <a:spcBef>
-                <a:spcPts val="0"/>
-              </a:spcBef>
-              <a:spcAft>
-                <a:spcPts val="0"/>
-              </a:spcAft>
-              <a:buNone/>
-            </a:pPr>
-            <a:r>
-              <a:t/>
-            </a:r>
-            <a:endParaRPr/>
-          </a:p>
-        </p:txBody>
-      </p:sp>
     </p:spTree>
   </p:cSld>
   <p:clrMapOvr>
@@ -2343,7 +2353,7 @@
   <p:cSld>
     <p:spTree>
       <p:nvGrpSpPr>
-        <p:cNvPr id="303" name="Shape 303"/>
+        <p:cNvPr id="301" name="Shape 301"/>
         <p:cNvGrpSpPr/>
         <p:nvPr/>
       </p:nvGrpSpPr>
@@ -2357,7 +2367,7 @@
       </p:grpSpPr>
       <p:sp>
         <p:nvSpPr>
-          <p:cNvPr id="304" name="Google Shape;304;p14:notes"/>
+          <p:cNvPr id="302" name="Google Shape;302;p12:notes"/>
           <p:cNvSpPr txBox="1"/>
           <p:nvPr>
             <p:ph idx="1" type="body"/>
@@ -2396,7 +2406,106 @@
       </p:sp>
       <p:sp>
         <p:nvSpPr>
-          <p:cNvPr id="305" name="Google Shape;305;p14:notes"/>
+          <p:cNvPr id="303" name="Google Shape;303;p12:notes"/>
+          <p:cNvSpPr/>
+          <p:nvPr>
+            <p:ph idx="2" type="sldImg"/>
+          </p:nvPr>
+        </p:nvSpPr>
+        <p:spPr>
+          <a:xfrm>
+            <a:off x="1143225" y="685800"/>
+            <a:ext cx="4572225" cy="3429000"/>
+          </a:xfrm>
+          <a:custGeom>
+            <a:rect b="b" l="l" r="r" t="t"/>
+            <a:pathLst>
+              <a:path extrusionOk="0" h="120000" w="120000">
+                <a:moveTo>
+                  <a:pt x="0" y="0"/>
+                </a:moveTo>
+                <a:lnTo>
+                  <a:pt x="120000" y="0"/>
+                </a:lnTo>
+                <a:lnTo>
+                  <a:pt x="120000" y="120000"/>
+                </a:lnTo>
+                <a:lnTo>
+                  <a:pt x="0" y="120000"/>
+                </a:lnTo>
+                <a:close/>
+              </a:path>
+            </a:pathLst>
+          </a:custGeom>
+        </p:spPr>
+      </p:sp>
+    </p:spTree>
+  </p:cSld>
+  <p:clrMapOvr>
+    <a:masterClrMapping/>
+  </p:clrMapOvr>
+</p:notes>
+</file>
+
+<file path=ppt/notesSlides/notesSlide24.xml><?xml version="1.0" encoding="utf-8"?>
+<p:notes xmlns:a="http://schemas.openxmlformats.org/drawingml/2006/main" xmlns:r="http://schemas.openxmlformats.org/officeDocument/2006/relationships" xmlns:mc="http://schemas.openxmlformats.org/markup-compatibility/2006" xmlns:mv="urn:schemas-microsoft-com:mac:vml" xmlns:p="http://schemas.openxmlformats.org/presentationml/2006/main" xmlns:c="http://schemas.openxmlformats.org/drawingml/2006/chart" xmlns:dgm="http://schemas.openxmlformats.org/drawingml/2006/diagram" xmlns:o="urn:schemas-microsoft-com:office:office" xmlns:v="urn:schemas-microsoft-com:vml" xmlns:pvml="urn:schemas-microsoft-com:office:powerpoint" xmlns:com="http://schemas.openxmlformats.org/drawingml/2006/compatibility" xmlns:p14="http://schemas.microsoft.com/office/powerpoint/2010/main" xmlns:p15="http://schemas.microsoft.com/office/powerpoint/2012/main" showMasterPhAnim="0" showMasterSp="0">
+  <p:cSld>
+    <p:spTree>
+      <p:nvGrpSpPr>
+        <p:cNvPr id="312" name="Shape 312"/>
+        <p:cNvGrpSpPr/>
+        <p:nvPr/>
+      </p:nvGrpSpPr>
+      <p:grpSpPr>
+        <a:xfrm>
+          <a:off x="0" y="0"/>
+          <a:ext cx="0" cy="0"/>
+          <a:chOff x="0" y="0"/>
+          <a:chExt cx="0" cy="0"/>
+        </a:xfrm>
+      </p:grpSpPr>
+      <p:sp>
+        <p:nvSpPr>
+          <p:cNvPr id="313" name="Google Shape;313;p14:notes"/>
+          <p:cNvSpPr txBox="1"/>
+          <p:nvPr>
+            <p:ph idx="1" type="body"/>
+          </p:nvPr>
+        </p:nvSpPr>
+        <p:spPr>
+          <a:xfrm>
+            <a:off x="685800" y="4343400"/>
+            <a:ext cx="5486400" cy="4114800"/>
+          </a:xfrm>
+          <a:prstGeom prst="rect">
+            <a:avLst/>
+          </a:prstGeom>
+        </p:spPr>
+        <p:txBody>
+          <a:bodyPr anchorCtr="0" anchor="t" bIns="91425" lIns="91425" spcFirstLastPara="1" rIns="91425" wrap="square" tIns="91425">
+            <a:noAutofit/>
+          </a:bodyPr>
+          <a:lstStyle/>
+          <a:p>
+            <a:pPr indent="0" lvl="0" marL="0" rtl="0" algn="l">
+              <a:spcBef>
+                <a:spcPts val="0"/>
+              </a:spcBef>
+              <a:spcAft>
+                <a:spcPts val="0"/>
+              </a:spcAft>
+              <a:buNone/>
+            </a:pPr>
+            <a:r>
+              <a:t/>
+            </a:r>
+            <a:endParaRPr/>
+          </a:p>
+        </p:txBody>
+      </p:sp>
+      <p:sp>
+        <p:nvSpPr>
+          <p:cNvPr id="314" name="Google Shape;314;p14:notes"/>
           <p:cNvSpPr/>
           <p:nvPr>
             <p:ph idx="2" type="sldImg"/>
@@ -2739,7 +2848,7 @@
   <p:cSld>
     <p:spTree>
       <p:nvGrpSpPr>
-        <p:cNvPr id="131" name="Shape 131"/>
+        <p:cNvPr id="132" name="Shape 132"/>
         <p:cNvGrpSpPr/>
         <p:nvPr/>
       </p:nvGrpSpPr>
@@ -2753,7 +2862,7 @@
       </p:grpSpPr>
       <p:sp>
         <p:nvSpPr>
-          <p:cNvPr id="132" name="Google Shape;132;g4e7e8bd7f5_0_20:notes"/>
+          <p:cNvPr id="133" name="Google Shape;133;g4e7e8bd7f5_0_20:notes"/>
           <p:cNvSpPr/>
           <p:nvPr>
             <p:ph idx="2" type="sldImg"/>
@@ -2788,7 +2897,7 @@
       </p:sp>
       <p:sp>
         <p:nvSpPr>
-          <p:cNvPr id="133" name="Google Shape;133;g4e7e8bd7f5_0_20:notes"/>
+          <p:cNvPr id="134" name="Google Shape;134;g4e7e8bd7f5_0_20:notes"/>
           <p:cNvSpPr txBox="1"/>
           <p:nvPr>
             <p:ph idx="1" type="body"/>
@@ -2838,7 +2947,7 @@
   <p:cSld>
     <p:spTree>
       <p:nvGrpSpPr>
-        <p:cNvPr id="142" name="Shape 142"/>
+        <p:cNvPr id="143" name="Shape 143"/>
         <p:cNvGrpSpPr/>
         <p:nvPr/>
       </p:nvGrpSpPr>
@@ -2852,7 +2961,7 @@
       </p:grpSpPr>
       <p:sp>
         <p:nvSpPr>
-          <p:cNvPr id="143" name="Google Shape;143;g4de70dcd95_0_7:notes"/>
+          <p:cNvPr id="144" name="Google Shape;144;g4e7e8bd7f5_0_0:notes"/>
           <p:cNvSpPr/>
           <p:nvPr>
             <p:ph idx="2" type="sldImg"/>
@@ -2887,7 +2996,7 @@
       </p:sp>
       <p:sp>
         <p:nvSpPr>
-          <p:cNvPr id="144" name="Google Shape;144;g4de70dcd95_0_7:notes"/>
+          <p:cNvPr id="145" name="Google Shape;145;g4e7e8bd7f5_0_0:notes"/>
           <p:cNvSpPr txBox="1"/>
           <p:nvPr>
             <p:ph idx="1" type="body"/>
@@ -2937,7 +3046,7 @@
   <p:cSld>
     <p:spTree>
       <p:nvGrpSpPr>
-        <p:cNvPr id="149" name="Shape 149"/>
+        <p:cNvPr id="158" name="Shape 158"/>
         <p:cNvGrpSpPr/>
         <p:nvPr/>
       </p:nvGrpSpPr>
@@ -2951,7 +3060,7 @@
       </p:grpSpPr>
       <p:sp>
         <p:nvSpPr>
-          <p:cNvPr id="150" name="Google Shape;150;g4de7accf94_0_4:notes"/>
+          <p:cNvPr id="159" name="Google Shape;159;g4de70dcd95_0_7:notes"/>
           <p:cNvSpPr/>
           <p:nvPr>
             <p:ph idx="2" type="sldImg"/>
@@ -2986,7 +3095,7 @@
       </p:sp>
       <p:sp>
         <p:nvSpPr>
-          <p:cNvPr id="151" name="Google Shape;151;g4de7accf94_0_4:notes"/>
+          <p:cNvPr id="160" name="Google Shape;160;g4de70dcd95_0_7:notes"/>
           <p:cNvSpPr txBox="1"/>
           <p:nvPr>
             <p:ph idx="1" type="body"/>
@@ -3036,7 +3145,7 @@
   <p:cSld>
     <p:spTree>
       <p:nvGrpSpPr>
-        <p:cNvPr id="160" name="Shape 160"/>
+        <p:cNvPr id="165" name="Shape 165"/>
         <p:cNvGrpSpPr/>
         <p:nvPr/>
       </p:nvGrpSpPr>
@@ -3050,46 +3159,7 @@
       </p:grpSpPr>
       <p:sp>
         <p:nvSpPr>
-          <p:cNvPr id="161" name="Google Shape;161;p4:notes"/>
-          <p:cNvSpPr txBox="1"/>
-          <p:nvPr>
-            <p:ph idx="1" type="body"/>
-          </p:nvPr>
-        </p:nvSpPr>
-        <p:spPr>
-          <a:xfrm>
-            <a:off x="685800" y="4343400"/>
-            <a:ext cx="5486400" cy="4114800"/>
-          </a:xfrm>
-          <a:prstGeom prst="rect">
-            <a:avLst/>
-          </a:prstGeom>
-        </p:spPr>
-        <p:txBody>
-          <a:bodyPr anchorCtr="0" anchor="t" bIns="91425" lIns="91425" spcFirstLastPara="1" rIns="91425" wrap="square" tIns="91425">
-            <a:noAutofit/>
-          </a:bodyPr>
-          <a:lstStyle/>
-          <a:p>
-            <a:pPr indent="0" lvl="0" marL="0" rtl="0" algn="l">
-              <a:spcBef>
-                <a:spcPts val="0"/>
-              </a:spcBef>
-              <a:spcAft>
-                <a:spcPts val="0"/>
-              </a:spcAft>
-              <a:buNone/>
-            </a:pPr>
-            <a:r>
-              <a:t/>
-            </a:r>
-            <a:endParaRPr/>
-          </a:p>
-        </p:txBody>
-      </p:sp>
-      <p:sp>
-        <p:nvSpPr>
-          <p:cNvPr id="162" name="Google Shape;162;p4:notes"/>
+          <p:cNvPr id="166" name="Google Shape;166;g4de7accf94_0_4:notes"/>
           <p:cNvSpPr/>
           <p:nvPr>
             <p:ph idx="2" type="sldImg"/>
@@ -3098,7 +3168,7 @@
         <p:spPr>
           <a:xfrm>
             <a:off x="1143225" y="685800"/>
-            <a:ext cx="4572225" cy="3429000"/>
+            <a:ext cx="4572300" cy="3429000"/>
           </a:xfrm>
           <a:custGeom>
             <a:rect b="b" l="l" r="r" t="t"/>
@@ -3121,6 +3191,45 @@
             </a:pathLst>
           </a:custGeom>
         </p:spPr>
+      </p:sp>
+      <p:sp>
+        <p:nvSpPr>
+          <p:cNvPr id="167" name="Google Shape;167;g4de7accf94_0_4:notes"/>
+          <p:cNvSpPr txBox="1"/>
+          <p:nvPr>
+            <p:ph idx="1" type="body"/>
+          </p:nvPr>
+        </p:nvSpPr>
+        <p:spPr>
+          <a:xfrm>
+            <a:off x="685800" y="4343400"/>
+            <a:ext cx="5486400" cy="4114800"/>
+          </a:xfrm>
+          <a:prstGeom prst="rect">
+            <a:avLst/>
+          </a:prstGeom>
+        </p:spPr>
+        <p:txBody>
+          <a:bodyPr anchorCtr="0" anchor="t" bIns="91425" lIns="91425" spcFirstLastPara="1" rIns="91425" wrap="square" tIns="91425">
+            <a:noAutofit/>
+          </a:bodyPr>
+          <a:lstStyle/>
+          <a:p>
+            <a:pPr indent="0" lvl="0" marL="0" rtl="0" algn="l">
+              <a:spcBef>
+                <a:spcPts val="0"/>
+              </a:spcBef>
+              <a:spcAft>
+                <a:spcPts val="0"/>
+              </a:spcAft>
+              <a:buNone/>
+            </a:pPr>
+            <a:r>
+              <a:t/>
+            </a:r>
+            <a:endParaRPr/>
+          </a:p>
+        </p:txBody>
       </p:sp>
     </p:spTree>
   </p:cSld>
@@ -13566,7 +13675,7 @@
   <p:cSld>
     <p:spTree>
       <p:nvGrpSpPr>
-        <p:cNvPr id="172" name="Shape 172"/>
+        <p:cNvPr id="179" name="Shape 179"/>
         <p:cNvGrpSpPr/>
         <p:nvPr/>
       </p:nvGrpSpPr>
@@ -13580,7 +13689,248 @@
       </p:grpSpPr>
       <p:sp>
         <p:nvSpPr>
-          <p:cNvPr id="173" name="Google Shape;173;p22"/>
+          <p:cNvPr id="180" name="Google Shape;180;p22"/>
+          <p:cNvSpPr/>
+          <p:nvPr/>
+        </p:nvSpPr>
+        <p:spPr>
+          <a:xfrm>
+            <a:off x="0" y="0"/>
+            <a:ext cx="3987310" cy="477054"/>
+          </a:xfrm>
+          <a:prstGeom prst="rect">
+            <a:avLst/>
+          </a:prstGeom>
+          <a:noFill/>
+          <a:ln>
+            <a:noFill/>
+          </a:ln>
+        </p:spPr>
+        <p:txBody>
+          <a:bodyPr anchorCtr="0" anchor="t" bIns="45700" lIns="91425" spcFirstLastPara="1" rIns="91425" wrap="square" tIns="45700">
+            <a:noAutofit/>
+          </a:bodyPr>
+          <a:lstStyle/>
+          <a:p>
+            <a:pPr indent="0" lvl="0" marL="0" marR="0" rtl="0" algn="ctr">
+              <a:spcBef>
+                <a:spcPts val="0"/>
+              </a:spcBef>
+              <a:spcAft>
+                <a:spcPts val="0"/>
+              </a:spcAft>
+              <a:buNone/>
+            </a:pPr>
+            <a:r>
+              <a:rPr lang="es-ES" sz="2500">
+                <a:solidFill>
+                  <a:schemeClr val="dk1"/>
+                </a:solidFill>
+                <a:latin typeface="Calibri"/>
+                <a:ea typeface="Calibri"/>
+                <a:cs typeface="Calibri"/>
+                <a:sym typeface="Calibri"/>
+              </a:rPr>
+              <a:t>Deep Learning - Optimization</a:t>
+            </a:r>
+            <a:endParaRPr b="0" sz="2500" cap="none">
+              <a:solidFill>
+                <a:schemeClr val="dk1"/>
+              </a:solidFill>
+              <a:latin typeface="Calibri"/>
+              <a:ea typeface="Calibri"/>
+              <a:cs typeface="Calibri"/>
+              <a:sym typeface="Calibri"/>
+            </a:endParaRPr>
+          </a:p>
+        </p:txBody>
+      </p:sp>
+      <p:sp>
+        <p:nvSpPr>
+          <p:cNvPr id="181" name="Google Shape;181;p22"/>
+          <p:cNvSpPr/>
+          <p:nvPr/>
+        </p:nvSpPr>
+        <p:spPr>
+          <a:xfrm>
+            <a:off x="309697" y="677325"/>
+            <a:ext cx="2861400" cy="923400"/>
+          </a:xfrm>
+          <a:prstGeom prst="rect">
+            <a:avLst/>
+          </a:prstGeom>
+          <a:noFill/>
+          <a:ln>
+            <a:noFill/>
+          </a:ln>
+        </p:spPr>
+        <p:txBody>
+          <a:bodyPr anchorCtr="0" anchor="t" bIns="45700" lIns="91425" spcFirstLastPara="1" rIns="91425" wrap="square" tIns="45700">
+            <a:noAutofit/>
+          </a:bodyPr>
+          <a:lstStyle/>
+          <a:p>
+            <a:pPr indent="0" lvl="0" marL="0" marR="0" rtl="0" algn="ctr">
+              <a:spcBef>
+                <a:spcPts val="0"/>
+              </a:spcBef>
+              <a:spcAft>
+                <a:spcPts val="0"/>
+              </a:spcAft>
+              <a:buNone/>
+            </a:pPr>
+            <a:r>
+              <a:rPr b="1" lang="es-ES" sz="5400" cap="none">
+                <a:solidFill>
+                  <a:schemeClr val="accent5"/>
+                </a:solidFill>
+                <a:latin typeface="Calibri"/>
+                <a:ea typeface="Calibri"/>
+                <a:cs typeface="Calibri"/>
+                <a:sym typeface="Calibri"/>
+              </a:rPr>
+              <a:t>RMSprop</a:t>
+            </a:r>
+            <a:endParaRPr b="1" sz="5400" cap="none">
+              <a:solidFill>
+                <a:schemeClr val="accent5"/>
+              </a:solidFill>
+              <a:latin typeface="Calibri"/>
+              <a:ea typeface="Calibri"/>
+              <a:cs typeface="Calibri"/>
+              <a:sym typeface="Calibri"/>
+            </a:endParaRPr>
+          </a:p>
+        </p:txBody>
+      </p:sp>
+      <p:pic>
+        <p:nvPicPr>
+          <p:cNvPr descr="esultado de imagen de rmsprop" id="182" name="Google Shape;182;p22"/>
+          <p:cNvPicPr preferRelativeResize="0"/>
+          <p:nvPr/>
+        </p:nvPicPr>
+        <p:blipFill rotWithShape="1">
+          <a:blip r:embed="rId3">
+            <a:alphaModFix/>
+          </a:blip>
+          <a:srcRect b="0" l="0" r="0" t="0"/>
+          <a:stretch/>
+        </p:blipFill>
+        <p:spPr>
+          <a:xfrm>
+            <a:off x="7666550" y="1524000"/>
+            <a:ext cx="4203975" cy="4203975"/>
+          </a:xfrm>
+          <a:prstGeom prst="rect">
+            <a:avLst/>
+          </a:prstGeom>
+          <a:noFill/>
+          <a:ln>
+            <a:noFill/>
+          </a:ln>
+        </p:spPr>
+      </p:pic>
+      <p:pic>
+        <p:nvPicPr>
+          <p:cNvPr id="183" name="Google Shape;183;p22"/>
+          <p:cNvPicPr preferRelativeResize="0"/>
+          <p:nvPr/>
+        </p:nvPicPr>
+        <p:blipFill rotWithShape="1">
+          <a:blip r:embed="rId4">
+            <a:alphaModFix/>
+          </a:blip>
+          <a:srcRect b="31691" l="25534" r="19976" t="26641"/>
+          <a:stretch/>
+        </p:blipFill>
+        <p:spPr>
+          <a:xfrm>
+            <a:off x="487100" y="2113899"/>
+            <a:ext cx="7020350" cy="3019850"/>
+          </a:xfrm>
+          <a:prstGeom prst="rect">
+            <a:avLst/>
+          </a:prstGeom>
+          <a:noFill/>
+          <a:ln>
+            <a:noFill/>
+          </a:ln>
+        </p:spPr>
+      </p:pic>
+      <p:sp>
+        <p:nvSpPr>
+          <p:cNvPr id="184" name="Google Shape;184;p22"/>
+          <p:cNvSpPr txBox="1"/>
+          <p:nvPr/>
+        </p:nvSpPr>
+        <p:spPr>
+          <a:xfrm>
+            <a:off x="1363800" y="5934600"/>
+            <a:ext cx="7072200" cy="923400"/>
+          </a:xfrm>
+          <a:prstGeom prst="rect">
+            <a:avLst/>
+          </a:prstGeom>
+          <a:noFill/>
+          <a:ln>
+            <a:noFill/>
+          </a:ln>
+        </p:spPr>
+        <p:txBody>
+          <a:bodyPr anchorCtr="0" anchor="t" bIns="91425" lIns="91425" spcFirstLastPara="1" rIns="91425" wrap="square" tIns="91425">
+            <a:noAutofit/>
+          </a:bodyPr>
+          <a:lstStyle/>
+          <a:p>
+            <a:pPr indent="0" lvl="0" marL="0" rtl="0" algn="l">
+              <a:spcBef>
+                <a:spcPts val="0"/>
+              </a:spcBef>
+              <a:spcAft>
+                <a:spcPts val="0"/>
+              </a:spcAft>
+              <a:buNone/>
+            </a:pPr>
+            <a:r>
+              <a:rPr lang="es-ES">
+                <a:solidFill>
+                  <a:schemeClr val="dk1"/>
+                </a:solidFill>
+              </a:rPr>
+              <a:t>The RMSprop optimizer is similar to the gradient descent algorithm with momentum. </a:t>
+            </a:r>
+            <a:endParaRPr/>
+          </a:p>
+        </p:txBody>
+      </p:sp>
+    </p:spTree>
+  </p:cSld>
+  <p:clrMapOvr>
+    <a:masterClrMapping/>
+  </p:clrMapOvr>
+</p:sld>
+</file>
+
+<file path=ppt/slides/slide11.xml><?xml version="1.0" encoding="utf-8"?>
+<p:sld xmlns:a="http://schemas.openxmlformats.org/drawingml/2006/main" xmlns:r="http://schemas.openxmlformats.org/officeDocument/2006/relationships" xmlns:mc="http://schemas.openxmlformats.org/markup-compatibility/2006" xmlns:mv="urn:schemas-microsoft-com:mac:vml" xmlns:p="http://schemas.openxmlformats.org/presentationml/2006/main" xmlns:c="http://schemas.openxmlformats.org/drawingml/2006/chart" xmlns:dgm="http://schemas.openxmlformats.org/drawingml/2006/diagram" xmlns:o="urn:schemas-microsoft-com:office:office" xmlns:v="urn:schemas-microsoft-com:vml" xmlns:pvml="urn:schemas-microsoft-com:office:powerpoint" xmlns:com="http://schemas.openxmlformats.org/drawingml/2006/compatibility" xmlns:p14="http://schemas.microsoft.com/office/powerpoint/2010/main" xmlns:p15="http://schemas.microsoft.com/office/powerpoint/2012/main">
+  <p:cSld>
+    <p:spTree>
+      <p:nvGrpSpPr>
+        <p:cNvPr id="188" name="Shape 188"/>
+        <p:cNvGrpSpPr/>
+        <p:nvPr/>
+      </p:nvGrpSpPr>
+      <p:grpSpPr>
+        <a:xfrm>
+          <a:off x="0" y="0"/>
+          <a:ext cx="0" cy="0"/>
+          <a:chOff x="0" y="0"/>
+          <a:chExt cx="0" cy="0"/>
+        </a:xfrm>
+      </p:grpSpPr>
+      <p:sp>
+        <p:nvSpPr>
+          <p:cNvPr id="189" name="Google Shape;189;p23"/>
           <p:cNvSpPr txBox="1"/>
           <p:nvPr/>
         </p:nvSpPr>
@@ -13720,7 +14070,7 @@
       </p:sp>
       <p:pic>
         <p:nvPicPr>
-          <p:cNvPr id="174" name="Google Shape;174;p22"/>
+          <p:cNvPr id="190" name="Google Shape;190;p23"/>
           <p:cNvPicPr preferRelativeResize="0"/>
           <p:nvPr/>
         </p:nvPicPr>
@@ -13748,7 +14098,7 @@
       </p:pic>
       <p:pic>
         <p:nvPicPr>
-          <p:cNvPr id="175" name="Google Shape;175;p22"/>
+          <p:cNvPr id="191" name="Google Shape;191;p23"/>
           <p:cNvPicPr preferRelativeResize="0"/>
           <p:nvPr/>
         </p:nvPicPr>
@@ -13776,7 +14126,7 @@
       </p:pic>
       <p:sp>
         <p:nvSpPr>
-          <p:cNvPr id="176" name="Google Shape;176;p22"/>
+          <p:cNvPr id="192" name="Google Shape;192;p23"/>
           <p:cNvSpPr/>
           <p:nvPr/>
         </p:nvSpPr>
@@ -13834,7 +14184,7 @@
       </p:sp>
       <p:sp>
         <p:nvSpPr>
-          <p:cNvPr id="177" name="Google Shape;177;p22"/>
+          <p:cNvPr id="193" name="Google Shape;193;p23"/>
           <p:cNvSpPr/>
           <p:nvPr/>
         </p:nvSpPr>
@@ -13898,12 +14248,12 @@
 </p:sld>
 </file>
 
-<file path=ppt/slides/slide11.xml><?xml version="1.0" encoding="utf-8"?>
+<file path=ppt/slides/slide12.xml><?xml version="1.0" encoding="utf-8"?>
 <p:sld xmlns:a="http://schemas.openxmlformats.org/drawingml/2006/main" xmlns:r="http://schemas.openxmlformats.org/officeDocument/2006/relationships" xmlns:mc="http://schemas.openxmlformats.org/markup-compatibility/2006" xmlns:mv="urn:schemas-microsoft-com:mac:vml" xmlns:p="http://schemas.openxmlformats.org/presentationml/2006/main" xmlns:c="http://schemas.openxmlformats.org/drawingml/2006/chart" xmlns:dgm="http://schemas.openxmlformats.org/drawingml/2006/diagram" xmlns:o="urn:schemas-microsoft-com:office:office" xmlns:v="urn:schemas-microsoft-com:vml" xmlns:pvml="urn:schemas-microsoft-com:office:powerpoint" xmlns:com="http://schemas.openxmlformats.org/drawingml/2006/compatibility" xmlns:p14="http://schemas.microsoft.com/office/powerpoint/2010/main" xmlns:p15="http://schemas.microsoft.com/office/powerpoint/2012/main">
   <p:cSld>
     <p:spTree>
       <p:nvGrpSpPr>
-        <p:cNvPr id="181" name="Shape 181"/>
+        <p:cNvPr id="197" name="Shape 197"/>
         <p:cNvGrpSpPr/>
         <p:nvPr/>
       </p:nvGrpSpPr>
@@ -13917,312 +14267,14 @@
       </p:grpSpPr>
       <p:sp>
         <p:nvSpPr>
-          <p:cNvPr id="182" name="Google Shape;182;p23"/>
+          <p:cNvPr id="198" name="Google Shape;198;p24"/>
           <p:cNvSpPr/>
           <p:nvPr/>
         </p:nvSpPr>
         <p:spPr>
           <a:xfrm>
-            <a:off x="526966" y="389781"/>
-            <a:ext cx="2634300" cy="923400"/>
-          </a:xfrm>
-          <a:prstGeom prst="rect">
-            <a:avLst/>
-          </a:prstGeom>
-          <a:noFill/>
-          <a:ln>
-            <a:noFill/>
-          </a:ln>
-        </p:spPr>
-        <p:txBody>
-          <a:bodyPr anchorCtr="0" anchor="t" bIns="45700" lIns="91425" spcFirstLastPara="1" rIns="91425" wrap="square" tIns="45700">
-            <a:noAutofit/>
-          </a:bodyPr>
-          <a:lstStyle/>
-          <a:p>
-            <a:pPr indent="0" lvl="0" marL="0" marR="0" rtl="0" algn="ctr">
-              <a:spcBef>
-                <a:spcPts val="0"/>
-              </a:spcBef>
-              <a:spcAft>
-                <a:spcPts val="0"/>
-              </a:spcAft>
-              <a:buNone/>
-            </a:pPr>
-            <a:r>
-              <a:rPr lang="es-ES" sz="5400">
-                <a:solidFill>
-                  <a:schemeClr val="dk1"/>
-                </a:solidFill>
-                <a:latin typeface="Calibri"/>
-                <a:ea typeface="Calibri"/>
-                <a:cs typeface="Calibri"/>
-                <a:sym typeface="Calibri"/>
-              </a:rPr>
-              <a:t>Analysis:</a:t>
-            </a:r>
-            <a:endParaRPr sz="5400">
-              <a:solidFill>
-                <a:schemeClr val="dk1"/>
-              </a:solidFill>
-              <a:latin typeface="Calibri"/>
-              <a:ea typeface="Calibri"/>
-              <a:cs typeface="Calibri"/>
-              <a:sym typeface="Calibri"/>
-            </a:endParaRPr>
-          </a:p>
-        </p:txBody>
-      </p:sp>
-      <p:sp>
-        <p:nvSpPr>
-          <p:cNvPr id="183" name="Google Shape;183;p23"/>
-          <p:cNvSpPr/>
-          <p:nvPr/>
-        </p:nvSpPr>
-        <p:spPr>
-          <a:xfrm>
-            <a:off x="526975" y="1747701"/>
-            <a:ext cx="7532100" cy="4946100"/>
-          </a:xfrm>
-          <a:prstGeom prst="rect">
-            <a:avLst/>
-          </a:prstGeom>
-          <a:noFill/>
-          <a:ln>
-            <a:noFill/>
-          </a:ln>
-        </p:spPr>
-        <p:txBody>
-          <a:bodyPr anchorCtr="0" anchor="t" bIns="45700" lIns="91425" spcFirstLastPara="1" rIns="91425" wrap="square" tIns="45700">
-            <a:noAutofit/>
-          </a:bodyPr>
-          <a:lstStyle/>
-          <a:p>
-            <a:pPr indent="0" lvl="0" marL="0" marR="0" rtl="0" algn="just">
-              <a:spcBef>
-                <a:spcPts val="0"/>
-              </a:spcBef>
-              <a:spcAft>
-                <a:spcPts val="0"/>
-              </a:spcAft>
-              <a:buNone/>
-            </a:pPr>
-            <a:r>
-              <a:rPr lang="es-ES" sz="2500">
-                <a:solidFill>
-                  <a:schemeClr val="dk1"/>
-                </a:solidFill>
-                <a:latin typeface="Calibri"/>
-                <a:ea typeface="Calibri"/>
-                <a:cs typeface="Calibri"/>
-                <a:sym typeface="Calibri"/>
-              </a:rPr>
-              <a:t>We’ll observe how the optimizers work on the accuracy, convergence and its speed. </a:t>
-            </a:r>
-            <a:endParaRPr/>
-          </a:p>
-          <a:p>
-            <a:pPr indent="0" lvl="0" marL="0" marR="0" rtl="0" algn="just">
-              <a:spcBef>
-                <a:spcPts val="0"/>
-              </a:spcBef>
-              <a:spcAft>
-                <a:spcPts val="0"/>
-              </a:spcAft>
-              <a:buNone/>
-            </a:pPr>
-            <a:r>
-              <a:t/>
-            </a:r>
-            <a:endParaRPr sz="2500">
-              <a:solidFill>
-                <a:schemeClr val="dk1"/>
-              </a:solidFill>
-              <a:latin typeface="Calibri"/>
-              <a:ea typeface="Calibri"/>
-              <a:cs typeface="Calibri"/>
-              <a:sym typeface="Calibri"/>
-            </a:endParaRPr>
-          </a:p>
-          <a:p>
-            <a:pPr indent="0" lvl="0" marL="0" marR="0" rtl="0" algn="just">
-              <a:spcBef>
-                <a:spcPts val="0"/>
-              </a:spcBef>
-              <a:spcAft>
-                <a:spcPts val="0"/>
-              </a:spcAft>
-              <a:buNone/>
-            </a:pPr>
-            <a:r>
-              <a:rPr lang="es-ES" sz="2500">
-                <a:solidFill>
-                  <a:schemeClr val="dk1"/>
-                </a:solidFill>
-                <a:latin typeface="Calibri"/>
-                <a:ea typeface="Calibri"/>
-                <a:cs typeface="Calibri"/>
-                <a:sym typeface="Calibri"/>
-              </a:rPr>
-              <a:t>These factors vary a lot depending on the learning rate if we talk about SGD, Adam and RMSprop, so we’ll analyse them depending on the value of this hyper parameter that we have.</a:t>
-            </a:r>
-            <a:endParaRPr sz="2500">
-              <a:solidFill>
-                <a:schemeClr val="dk1"/>
-              </a:solidFill>
-              <a:latin typeface="Calibri"/>
-              <a:ea typeface="Calibri"/>
-              <a:cs typeface="Calibri"/>
-              <a:sym typeface="Calibri"/>
-            </a:endParaRPr>
-          </a:p>
-          <a:p>
-            <a:pPr indent="0" lvl="0" marL="0" marR="0" rtl="0" algn="just">
-              <a:spcBef>
-                <a:spcPts val="0"/>
-              </a:spcBef>
-              <a:spcAft>
-                <a:spcPts val="0"/>
-              </a:spcAft>
-              <a:buNone/>
-            </a:pPr>
-            <a:r>
-              <a:t/>
-            </a:r>
-            <a:endParaRPr sz="2500">
-              <a:solidFill>
-                <a:schemeClr val="dk1"/>
-              </a:solidFill>
-              <a:latin typeface="Calibri"/>
-              <a:ea typeface="Calibri"/>
-              <a:cs typeface="Calibri"/>
-              <a:sym typeface="Calibri"/>
-            </a:endParaRPr>
-          </a:p>
-          <a:p>
-            <a:pPr indent="0" lvl="0" marL="0" marR="0" rtl="0" algn="just">
-              <a:spcBef>
-                <a:spcPts val="0"/>
-              </a:spcBef>
-              <a:spcAft>
-                <a:spcPts val="0"/>
-              </a:spcAft>
-              <a:buNone/>
-            </a:pPr>
-            <a:r>
-              <a:rPr lang="es-ES" sz="2500">
-                <a:solidFill>
-                  <a:schemeClr val="dk1"/>
-                </a:solidFill>
-                <a:latin typeface="Calibri"/>
-                <a:ea typeface="Calibri"/>
-                <a:cs typeface="Calibri"/>
-                <a:sym typeface="Calibri"/>
-              </a:rPr>
-              <a:t>At the same time, the effect on the betas on Adam vary a lot so we’ll analyze the general case scenarios</a:t>
-            </a:r>
-            <a:endParaRPr sz="2500">
-              <a:solidFill>
-                <a:schemeClr val="dk1"/>
-              </a:solidFill>
-              <a:latin typeface="Calibri"/>
-              <a:ea typeface="Calibri"/>
-              <a:cs typeface="Calibri"/>
-              <a:sym typeface="Calibri"/>
-            </a:endParaRPr>
-          </a:p>
-          <a:p>
-            <a:pPr indent="0" lvl="0" marL="0" marR="0" rtl="0" algn="just">
-              <a:spcBef>
-                <a:spcPts val="0"/>
-              </a:spcBef>
-              <a:spcAft>
-                <a:spcPts val="0"/>
-              </a:spcAft>
-              <a:buNone/>
-            </a:pPr>
-            <a:r>
-              <a:t/>
-            </a:r>
-            <a:endParaRPr sz="2500">
-              <a:solidFill>
-                <a:schemeClr val="dk1"/>
-              </a:solidFill>
-              <a:latin typeface="Calibri"/>
-              <a:ea typeface="Calibri"/>
-              <a:cs typeface="Calibri"/>
-              <a:sym typeface="Calibri"/>
-            </a:endParaRPr>
-          </a:p>
-          <a:p>
-            <a:pPr indent="0" lvl="0" marL="0" marR="0" rtl="0" algn="just">
-              <a:spcBef>
-                <a:spcPts val="0"/>
-              </a:spcBef>
-              <a:spcAft>
-                <a:spcPts val="0"/>
-              </a:spcAft>
-              <a:buNone/>
-            </a:pPr>
-            <a:r>
-              <a:rPr lang="es-ES" sz="2500">
-                <a:solidFill>
-                  <a:schemeClr val="dk1"/>
-                </a:solidFill>
-                <a:latin typeface="Calibri"/>
-                <a:ea typeface="Calibri"/>
-                <a:cs typeface="Calibri"/>
-                <a:sym typeface="Calibri"/>
-              </a:rPr>
-              <a:t>Adadelta depends specifically on the parameter rho.</a:t>
-            </a:r>
-            <a:endParaRPr sz="2500">
-              <a:solidFill>
-                <a:schemeClr val="dk1"/>
-              </a:solidFill>
-              <a:latin typeface="Calibri"/>
-              <a:ea typeface="Calibri"/>
-              <a:cs typeface="Calibri"/>
-              <a:sym typeface="Calibri"/>
-            </a:endParaRPr>
-          </a:p>
-        </p:txBody>
-      </p:sp>
-    </p:spTree>
-  </p:cSld>
-  <p:clrMapOvr>
-    <a:masterClrMapping/>
-  </p:clrMapOvr>
-</p:sld>
-</file>
-
-<file path=ppt/slides/slide12.xml><?xml version="1.0" encoding="utf-8"?>
-<p:sld xmlns:a="http://schemas.openxmlformats.org/drawingml/2006/main" xmlns:r="http://schemas.openxmlformats.org/officeDocument/2006/relationships" xmlns:mc="http://schemas.openxmlformats.org/markup-compatibility/2006" xmlns:mv="urn:schemas-microsoft-com:mac:vml" xmlns:p="http://schemas.openxmlformats.org/presentationml/2006/main" xmlns:c="http://schemas.openxmlformats.org/drawingml/2006/chart" xmlns:dgm="http://schemas.openxmlformats.org/drawingml/2006/diagram" xmlns:o="urn:schemas-microsoft-com:office:office" xmlns:v="urn:schemas-microsoft-com:vml" xmlns:pvml="urn:schemas-microsoft-com:office:powerpoint" xmlns:com="http://schemas.openxmlformats.org/drawingml/2006/compatibility" xmlns:p14="http://schemas.microsoft.com/office/powerpoint/2010/main" xmlns:p15="http://schemas.microsoft.com/office/powerpoint/2012/main">
-  <p:cSld>
-    <p:spTree>
-      <p:nvGrpSpPr>
-        <p:cNvPr id="187" name="Shape 187"/>
-        <p:cNvGrpSpPr/>
-        <p:nvPr/>
-      </p:nvGrpSpPr>
-      <p:grpSpPr>
-        <a:xfrm>
-          <a:off x="0" y="0"/>
-          <a:ext cx="0" cy="0"/>
-          <a:chOff x="0" y="0"/>
-          <a:chExt cx="0" cy="0"/>
-        </a:xfrm>
-      </p:grpSpPr>
-      <p:sp>
-        <p:nvSpPr>
-          <p:cNvPr id="188" name="Google Shape;188;p24"/>
-          <p:cNvSpPr/>
-          <p:nvPr/>
-        </p:nvSpPr>
-        <p:spPr>
-          <a:xfrm>
             <a:off x="0" y="0"/>
-            <a:ext cx="3987310" cy="477054"/>
+            <a:ext cx="3987300" cy="477000"/>
           </a:xfrm>
           <a:prstGeom prst="rect">
             <a:avLst/>
@@ -14273,579 +14325,7 @@
       </p:sp>
       <p:sp>
         <p:nvSpPr>
-          <p:cNvPr id="189" name="Google Shape;189;p24"/>
-          <p:cNvSpPr/>
-          <p:nvPr/>
-        </p:nvSpPr>
-        <p:spPr>
-          <a:xfrm>
-            <a:off x="7740639" y="779531"/>
-            <a:ext cx="2206053" cy="477054"/>
-          </a:xfrm>
-          <a:prstGeom prst="rect">
-            <a:avLst/>
-          </a:prstGeom>
-          <a:noFill/>
-          <a:ln>
-            <a:noFill/>
-          </a:ln>
-        </p:spPr>
-        <p:txBody>
-          <a:bodyPr anchorCtr="0" anchor="t" bIns="45700" lIns="91425" spcFirstLastPara="1" rIns="91425" wrap="square" tIns="45700">
-            <a:noAutofit/>
-          </a:bodyPr>
-          <a:lstStyle/>
-          <a:p>
-            <a:pPr indent="0" lvl="0" marL="0" marR="0" rtl="0" algn="ctr">
-              <a:spcBef>
-                <a:spcPts val="0"/>
-              </a:spcBef>
-              <a:spcAft>
-                <a:spcPts val="0"/>
-              </a:spcAft>
-              <a:buNone/>
-            </a:pPr>
-            <a:r>
-              <a:rPr b="1" lang="es-ES" sz="2500">
-                <a:solidFill>
-                  <a:schemeClr val="dk1"/>
-                </a:solidFill>
-                <a:latin typeface="Calibri"/>
-                <a:ea typeface="Calibri"/>
-                <a:cs typeface="Calibri"/>
-                <a:sym typeface="Calibri"/>
-              </a:rPr>
-              <a:t>SGD </a:t>
-            </a:r>
-            <a:r>
-              <a:rPr b="1" lang="es-ES" sz="2500" cap="none">
-                <a:solidFill>
-                  <a:schemeClr val="dk1"/>
-                </a:solidFill>
-                <a:latin typeface="Calibri"/>
-                <a:ea typeface="Calibri"/>
-                <a:cs typeface="Calibri"/>
-                <a:sym typeface="Calibri"/>
-              </a:rPr>
-              <a:t>lr = 0.0005</a:t>
-            </a:r>
-            <a:endParaRPr b="1" sz="2500" cap="none">
-              <a:solidFill>
-                <a:schemeClr val="dk1"/>
-              </a:solidFill>
-              <a:latin typeface="Calibri"/>
-              <a:ea typeface="Calibri"/>
-              <a:cs typeface="Calibri"/>
-              <a:sym typeface="Calibri"/>
-            </a:endParaRPr>
-          </a:p>
-        </p:txBody>
-      </p:sp>
-      <p:pic>
-        <p:nvPicPr>
-          <p:cNvPr id="190" name="Google Shape;190;p24"/>
-          <p:cNvPicPr preferRelativeResize="0"/>
-          <p:nvPr/>
-        </p:nvPicPr>
-        <p:blipFill rotWithShape="1">
-          <a:blip r:embed="rId3">
-            <a:alphaModFix/>
-          </a:blip>
-          <a:srcRect b="0" l="0" r="0" t="0"/>
-          <a:stretch/>
-        </p:blipFill>
-        <p:spPr>
-          <a:xfrm>
-            <a:off x="6137016" y="1877232"/>
-            <a:ext cx="5413300" cy="4343093"/>
-          </a:xfrm>
-          <a:prstGeom prst="rect">
-            <a:avLst/>
-          </a:prstGeom>
-          <a:noFill/>
-          <a:ln>
-            <a:noFill/>
-          </a:ln>
-        </p:spPr>
-      </p:pic>
-      <p:pic>
-        <p:nvPicPr>
-          <p:cNvPr id="191" name="Google Shape;191;p24"/>
-          <p:cNvPicPr preferRelativeResize="0"/>
-          <p:nvPr/>
-        </p:nvPicPr>
-        <p:blipFill rotWithShape="1">
-          <a:blip r:embed="rId4">
-            <a:alphaModFix/>
-          </a:blip>
-          <a:srcRect b="0" l="0" r="0" t="0"/>
-          <a:stretch/>
-        </p:blipFill>
-        <p:spPr>
-          <a:xfrm>
-            <a:off x="884341" y="779531"/>
-            <a:ext cx="4617557" cy="5731239"/>
-          </a:xfrm>
-          <a:prstGeom prst="rect">
-            <a:avLst/>
-          </a:prstGeom>
-          <a:noFill/>
-          <a:ln>
-            <a:noFill/>
-          </a:ln>
-        </p:spPr>
-      </p:pic>
-      <p:cxnSp>
-        <p:nvCxnSpPr>
-          <p:cNvPr id="192" name="Google Shape;192;p24"/>
-          <p:cNvCxnSpPr/>
-          <p:nvPr/>
-        </p:nvCxnSpPr>
-        <p:spPr>
-          <a:xfrm rot="10800000">
-            <a:off x="10729913" y="5514975"/>
-            <a:ext cx="1014412" cy="842963"/>
-          </a:xfrm>
-          <a:prstGeom prst="straightConnector1">
-            <a:avLst/>
-          </a:prstGeom>
-          <a:noFill/>
-          <a:ln cap="flat" cmpd="sng" w="57150">
-            <a:solidFill>
-              <a:srgbClr val="FF0000"/>
-            </a:solidFill>
-            <a:prstDash val="solid"/>
-            <a:miter lim="800000"/>
-            <a:headEnd len="sm" w="sm" type="none"/>
-            <a:tailEnd len="med" w="med" type="triangle"/>
-          </a:ln>
-        </p:spPr>
-      </p:cxnSp>
-      <p:sp>
-        <p:nvSpPr>
-          <p:cNvPr id="193" name="Google Shape;193;p24"/>
-          <p:cNvSpPr/>
-          <p:nvPr/>
-        </p:nvSpPr>
-        <p:spPr>
-          <a:xfrm>
-            <a:off x="6621726" y="3118526"/>
-            <a:ext cx="2571750" cy="2451434"/>
-          </a:xfrm>
-          <a:prstGeom prst="donut">
-            <a:avLst>
-              <a:gd fmla="val 797" name="adj"/>
-            </a:avLst>
-          </a:prstGeom>
-          <a:solidFill>
-            <a:schemeClr val="accent1"/>
-          </a:solidFill>
-          <a:ln cap="flat" cmpd="sng" w="12700">
-            <a:solidFill>
-              <a:srgbClr val="FF0000"/>
-            </a:solidFill>
-            <a:prstDash val="solid"/>
-            <a:miter lim="800000"/>
-            <a:headEnd len="sm" w="sm" type="none"/>
-            <a:tailEnd len="sm" w="sm" type="none"/>
-          </a:ln>
-        </p:spPr>
-        <p:txBody>
-          <a:bodyPr anchorCtr="0" anchor="ctr" bIns="45700" lIns="91425" spcFirstLastPara="1" rIns="91425" wrap="square" tIns="45700">
-            <a:noAutofit/>
-          </a:bodyPr>
-          <a:lstStyle/>
-          <a:p>
-            <a:pPr indent="0" lvl="0" marL="0" marR="0" rtl="0" algn="ctr">
-              <a:spcBef>
-                <a:spcPts val="0"/>
-              </a:spcBef>
-              <a:spcAft>
-                <a:spcPts val="0"/>
-              </a:spcAft>
-              <a:buNone/>
-            </a:pPr>
-            <a:r>
-              <a:t/>
-            </a:r>
-            <a:endParaRPr sz="1800">
-              <a:solidFill>
-                <a:schemeClr val="dk1"/>
-              </a:solidFill>
-              <a:latin typeface="Calibri"/>
-              <a:ea typeface="Calibri"/>
-              <a:cs typeface="Calibri"/>
-              <a:sym typeface="Calibri"/>
-            </a:endParaRPr>
-          </a:p>
-        </p:txBody>
-      </p:sp>
-    </p:spTree>
-  </p:cSld>
-  <p:clrMapOvr>
-    <a:masterClrMapping/>
-  </p:clrMapOvr>
-</p:sld>
-</file>
-
-<file path=ppt/slides/slide13.xml><?xml version="1.0" encoding="utf-8"?>
-<p:sld xmlns:a="http://schemas.openxmlformats.org/drawingml/2006/main" xmlns:r="http://schemas.openxmlformats.org/officeDocument/2006/relationships" xmlns:mc="http://schemas.openxmlformats.org/markup-compatibility/2006" xmlns:mv="urn:schemas-microsoft-com:mac:vml" xmlns:p="http://schemas.openxmlformats.org/presentationml/2006/main" xmlns:c="http://schemas.openxmlformats.org/drawingml/2006/chart" xmlns:dgm="http://schemas.openxmlformats.org/drawingml/2006/diagram" xmlns:o="urn:schemas-microsoft-com:office:office" xmlns:v="urn:schemas-microsoft-com:vml" xmlns:pvml="urn:schemas-microsoft-com:office:powerpoint" xmlns:com="http://schemas.openxmlformats.org/drawingml/2006/compatibility" xmlns:p14="http://schemas.microsoft.com/office/powerpoint/2010/main" xmlns:p15="http://schemas.microsoft.com/office/powerpoint/2012/main">
-  <p:cSld>
-    <p:spTree>
-      <p:nvGrpSpPr>
-        <p:cNvPr id="197" name="Shape 197"/>
-        <p:cNvGrpSpPr/>
-        <p:nvPr/>
-      </p:nvGrpSpPr>
-      <p:grpSpPr>
-        <a:xfrm>
-          <a:off x="0" y="0"/>
-          <a:ext cx="0" cy="0"/>
-          <a:chOff x="0" y="0"/>
-          <a:chExt cx="0" cy="0"/>
-        </a:xfrm>
-      </p:grpSpPr>
-      <p:sp>
-        <p:nvSpPr>
-          <p:cNvPr id="198" name="Google Shape;198;p25"/>
-          <p:cNvSpPr/>
-          <p:nvPr/>
-        </p:nvSpPr>
-        <p:spPr>
-          <a:xfrm>
-            <a:off x="0" y="0"/>
-            <a:ext cx="3987310" cy="477054"/>
-          </a:xfrm>
-          <a:prstGeom prst="rect">
-            <a:avLst/>
-          </a:prstGeom>
-          <a:noFill/>
-          <a:ln>
-            <a:noFill/>
-          </a:ln>
-        </p:spPr>
-        <p:txBody>
-          <a:bodyPr anchorCtr="0" anchor="t" bIns="45700" lIns="91425" spcFirstLastPara="1" rIns="91425" wrap="square" tIns="45700">
-            <a:noAutofit/>
-          </a:bodyPr>
-          <a:lstStyle/>
-          <a:p>
-            <a:pPr indent="0" lvl="0" marL="0" marR="0" rtl="0" algn="ctr">
-              <a:spcBef>
-                <a:spcPts val="0"/>
-              </a:spcBef>
-              <a:spcAft>
-                <a:spcPts val="0"/>
-              </a:spcAft>
-              <a:buNone/>
-            </a:pPr>
-            <a:r>
-              <a:rPr lang="es-ES" sz="2500">
-                <a:solidFill>
-                  <a:schemeClr val="dk1"/>
-                </a:solidFill>
-                <a:latin typeface="Calibri"/>
-                <a:ea typeface="Calibri"/>
-                <a:cs typeface="Calibri"/>
-                <a:sym typeface="Calibri"/>
-              </a:rPr>
-              <a:t>Deep Learning - Optimization</a:t>
-            </a:r>
-            <a:endParaRPr b="0" sz="2500" cap="none">
-              <a:solidFill>
-                <a:schemeClr val="dk1"/>
-              </a:solidFill>
-              <a:latin typeface="Calibri"/>
-              <a:ea typeface="Calibri"/>
-              <a:cs typeface="Calibri"/>
-              <a:sym typeface="Calibri"/>
-            </a:endParaRPr>
-          </a:p>
-        </p:txBody>
-      </p:sp>
-      <p:sp>
-        <p:nvSpPr>
-          <p:cNvPr id="199" name="Google Shape;199;p25"/>
-          <p:cNvSpPr/>
-          <p:nvPr/>
-        </p:nvSpPr>
-        <p:spPr>
-          <a:xfrm>
-            <a:off x="7551099" y="894143"/>
-            <a:ext cx="2511265" cy="477054"/>
-          </a:xfrm>
-          <a:prstGeom prst="rect">
-            <a:avLst/>
-          </a:prstGeom>
-          <a:noFill/>
-          <a:ln>
-            <a:noFill/>
-          </a:ln>
-        </p:spPr>
-        <p:txBody>
-          <a:bodyPr anchorCtr="0" anchor="t" bIns="45700" lIns="91425" spcFirstLastPara="1" rIns="91425" wrap="square" tIns="45700">
-            <a:noAutofit/>
-          </a:bodyPr>
-          <a:lstStyle/>
-          <a:p>
-            <a:pPr indent="0" lvl="0" marL="0" marR="0" rtl="0" algn="ctr">
-              <a:spcBef>
-                <a:spcPts val="0"/>
-              </a:spcBef>
-              <a:spcAft>
-                <a:spcPts val="0"/>
-              </a:spcAft>
-              <a:buNone/>
-            </a:pPr>
-            <a:r>
-              <a:rPr b="1" lang="es-ES" sz="2500">
-                <a:solidFill>
-                  <a:schemeClr val="dk1"/>
-                </a:solidFill>
-                <a:latin typeface="Calibri"/>
-                <a:ea typeface="Calibri"/>
-                <a:cs typeface="Calibri"/>
-                <a:sym typeface="Calibri"/>
-              </a:rPr>
-              <a:t>ADAM lr = 0.0005</a:t>
-            </a:r>
-            <a:endParaRPr b="1" sz="2500" cap="none">
-              <a:solidFill>
-                <a:schemeClr val="dk1"/>
-              </a:solidFill>
-              <a:latin typeface="Calibri"/>
-              <a:ea typeface="Calibri"/>
-              <a:cs typeface="Calibri"/>
-              <a:sym typeface="Calibri"/>
-            </a:endParaRPr>
-          </a:p>
-        </p:txBody>
-      </p:sp>
-      <p:pic>
-        <p:nvPicPr>
-          <p:cNvPr id="200" name="Google Shape;200;p25"/>
-          <p:cNvPicPr preferRelativeResize="0"/>
-          <p:nvPr/>
-        </p:nvPicPr>
-        <p:blipFill rotWithShape="1">
-          <a:blip r:embed="rId3">
-            <a:alphaModFix/>
-          </a:blip>
-          <a:srcRect b="0" l="0" r="0" t="0"/>
-          <a:stretch/>
-        </p:blipFill>
-        <p:spPr>
-          <a:xfrm>
-            <a:off x="757238" y="1014413"/>
-            <a:ext cx="4761253" cy="5735877"/>
-          </a:xfrm>
-          <a:prstGeom prst="rect">
-            <a:avLst/>
-          </a:prstGeom>
-          <a:noFill/>
-          <a:ln>
-            <a:noFill/>
-          </a:ln>
-        </p:spPr>
-      </p:pic>
-      <p:pic>
-        <p:nvPicPr>
-          <p:cNvPr id="201" name="Google Shape;201;p25"/>
-          <p:cNvPicPr preferRelativeResize="0"/>
-          <p:nvPr/>
-        </p:nvPicPr>
-        <p:blipFill rotWithShape="1">
-          <a:blip r:embed="rId4">
-            <a:alphaModFix/>
-          </a:blip>
-          <a:srcRect b="0" l="0" r="0" t="0"/>
-          <a:stretch/>
-        </p:blipFill>
-        <p:spPr>
-          <a:xfrm>
-            <a:off x="5619904" y="1977388"/>
-            <a:ext cx="6373657" cy="4109614"/>
-          </a:xfrm>
-          <a:prstGeom prst="rect">
-            <a:avLst/>
-          </a:prstGeom>
-          <a:noFill/>
-          <a:ln>
-            <a:noFill/>
-          </a:ln>
-        </p:spPr>
-      </p:pic>
-      <p:cxnSp>
-        <p:nvCxnSpPr>
-          <p:cNvPr id="202" name="Google Shape;202;p25"/>
-          <p:cNvCxnSpPr/>
-          <p:nvPr/>
-        </p:nvCxnSpPr>
-        <p:spPr>
-          <a:xfrm rot="10800000">
-            <a:off x="10729913" y="5514975"/>
-            <a:ext cx="1014412" cy="842963"/>
-          </a:xfrm>
-          <a:prstGeom prst="straightConnector1">
-            <a:avLst/>
-          </a:prstGeom>
-          <a:noFill/>
-          <a:ln cap="flat" cmpd="sng" w="57150">
-            <a:solidFill>
-              <a:srgbClr val="FF0000"/>
-            </a:solidFill>
-            <a:prstDash val="solid"/>
-            <a:miter lim="800000"/>
-            <a:headEnd len="sm" w="sm" type="none"/>
-            <a:tailEnd len="med" w="med" type="triangle"/>
-          </a:ln>
-        </p:spPr>
-      </p:cxnSp>
-      <p:sp>
-        <p:nvSpPr>
-          <p:cNvPr id="203" name="Google Shape;203;p25"/>
-          <p:cNvSpPr/>
-          <p:nvPr/>
-        </p:nvSpPr>
-        <p:spPr>
-          <a:xfrm>
-            <a:off x="5619904" y="3635568"/>
-            <a:ext cx="2571750" cy="2451434"/>
-          </a:xfrm>
-          <a:prstGeom prst="donut">
-            <a:avLst>
-              <a:gd fmla="val 797" name="adj"/>
-            </a:avLst>
-          </a:prstGeom>
-          <a:solidFill>
-            <a:schemeClr val="accent1"/>
-          </a:solidFill>
-          <a:ln cap="flat" cmpd="sng" w="12700">
-            <a:solidFill>
-              <a:srgbClr val="FF0000"/>
-            </a:solidFill>
-            <a:prstDash val="solid"/>
-            <a:miter lim="800000"/>
-            <a:headEnd len="sm" w="sm" type="none"/>
-            <a:tailEnd len="sm" w="sm" type="none"/>
-          </a:ln>
-        </p:spPr>
-        <p:txBody>
-          <a:bodyPr anchorCtr="0" anchor="ctr" bIns="45700" lIns="91425" spcFirstLastPara="1" rIns="91425" wrap="square" tIns="45700">
-            <a:noAutofit/>
-          </a:bodyPr>
-          <a:lstStyle/>
-          <a:p>
-            <a:pPr indent="0" lvl="0" marL="0" marR="0" rtl="0" algn="ctr">
-              <a:spcBef>
-                <a:spcPts val="0"/>
-              </a:spcBef>
-              <a:spcAft>
-                <a:spcPts val="0"/>
-              </a:spcAft>
-              <a:buNone/>
-            </a:pPr>
-            <a:r>
-              <a:t/>
-            </a:r>
-            <a:endParaRPr sz="1800">
-              <a:solidFill>
-                <a:schemeClr val="dk1"/>
-              </a:solidFill>
-              <a:latin typeface="Calibri"/>
-              <a:ea typeface="Calibri"/>
-              <a:cs typeface="Calibri"/>
-              <a:sym typeface="Calibri"/>
-            </a:endParaRPr>
-          </a:p>
-        </p:txBody>
-      </p:sp>
-    </p:spTree>
-  </p:cSld>
-  <p:clrMapOvr>
-    <a:masterClrMapping/>
-  </p:clrMapOvr>
-</p:sld>
-</file>
-
-<file path=ppt/slides/slide14.xml><?xml version="1.0" encoding="utf-8"?>
-<p:sld xmlns:a="http://schemas.openxmlformats.org/drawingml/2006/main" xmlns:r="http://schemas.openxmlformats.org/officeDocument/2006/relationships" xmlns:mc="http://schemas.openxmlformats.org/markup-compatibility/2006" xmlns:mv="urn:schemas-microsoft-com:mac:vml" xmlns:p="http://schemas.openxmlformats.org/presentationml/2006/main" xmlns:c="http://schemas.openxmlformats.org/drawingml/2006/chart" xmlns:dgm="http://schemas.openxmlformats.org/drawingml/2006/diagram" xmlns:o="urn:schemas-microsoft-com:office:office" xmlns:v="urn:schemas-microsoft-com:vml" xmlns:pvml="urn:schemas-microsoft-com:office:powerpoint" xmlns:com="http://schemas.openxmlformats.org/drawingml/2006/compatibility" xmlns:p14="http://schemas.microsoft.com/office/powerpoint/2010/main" xmlns:p15="http://schemas.microsoft.com/office/powerpoint/2012/main">
-  <p:cSld>
-    <p:spTree>
-      <p:nvGrpSpPr>
-        <p:cNvPr id="207" name="Shape 207"/>
-        <p:cNvGrpSpPr/>
-        <p:nvPr/>
-      </p:nvGrpSpPr>
-      <p:grpSpPr>
-        <a:xfrm>
-          <a:off x="0" y="0"/>
-          <a:ext cx="0" cy="0"/>
-          <a:chOff x="0" y="0"/>
-          <a:chExt cx="0" cy="0"/>
-        </a:xfrm>
-      </p:grpSpPr>
-      <p:sp>
-        <p:nvSpPr>
-          <p:cNvPr id="208" name="Google Shape;208;p26"/>
-          <p:cNvSpPr/>
-          <p:nvPr/>
-        </p:nvSpPr>
-        <p:spPr>
-          <a:xfrm>
-            <a:off x="0" y="0"/>
-            <a:ext cx="3987300" cy="477000"/>
-          </a:xfrm>
-          <a:prstGeom prst="rect">
-            <a:avLst/>
-          </a:prstGeom>
-          <a:noFill/>
-          <a:ln>
-            <a:noFill/>
-          </a:ln>
-        </p:spPr>
-        <p:txBody>
-          <a:bodyPr anchorCtr="0" anchor="t" bIns="45700" lIns="91425" spcFirstLastPara="1" rIns="91425" wrap="square" tIns="45700">
-            <a:noAutofit/>
-          </a:bodyPr>
-          <a:lstStyle/>
-          <a:p>
-            <a:pPr indent="0" lvl="0" marL="0" marR="0" rtl="0" algn="ctr">
-              <a:spcBef>
-                <a:spcPts val="0"/>
-              </a:spcBef>
-              <a:spcAft>
-                <a:spcPts val="0"/>
-              </a:spcAft>
-              <a:buNone/>
-            </a:pPr>
-            <a:r>
-              <a:rPr lang="es-ES" sz="2500">
-                <a:solidFill>
-                  <a:schemeClr val="dk1"/>
-                </a:solidFill>
-                <a:latin typeface="Calibri"/>
-                <a:ea typeface="Calibri"/>
-                <a:cs typeface="Calibri"/>
-                <a:sym typeface="Calibri"/>
-              </a:rPr>
-              <a:t>Deep Learning - Optimization</a:t>
-            </a:r>
-            <a:endParaRPr b="0" sz="2500" cap="none">
-              <a:solidFill>
-                <a:schemeClr val="dk1"/>
-              </a:solidFill>
-              <a:latin typeface="Calibri"/>
-              <a:ea typeface="Calibri"/>
-              <a:cs typeface="Calibri"/>
-              <a:sym typeface="Calibri"/>
-            </a:endParaRPr>
-          </a:p>
-        </p:txBody>
-      </p:sp>
-      <p:sp>
-        <p:nvSpPr>
-          <p:cNvPr id="209" name="Google Shape;209;p26"/>
+          <p:cNvPr id="199" name="Google Shape;199;p24"/>
           <p:cNvSpPr/>
           <p:nvPr/>
         </p:nvSpPr>
@@ -14903,7 +14383,7 @@
       </p:sp>
       <p:pic>
         <p:nvPicPr>
-          <p:cNvPr id="210" name="Google Shape;210;p26"/>
+          <p:cNvPr id="200" name="Google Shape;200;p24"/>
           <p:cNvPicPr preferRelativeResize="0"/>
           <p:nvPr/>
         </p:nvPicPr>
@@ -14931,7 +14411,7 @@
       </p:pic>
       <p:pic>
         <p:nvPicPr>
-          <p:cNvPr id="211" name="Google Shape;211;p26"/>
+          <p:cNvPr id="201" name="Google Shape;201;p24"/>
           <p:cNvPicPr preferRelativeResize="0"/>
           <p:nvPr/>
         </p:nvPicPr>
@@ -14959,504 +14439,7 @@
       </p:pic>
       <p:sp>
         <p:nvSpPr>
-          <p:cNvPr id="212" name="Google Shape;212;p26"/>
-          <p:cNvSpPr txBox="1"/>
-          <p:nvPr/>
-        </p:nvSpPr>
-        <p:spPr>
-          <a:xfrm>
-            <a:off x="1324850" y="1889850"/>
-            <a:ext cx="3000000" cy="1928700"/>
-          </a:xfrm>
-          <a:prstGeom prst="rect">
-            <a:avLst/>
-          </a:prstGeom>
-          <a:noFill/>
-          <a:ln>
-            <a:noFill/>
-          </a:ln>
-        </p:spPr>
-        <p:txBody>
-          <a:bodyPr anchorCtr="0" anchor="t" bIns="91425" lIns="91425" spcFirstLastPara="1" rIns="91425" wrap="square" tIns="91425">
-            <a:noAutofit/>
-          </a:bodyPr>
-          <a:lstStyle/>
-          <a:p>
-            <a:pPr indent="0" lvl="0" marL="0" rtl="0" algn="l">
-              <a:spcBef>
-                <a:spcPts val="0"/>
-              </a:spcBef>
-              <a:spcAft>
-                <a:spcPts val="0"/>
-              </a:spcAft>
-              <a:buNone/>
-            </a:pPr>
-            <a:r>
-              <a:rPr lang="es-ES" sz="1050">
-                <a:solidFill>
-                  <a:srgbClr val="212121"/>
-                </a:solidFill>
-                <a:highlight>
-                  <a:srgbClr val="FFFFFF"/>
-                </a:highlight>
-                <a:latin typeface="Courier New"/>
-                <a:ea typeface="Courier New"/>
-                <a:cs typeface="Courier New"/>
-                <a:sym typeface="Courier New"/>
-              </a:rPr>
-              <a:t>RMSprop (</a:t>
-            </a:r>
-            <a:br>
-              <a:rPr lang="es-ES" sz="1050">
-                <a:solidFill>
-                  <a:srgbClr val="212121"/>
-                </a:solidFill>
-                <a:highlight>
-                  <a:srgbClr val="FFFFFF"/>
-                </a:highlight>
-                <a:latin typeface="Courier New"/>
-                <a:ea typeface="Courier New"/>
-                <a:cs typeface="Courier New"/>
-                <a:sym typeface="Courier New"/>
-              </a:rPr>
-            </a:br>
-            <a:r>
-              <a:rPr lang="es-ES" sz="1050">
-                <a:solidFill>
-                  <a:srgbClr val="212121"/>
-                </a:solidFill>
-                <a:highlight>
-                  <a:srgbClr val="FFFFFF"/>
-                </a:highlight>
-                <a:latin typeface="Courier New"/>
-                <a:ea typeface="Courier New"/>
-                <a:cs typeface="Courier New"/>
-                <a:sym typeface="Courier New"/>
-              </a:rPr>
-              <a:t>Parameter Group 0</a:t>
-            </a:r>
-            <a:br>
-              <a:rPr lang="es-ES" sz="1050">
-                <a:solidFill>
-                  <a:srgbClr val="212121"/>
-                </a:solidFill>
-                <a:highlight>
-                  <a:srgbClr val="FFFFFF"/>
-                </a:highlight>
-                <a:latin typeface="Courier New"/>
-                <a:ea typeface="Courier New"/>
-                <a:cs typeface="Courier New"/>
-                <a:sym typeface="Courier New"/>
-              </a:rPr>
-            </a:br>
-            <a:r>
-              <a:rPr lang="es-ES" sz="1050">
-                <a:solidFill>
-                  <a:srgbClr val="212121"/>
-                </a:solidFill>
-                <a:highlight>
-                  <a:srgbClr val="FFFFFF"/>
-                </a:highlight>
-                <a:latin typeface="Courier New"/>
-                <a:ea typeface="Courier New"/>
-                <a:cs typeface="Courier New"/>
-                <a:sym typeface="Courier New"/>
-              </a:rPr>
-              <a:t>    alpha: 0.99</a:t>
-            </a:r>
-            <a:br>
-              <a:rPr lang="es-ES" sz="1050">
-                <a:solidFill>
-                  <a:srgbClr val="212121"/>
-                </a:solidFill>
-                <a:highlight>
-                  <a:srgbClr val="FFFFFF"/>
-                </a:highlight>
-                <a:latin typeface="Courier New"/>
-                <a:ea typeface="Courier New"/>
-                <a:cs typeface="Courier New"/>
-                <a:sym typeface="Courier New"/>
-              </a:rPr>
-            </a:br>
-            <a:r>
-              <a:rPr lang="es-ES" sz="1050">
-                <a:solidFill>
-                  <a:srgbClr val="212121"/>
-                </a:solidFill>
-                <a:highlight>
-                  <a:srgbClr val="FFFFFF"/>
-                </a:highlight>
-                <a:latin typeface="Courier New"/>
-                <a:ea typeface="Courier New"/>
-                <a:cs typeface="Courier New"/>
-                <a:sym typeface="Courier New"/>
-              </a:rPr>
-              <a:t>    centered: False</a:t>
-            </a:r>
-            <a:br>
-              <a:rPr lang="es-ES" sz="1050">
-                <a:solidFill>
-                  <a:srgbClr val="212121"/>
-                </a:solidFill>
-                <a:highlight>
-                  <a:srgbClr val="FFFFFF"/>
-                </a:highlight>
-                <a:latin typeface="Courier New"/>
-                <a:ea typeface="Courier New"/>
-                <a:cs typeface="Courier New"/>
-                <a:sym typeface="Courier New"/>
-              </a:rPr>
-            </a:br>
-            <a:r>
-              <a:rPr lang="es-ES" sz="1050">
-                <a:solidFill>
-                  <a:srgbClr val="212121"/>
-                </a:solidFill>
-                <a:highlight>
-                  <a:srgbClr val="FFFFFF"/>
-                </a:highlight>
-                <a:latin typeface="Courier New"/>
-                <a:ea typeface="Courier New"/>
-                <a:cs typeface="Courier New"/>
-                <a:sym typeface="Courier New"/>
-              </a:rPr>
-              <a:t>    eps: 1e-08</a:t>
-            </a:r>
-            <a:br>
-              <a:rPr lang="es-ES" sz="1050">
-                <a:solidFill>
-                  <a:srgbClr val="212121"/>
-                </a:solidFill>
-                <a:highlight>
-                  <a:srgbClr val="FFFFFF"/>
-                </a:highlight>
-                <a:latin typeface="Courier New"/>
-                <a:ea typeface="Courier New"/>
-                <a:cs typeface="Courier New"/>
-                <a:sym typeface="Courier New"/>
-              </a:rPr>
-            </a:br>
-            <a:r>
-              <a:rPr lang="es-ES" sz="1050">
-                <a:solidFill>
-                  <a:srgbClr val="212121"/>
-                </a:solidFill>
-                <a:highlight>
-                  <a:srgbClr val="FFFFFF"/>
-                </a:highlight>
-                <a:latin typeface="Courier New"/>
-                <a:ea typeface="Courier New"/>
-                <a:cs typeface="Courier New"/>
-                <a:sym typeface="Courier New"/>
-              </a:rPr>
-              <a:t>    </a:t>
-            </a:r>
-            <a:r>
-              <a:rPr lang="es-ES" sz="1050">
-                <a:solidFill>
-                  <a:srgbClr val="212121"/>
-                </a:solidFill>
-                <a:highlight>
-                  <a:srgbClr val="6D9EEB"/>
-                </a:highlight>
-                <a:latin typeface="Courier New"/>
-                <a:ea typeface="Courier New"/>
-                <a:cs typeface="Courier New"/>
-                <a:sym typeface="Courier New"/>
-              </a:rPr>
-              <a:t>lr: 0.01</a:t>
-            </a:r>
-            <a:br>
-              <a:rPr lang="es-ES" sz="1050">
-                <a:solidFill>
-                  <a:srgbClr val="212121"/>
-                </a:solidFill>
-                <a:highlight>
-                  <a:srgbClr val="FFFFFF"/>
-                </a:highlight>
-                <a:latin typeface="Courier New"/>
-                <a:ea typeface="Courier New"/>
-                <a:cs typeface="Courier New"/>
-                <a:sym typeface="Courier New"/>
-              </a:rPr>
-            </a:br>
-            <a:r>
-              <a:rPr lang="es-ES" sz="1050">
-                <a:solidFill>
-                  <a:srgbClr val="212121"/>
-                </a:solidFill>
-                <a:highlight>
-                  <a:srgbClr val="FFFFFF"/>
-                </a:highlight>
-                <a:latin typeface="Courier New"/>
-                <a:ea typeface="Courier New"/>
-                <a:cs typeface="Courier New"/>
-                <a:sym typeface="Courier New"/>
-              </a:rPr>
-              <a:t>    momentum: 0</a:t>
-            </a:r>
-            <a:br>
-              <a:rPr lang="es-ES" sz="1050">
-                <a:solidFill>
-                  <a:srgbClr val="212121"/>
-                </a:solidFill>
-                <a:highlight>
-                  <a:srgbClr val="FFFFFF"/>
-                </a:highlight>
-                <a:latin typeface="Courier New"/>
-                <a:ea typeface="Courier New"/>
-                <a:cs typeface="Courier New"/>
-                <a:sym typeface="Courier New"/>
-              </a:rPr>
-            </a:br>
-            <a:r>
-              <a:rPr lang="es-ES" sz="1050">
-                <a:solidFill>
-                  <a:srgbClr val="212121"/>
-                </a:solidFill>
-                <a:highlight>
-                  <a:srgbClr val="FFFFFF"/>
-                </a:highlight>
-                <a:latin typeface="Courier New"/>
-                <a:ea typeface="Courier New"/>
-                <a:cs typeface="Courier New"/>
-                <a:sym typeface="Courier New"/>
-              </a:rPr>
-              <a:t>    weight_decay: 0</a:t>
-            </a:r>
-            <a:br>
-              <a:rPr lang="es-ES" sz="1050">
-                <a:solidFill>
-                  <a:srgbClr val="212121"/>
-                </a:solidFill>
-                <a:highlight>
-                  <a:srgbClr val="FFFFFF"/>
-                </a:highlight>
-                <a:latin typeface="Courier New"/>
-                <a:ea typeface="Courier New"/>
-                <a:cs typeface="Courier New"/>
-                <a:sym typeface="Courier New"/>
-              </a:rPr>
-            </a:br>
-            <a:r>
-              <a:rPr lang="es-ES" sz="1050">
-                <a:solidFill>
-                  <a:srgbClr val="212121"/>
-                </a:solidFill>
-                <a:highlight>
-                  <a:srgbClr val="FFFFFF"/>
-                </a:highlight>
-                <a:latin typeface="Courier New"/>
-                <a:ea typeface="Courier New"/>
-                <a:cs typeface="Courier New"/>
-                <a:sym typeface="Courier New"/>
-              </a:rPr>
-              <a:t>)</a:t>
-            </a:r>
-            <a:endParaRPr/>
-          </a:p>
-        </p:txBody>
-      </p:sp>
-    </p:spTree>
-  </p:cSld>
-  <p:clrMapOvr>
-    <a:masterClrMapping/>
-  </p:clrMapOvr>
-</p:sld>
-</file>
-
-<file path=ppt/slides/slide15.xml><?xml version="1.0" encoding="utf-8"?>
-<p:sld xmlns:a="http://schemas.openxmlformats.org/drawingml/2006/main" xmlns:r="http://schemas.openxmlformats.org/officeDocument/2006/relationships" xmlns:mc="http://schemas.openxmlformats.org/markup-compatibility/2006" xmlns:mv="urn:schemas-microsoft-com:mac:vml" xmlns:p="http://schemas.openxmlformats.org/presentationml/2006/main" xmlns:c="http://schemas.openxmlformats.org/drawingml/2006/chart" xmlns:dgm="http://schemas.openxmlformats.org/drawingml/2006/diagram" xmlns:o="urn:schemas-microsoft-com:office:office" xmlns:v="urn:schemas-microsoft-com:vml" xmlns:pvml="urn:schemas-microsoft-com:office:powerpoint" xmlns:com="http://schemas.openxmlformats.org/drawingml/2006/compatibility" xmlns:p14="http://schemas.microsoft.com/office/powerpoint/2010/main" xmlns:p15="http://schemas.microsoft.com/office/powerpoint/2012/main">
-  <p:cSld>
-    <p:spTree>
-      <p:nvGrpSpPr>
-        <p:cNvPr id="216" name="Shape 216"/>
-        <p:cNvGrpSpPr/>
-        <p:nvPr/>
-      </p:nvGrpSpPr>
-      <p:grpSpPr>
-        <a:xfrm>
-          <a:off x="0" y="0"/>
-          <a:ext cx="0" cy="0"/>
-          <a:chOff x="0" y="0"/>
-          <a:chExt cx="0" cy="0"/>
-        </a:xfrm>
-      </p:grpSpPr>
-      <p:sp>
-        <p:nvSpPr>
-          <p:cNvPr id="217" name="Google Shape;217;p27"/>
-          <p:cNvSpPr/>
-          <p:nvPr/>
-        </p:nvSpPr>
-        <p:spPr>
-          <a:xfrm>
-            <a:off x="0" y="0"/>
-            <a:ext cx="3987300" cy="477000"/>
-          </a:xfrm>
-          <a:prstGeom prst="rect">
-            <a:avLst/>
-          </a:prstGeom>
-          <a:noFill/>
-          <a:ln>
-            <a:noFill/>
-          </a:ln>
-        </p:spPr>
-        <p:txBody>
-          <a:bodyPr anchorCtr="0" anchor="t" bIns="45700" lIns="91425" spcFirstLastPara="1" rIns="91425" wrap="square" tIns="45700">
-            <a:noAutofit/>
-          </a:bodyPr>
-          <a:lstStyle/>
-          <a:p>
-            <a:pPr indent="0" lvl="0" marL="0" marR="0" rtl="0" algn="ctr">
-              <a:spcBef>
-                <a:spcPts val="0"/>
-              </a:spcBef>
-              <a:spcAft>
-                <a:spcPts val="0"/>
-              </a:spcAft>
-              <a:buNone/>
-            </a:pPr>
-            <a:r>
-              <a:rPr lang="es-ES" sz="2500">
-                <a:solidFill>
-                  <a:schemeClr val="dk1"/>
-                </a:solidFill>
-                <a:latin typeface="Calibri"/>
-                <a:ea typeface="Calibri"/>
-                <a:cs typeface="Calibri"/>
-                <a:sym typeface="Calibri"/>
-              </a:rPr>
-              <a:t>Deep Learning - Optimization</a:t>
-            </a:r>
-            <a:endParaRPr b="0" sz="2500" cap="none">
-              <a:solidFill>
-                <a:schemeClr val="dk1"/>
-              </a:solidFill>
-              <a:latin typeface="Calibri"/>
-              <a:ea typeface="Calibri"/>
-              <a:cs typeface="Calibri"/>
-              <a:sym typeface="Calibri"/>
-            </a:endParaRPr>
-          </a:p>
-        </p:txBody>
-      </p:sp>
-      <p:sp>
-        <p:nvSpPr>
-          <p:cNvPr id="218" name="Google Shape;218;p27"/>
-          <p:cNvSpPr/>
-          <p:nvPr/>
-        </p:nvSpPr>
-        <p:spPr>
-          <a:xfrm>
-            <a:off x="309697" y="677325"/>
-            <a:ext cx="2861400" cy="923400"/>
-          </a:xfrm>
-          <a:prstGeom prst="rect">
-            <a:avLst/>
-          </a:prstGeom>
-          <a:noFill/>
-          <a:ln>
-            <a:noFill/>
-          </a:ln>
-        </p:spPr>
-        <p:txBody>
-          <a:bodyPr anchorCtr="0" anchor="t" bIns="45700" lIns="91425" spcFirstLastPara="1" rIns="91425" wrap="square" tIns="45700">
-            <a:noAutofit/>
-          </a:bodyPr>
-          <a:lstStyle/>
-          <a:p>
-            <a:pPr indent="0" lvl="0" marL="0" marR="0" rtl="0" algn="ctr">
-              <a:spcBef>
-                <a:spcPts val="0"/>
-              </a:spcBef>
-              <a:spcAft>
-                <a:spcPts val="0"/>
-              </a:spcAft>
-              <a:buNone/>
-            </a:pPr>
-            <a:r>
-              <a:rPr b="1" lang="es-ES" sz="5400" cap="none">
-                <a:solidFill>
-                  <a:schemeClr val="accent5"/>
-                </a:solidFill>
-                <a:latin typeface="Calibri"/>
-                <a:ea typeface="Calibri"/>
-                <a:cs typeface="Calibri"/>
-                <a:sym typeface="Calibri"/>
-              </a:rPr>
-              <a:t>RMSprop</a:t>
-            </a:r>
-            <a:endParaRPr b="1" sz="5400" cap="none">
-              <a:solidFill>
-                <a:schemeClr val="accent5"/>
-              </a:solidFill>
-              <a:latin typeface="Calibri"/>
-              <a:ea typeface="Calibri"/>
-              <a:cs typeface="Calibri"/>
-              <a:sym typeface="Calibri"/>
-            </a:endParaRPr>
-          </a:p>
-        </p:txBody>
-      </p:sp>
-      <p:pic>
-        <p:nvPicPr>
-          <p:cNvPr id="219" name="Google Shape;219;p27"/>
-          <p:cNvPicPr preferRelativeResize="0"/>
-          <p:nvPr/>
-        </p:nvPicPr>
-        <p:blipFill>
-          <a:blip r:embed="rId3">
-            <a:alphaModFix/>
-          </a:blip>
-          <a:stretch>
-            <a:fillRect/>
-          </a:stretch>
-        </p:blipFill>
-        <p:spPr>
-          <a:xfrm>
-            <a:off x="4984200" y="580875"/>
-            <a:ext cx="5332026" cy="3447925"/>
-          </a:xfrm>
-          <a:prstGeom prst="rect">
-            <a:avLst/>
-          </a:prstGeom>
-          <a:noFill/>
-          <a:ln>
-            <a:noFill/>
-          </a:ln>
-        </p:spPr>
-      </p:pic>
-      <p:pic>
-        <p:nvPicPr>
-          <p:cNvPr id="220" name="Google Shape;220;p27"/>
-          <p:cNvPicPr preferRelativeResize="0"/>
-          <p:nvPr/>
-        </p:nvPicPr>
-        <p:blipFill>
-          <a:blip r:embed="rId4">
-            <a:alphaModFix/>
-          </a:blip>
-          <a:stretch>
-            <a:fillRect/>
-          </a:stretch>
-        </p:blipFill>
-        <p:spPr>
-          <a:xfrm>
-            <a:off x="828026" y="4301950"/>
-            <a:ext cx="10337325" cy="2000775"/>
-          </a:xfrm>
-          <a:prstGeom prst="rect">
-            <a:avLst/>
-          </a:prstGeom>
-          <a:noFill/>
-          <a:ln>
-            <a:noFill/>
-          </a:ln>
-        </p:spPr>
-      </p:pic>
-      <p:sp>
-        <p:nvSpPr>
-          <p:cNvPr id="221" name="Google Shape;221;p27"/>
+          <p:cNvPr id="202" name="Google Shape;202;p24"/>
           <p:cNvSpPr txBox="1"/>
           <p:nvPr/>
         </p:nvSpPr>
@@ -15756,7 +14739,7 @@
       </p:sp>
       <p:pic>
         <p:nvPicPr>
-          <p:cNvPr id="222" name="Google Shape;222;p27"/>
+          <p:cNvPr id="203" name="Google Shape;203;p24"/>
           <p:cNvPicPr preferRelativeResize="0"/>
           <p:nvPr/>
         </p:nvPicPr>
@@ -15784,7 +14767,7 @@
       </p:pic>
       <p:pic>
         <p:nvPicPr>
-          <p:cNvPr id="223" name="Google Shape;223;p27"/>
+          <p:cNvPr id="204" name="Google Shape;204;p24"/>
           <p:cNvPicPr preferRelativeResize="0"/>
           <p:nvPr/>
         </p:nvPicPr>
@@ -15818,12 +14801,506 @@
 </p:sld>
 </file>
 
-<file path=ppt/slides/slide16.xml><?xml version="1.0" encoding="utf-8"?>
+<file path=ppt/slides/slide13.xml><?xml version="1.0" encoding="utf-8"?>
 <p:sld xmlns:a="http://schemas.openxmlformats.org/drawingml/2006/main" xmlns:r="http://schemas.openxmlformats.org/officeDocument/2006/relationships" xmlns:mc="http://schemas.openxmlformats.org/markup-compatibility/2006" xmlns:mv="urn:schemas-microsoft-com:mac:vml" xmlns:p="http://schemas.openxmlformats.org/presentationml/2006/main" xmlns:c="http://schemas.openxmlformats.org/drawingml/2006/chart" xmlns:dgm="http://schemas.openxmlformats.org/drawingml/2006/diagram" xmlns:o="urn:schemas-microsoft-com:office:office" xmlns:v="urn:schemas-microsoft-com:vml" xmlns:pvml="urn:schemas-microsoft-com:office:powerpoint" xmlns:com="http://schemas.openxmlformats.org/drawingml/2006/compatibility" xmlns:p14="http://schemas.microsoft.com/office/powerpoint/2010/main" xmlns:p15="http://schemas.microsoft.com/office/powerpoint/2012/main">
   <p:cSld>
     <p:spTree>
       <p:nvGrpSpPr>
-        <p:cNvPr id="227" name="Shape 227"/>
+        <p:cNvPr id="208" name="Shape 208"/>
+        <p:cNvGrpSpPr/>
+        <p:nvPr/>
+      </p:nvGrpSpPr>
+      <p:grpSpPr>
+        <a:xfrm>
+          <a:off x="0" y="0"/>
+          <a:ext cx="0" cy="0"/>
+          <a:chOff x="0" y="0"/>
+          <a:chExt cx="0" cy="0"/>
+        </a:xfrm>
+      </p:grpSpPr>
+      <p:pic>
+        <p:nvPicPr>
+          <p:cNvPr id="209" name="Google Shape;209;p25"/>
+          <p:cNvPicPr preferRelativeResize="0"/>
+          <p:nvPr/>
+        </p:nvPicPr>
+        <p:blipFill rotWithShape="1">
+          <a:blip r:embed="rId3">
+            <a:alphaModFix/>
+          </a:blip>
+          <a:srcRect b="0" l="0" r="0" t="0"/>
+          <a:stretch/>
+        </p:blipFill>
+        <p:spPr>
+          <a:xfrm>
+            <a:off x="7067424" y="272073"/>
+            <a:ext cx="4791074" cy="2969602"/>
+          </a:xfrm>
+          <a:prstGeom prst="rect">
+            <a:avLst/>
+          </a:prstGeom>
+          <a:noFill/>
+          <a:ln>
+            <a:noFill/>
+          </a:ln>
+        </p:spPr>
+      </p:pic>
+      <p:pic>
+        <p:nvPicPr>
+          <p:cNvPr id="210" name="Google Shape;210;p25"/>
+          <p:cNvPicPr preferRelativeResize="0"/>
+          <p:nvPr/>
+        </p:nvPicPr>
+        <p:blipFill rotWithShape="1">
+          <a:blip r:embed="rId4">
+            <a:alphaModFix/>
+          </a:blip>
+          <a:srcRect b="0" l="0" r="0" t="0"/>
+          <a:stretch/>
+        </p:blipFill>
+        <p:spPr>
+          <a:xfrm>
+            <a:off x="6969229" y="3414713"/>
+            <a:ext cx="4987463" cy="3285537"/>
+          </a:xfrm>
+          <a:prstGeom prst="rect">
+            <a:avLst/>
+          </a:prstGeom>
+          <a:noFill/>
+          <a:ln>
+            <a:noFill/>
+          </a:ln>
+        </p:spPr>
+      </p:pic>
+      <p:pic>
+        <p:nvPicPr>
+          <p:cNvPr id="211" name="Google Shape;211;p25"/>
+          <p:cNvPicPr preferRelativeResize="0"/>
+          <p:nvPr/>
+        </p:nvPicPr>
+        <p:blipFill rotWithShape="1">
+          <a:blip r:embed="rId5">
+            <a:alphaModFix/>
+          </a:blip>
+          <a:srcRect b="0" l="0" r="0" t="0"/>
+          <a:stretch/>
+        </p:blipFill>
+        <p:spPr>
+          <a:xfrm>
+            <a:off x="460418" y="1326178"/>
+            <a:ext cx="3714750" cy="3510375"/>
+          </a:xfrm>
+          <a:prstGeom prst="rect">
+            <a:avLst/>
+          </a:prstGeom>
+          <a:noFill/>
+          <a:ln>
+            <a:noFill/>
+          </a:ln>
+        </p:spPr>
+      </p:pic>
+      <p:sp>
+        <p:nvSpPr>
+          <p:cNvPr id="212" name="Google Shape;212;p25"/>
+          <p:cNvSpPr/>
+          <p:nvPr/>
+        </p:nvSpPr>
+        <p:spPr>
+          <a:xfrm>
+            <a:off x="8369224" y="609050"/>
+            <a:ext cx="2571600" cy="477000"/>
+          </a:xfrm>
+          <a:prstGeom prst="rect">
+            <a:avLst/>
+          </a:prstGeom>
+          <a:noFill/>
+          <a:ln>
+            <a:noFill/>
+          </a:ln>
+        </p:spPr>
+        <p:txBody>
+          <a:bodyPr anchorCtr="0" anchor="t" bIns="45700" lIns="91425" spcFirstLastPara="1" rIns="91425" wrap="square" tIns="45700">
+            <a:noAutofit/>
+          </a:bodyPr>
+          <a:lstStyle/>
+          <a:p>
+            <a:pPr indent="0" lvl="0" marL="0" marR="0" rtl="0" algn="ctr">
+              <a:spcBef>
+                <a:spcPts val="0"/>
+              </a:spcBef>
+              <a:spcAft>
+                <a:spcPts val="0"/>
+              </a:spcAft>
+              <a:buNone/>
+            </a:pPr>
+            <a:r>
+              <a:rPr b="1" lang="es-ES" sz="2500">
+                <a:solidFill>
+                  <a:schemeClr val="dk1"/>
+                </a:solidFill>
+                <a:latin typeface="Calibri"/>
+                <a:ea typeface="Calibri"/>
+                <a:cs typeface="Calibri"/>
+                <a:sym typeface="Calibri"/>
+              </a:rPr>
+              <a:t>ADAM lr = 0.035</a:t>
+            </a:r>
+            <a:endParaRPr b="1" sz="2500" cap="none">
+              <a:solidFill>
+                <a:schemeClr val="dk1"/>
+              </a:solidFill>
+              <a:latin typeface="Calibri"/>
+              <a:ea typeface="Calibri"/>
+              <a:cs typeface="Calibri"/>
+              <a:sym typeface="Calibri"/>
+            </a:endParaRPr>
+          </a:p>
+        </p:txBody>
+      </p:sp>
+      <p:cxnSp>
+        <p:nvCxnSpPr>
+          <p:cNvPr id="213" name="Google Shape;213;p25"/>
+          <p:cNvCxnSpPr/>
+          <p:nvPr/>
+        </p:nvCxnSpPr>
+        <p:spPr>
+          <a:xfrm rot="10800000">
+            <a:off x="3494385" y="4247228"/>
+            <a:ext cx="1014412" cy="842963"/>
+          </a:xfrm>
+          <a:prstGeom prst="straightConnector1">
+            <a:avLst/>
+          </a:prstGeom>
+          <a:noFill/>
+          <a:ln cap="flat" cmpd="sng" w="57150">
+            <a:solidFill>
+              <a:srgbClr val="FF0000"/>
+            </a:solidFill>
+            <a:prstDash val="solid"/>
+            <a:miter lim="800000"/>
+            <a:headEnd len="sm" w="sm" type="none"/>
+            <a:tailEnd len="med" w="med" type="triangle"/>
+          </a:ln>
+        </p:spPr>
+      </p:cxnSp>
+      <p:sp>
+        <p:nvSpPr>
+          <p:cNvPr id="214" name="Google Shape;214;p25"/>
+          <p:cNvSpPr/>
+          <p:nvPr/>
+        </p:nvSpPr>
+        <p:spPr>
+          <a:xfrm>
+            <a:off x="6278826" y="4247228"/>
+            <a:ext cx="2571750" cy="2451434"/>
+          </a:xfrm>
+          <a:prstGeom prst="donut">
+            <a:avLst>
+              <a:gd fmla="val 797" name="adj"/>
+            </a:avLst>
+          </a:prstGeom>
+          <a:solidFill>
+            <a:schemeClr val="accent1"/>
+          </a:solidFill>
+          <a:ln cap="flat" cmpd="sng" w="12700">
+            <a:solidFill>
+              <a:srgbClr val="FF0000"/>
+            </a:solidFill>
+            <a:prstDash val="solid"/>
+            <a:miter lim="800000"/>
+            <a:headEnd len="sm" w="sm" type="none"/>
+            <a:tailEnd len="sm" w="sm" type="none"/>
+          </a:ln>
+        </p:spPr>
+        <p:txBody>
+          <a:bodyPr anchorCtr="0" anchor="ctr" bIns="45700" lIns="91425" spcFirstLastPara="1" rIns="91425" wrap="square" tIns="45700">
+            <a:noAutofit/>
+          </a:bodyPr>
+          <a:lstStyle/>
+          <a:p>
+            <a:pPr indent="0" lvl="0" marL="0" marR="0" rtl="0" algn="ctr">
+              <a:spcBef>
+                <a:spcPts val="0"/>
+              </a:spcBef>
+              <a:spcAft>
+                <a:spcPts val="0"/>
+              </a:spcAft>
+              <a:buNone/>
+            </a:pPr>
+            <a:r>
+              <a:t/>
+            </a:r>
+            <a:endParaRPr sz="1800">
+              <a:solidFill>
+                <a:schemeClr val="dk1"/>
+              </a:solidFill>
+              <a:latin typeface="Calibri"/>
+              <a:ea typeface="Calibri"/>
+              <a:cs typeface="Calibri"/>
+              <a:sym typeface="Calibri"/>
+            </a:endParaRPr>
+          </a:p>
+        </p:txBody>
+      </p:sp>
+      <p:sp>
+        <p:nvSpPr>
+          <p:cNvPr id="215" name="Google Shape;215;p25"/>
+          <p:cNvSpPr/>
+          <p:nvPr/>
+        </p:nvSpPr>
+        <p:spPr>
+          <a:xfrm>
+            <a:off x="432482" y="3302822"/>
+            <a:ext cx="1740004" cy="1533731"/>
+          </a:xfrm>
+          <a:prstGeom prst="donut">
+            <a:avLst>
+              <a:gd fmla="val 797" name="adj"/>
+            </a:avLst>
+          </a:prstGeom>
+          <a:solidFill>
+            <a:schemeClr val="accent1"/>
+          </a:solidFill>
+          <a:ln cap="flat" cmpd="sng" w="12700">
+            <a:solidFill>
+              <a:srgbClr val="FF0000"/>
+            </a:solidFill>
+            <a:prstDash val="solid"/>
+            <a:miter lim="800000"/>
+            <a:headEnd len="sm" w="sm" type="none"/>
+            <a:tailEnd len="sm" w="sm" type="none"/>
+          </a:ln>
+        </p:spPr>
+        <p:txBody>
+          <a:bodyPr anchorCtr="0" anchor="ctr" bIns="45700" lIns="91425" spcFirstLastPara="1" rIns="91425" wrap="square" tIns="45700">
+            <a:noAutofit/>
+          </a:bodyPr>
+          <a:lstStyle/>
+          <a:p>
+            <a:pPr indent="0" lvl="0" marL="0" marR="0" rtl="0" algn="ctr">
+              <a:spcBef>
+                <a:spcPts val="0"/>
+              </a:spcBef>
+              <a:spcAft>
+                <a:spcPts val="0"/>
+              </a:spcAft>
+              <a:buNone/>
+            </a:pPr>
+            <a:r>
+              <a:t/>
+            </a:r>
+            <a:endParaRPr sz="1800">
+              <a:solidFill>
+                <a:schemeClr val="dk1"/>
+              </a:solidFill>
+              <a:latin typeface="Calibri"/>
+              <a:ea typeface="Calibri"/>
+              <a:cs typeface="Calibri"/>
+              <a:sym typeface="Calibri"/>
+            </a:endParaRPr>
+          </a:p>
+        </p:txBody>
+      </p:sp>
+      <p:sp>
+        <p:nvSpPr>
+          <p:cNvPr id="216" name="Google Shape;216;p25"/>
+          <p:cNvSpPr/>
+          <p:nvPr/>
+        </p:nvSpPr>
+        <p:spPr>
+          <a:xfrm>
+            <a:off x="1005796" y="609050"/>
+            <a:ext cx="1882247" cy="477054"/>
+          </a:xfrm>
+          <a:prstGeom prst="rect">
+            <a:avLst/>
+          </a:prstGeom>
+          <a:noFill/>
+          <a:ln>
+            <a:noFill/>
+          </a:ln>
+        </p:spPr>
+        <p:txBody>
+          <a:bodyPr anchorCtr="0" anchor="t" bIns="45700" lIns="91425" spcFirstLastPara="1" rIns="91425" wrap="square" tIns="45700">
+            <a:noAutofit/>
+          </a:bodyPr>
+          <a:lstStyle/>
+          <a:p>
+            <a:pPr indent="0" lvl="0" marL="0" marR="0" rtl="0" algn="ctr">
+              <a:spcBef>
+                <a:spcPts val="0"/>
+              </a:spcBef>
+              <a:spcAft>
+                <a:spcPts val="0"/>
+              </a:spcAft>
+              <a:buNone/>
+            </a:pPr>
+            <a:r>
+              <a:rPr b="1" lang="es-ES" sz="2500">
+                <a:solidFill>
+                  <a:schemeClr val="dk1"/>
+                </a:solidFill>
+                <a:latin typeface="Calibri"/>
+                <a:ea typeface="Calibri"/>
+                <a:cs typeface="Calibri"/>
+                <a:sym typeface="Calibri"/>
+              </a:rPr>
+              <a:t>SGD </a:t>
+            </a:r>
+            <a:r>
+              <a:rPr b="1" lang="es-ES" sz="2500" cap="none">
+                <a:solidFill>
+                  <a:schemeClr val="dk1"/>
+                </a:solidFill>
+                <a:latin typeface="Calibri"/>
+                <a:ea typeface="Calibri"/>
+                <a:cs typeface="Calibri"/>
+                <a:sym typeface="Calibri"/>
+              </a:rPr>
+              <a:t>lr = 0.01</a:t>
+            </a:r>
+            <a:endParaRPr b="1" sz="2500" cap="none">
+              <a:solidFill>
+                <a:schemeClr val="dk1"/>
+              </a:solidFill>
+              <a:latin typeface="Calibri"/>
+              <a:ea typeface="Calibri"/>
+              <a:cs typeface="Calibri"/>
+              <a:sym typeface="Calibri"/>
+            </a:endParaRPr>
+          </a:p>
+        </p:txBody>
+      </p:sp>
+      <p:sp>
+        <p:nvSpPr>
+          <p:cNvPr id="217" name="Google Shape;217;p25"/>
+          <p:cNvSpPr/>
+          <p:nvPr/>
+        </p:nvSpPr>
+        <p:spPr>
+          <a:xfrm>
+            <a:off x="8194856" y="3505928"/>
+            <a:ext cx="2726400" cy="477000"/>
+          </a:xfrm>
+          <a:prstGeom prst="rect">
+            <a:avLst/>
+          </a:prstGeom>
+          <a:noFill/>
+          <a:ln>
+            <a:noFill/>
+          </a:ln>
+        </p:spPr>
+        <p:txBody>
+          <a:bodyPr anchorCtr="0" anchor="t" bIns="45700" lIns="91425" spcFirstLastPara="1" rIns="91425" wrap="square" tIns="45700">
+            <a:noAutofit/>
+          </a:bodyPr>
+          <a:lstStyle/>
+          <a:p>
+            <a:pPr indent="0" lvl="0" marL="0" marR="0" rtl="0" algn="ctr">
+              <a:spcBef>
+                <a:spcPts val="0"/>
+              </a:spcBef>
+              <a:spcAft>
+                <a:spcPts val="0"/>
+              </a:spcAft>
+              <a:buNone/>
+            </a:pPr>
+            <a:r>
+              <a:rPr b="1" lang="es-ES" sz="2500">
+                <a:solidFill>
+                  <a:schemeClr val="dk1"/>
+                </a:solidFill>
+                <a:latin typeface="Calibri"/>
+                <a:ea typeface="Calibri"/>
+                <a:cs typeface="Calibri"/>
+                <a:sym typeface="Calibri"/>
+              </a:rPr>
+              <a:t>RMSprop lr = 0.01</a:t>
+            </a:r>
+            <a:endParaRPr b="1" sz="2500" cap="none">
+              <a:solidFill>
+                <a:schemeClr val="dk1"/>
+              </a:solidFill>
+              <a:latin typeface="Calibri"/>
+              <a:ea typeface="Calibri"/>
+              <a:cs typeface="Calibri"/>
+              <a:sym typeface="Calibri"/>
+            </a:endParaRPr>
+          </a:p>
+        </p:txBody>
+      </p:sp>
+      <p:sp>
+        <p:nvSpPr>
+          <p:cNvPr id="218" name="Google Shape;218;p25"/>
+          <p:cNvSpPr/>
+          <p:nvPr/>
+        </p:nvSpPr>
+        <p:spPr>
+          <a:xfrm>
+            <a:off x="0" y="0"/>
+            <a:ext cx="3987310" cy="477054"/>
+          </a:xfrm>
+          <a:prstGeom prst="rect">
+            <a:avLst/>
+          </a:prstGeom>
+          <a:noFill/>
+          <a:ln>
+            <a:noFill/>
+          </a:ln>
+        </p:spPr>
+        <p:txBody>
+          <a:bodyPr anchorCtr="0" anchor="t" bIns="45700" lIns="91425" spcFirstLastPara="1" rIns="91425" wrap="square" tIns="45700">
+            <a:noAutofit/>
+          </a:bodyPr>
+          <a:lstStyle/>
+          <a:p>
+            <a:pPr indent="0" lvl="0" marL="0" marR="0" rtl="0" algn="ctr">
+              <a:spcBef>
+                <a:spcPts val="0"/>
+              </a:spcBef>
+              <a:spcAft>
+                <a:spcPts val="0"/>
+              </a:spcAft>
+              <a:buNone/>
+            </a:pPr>
+            <a:r>
+              <a:rPr lang="es-ES" sz="2500">
+                <a:solidFill>
+                  <a:schemeClr val="dk1"/>
+                </a:solidFill>
+                <a:latin typeface="Calibri"/>
+                <a:ea typeface="Calibri"/>
+                <a:cs typeface="Calibri"/>
+                <a:sym typeface="Calibri"/>
+              </a:rPr>
+              <a:t>Deep Learning - Optimization</a:t>
+            </a:r>
+            <a:endParaRPr b="0" sz="2500" cap="none">
+              <a:solidFill>
+                <a:schemeClr val="dk1"/>
+              </a:solidFill>
+              <a:latin typeface="Calibri"/>
+              <a:ea typeface="Calibri"/>
+              <a:cs typeface="Calibri"/>
+              <a:sym typeface="Calibri"/>
+            </a:endParaRPr>
+          </a:p>
+        </p:txBody>
+      </p:sp>
+    </p:spTree>
+  </p:cSld>
+  <p:clrMapOvr>
+    <a:masterClrMapping/>
+  </p:clrMapOvr>
+</p:sld>
+</file>
+
+<file path=ppt/slides/slide14.xml><?xml version="1.0" encoding="utf-8"?>
+<p:sld xmlns:a="http://schemas.openxmlformats.org/drawingml/2006/main" xmlns:r="http://schemas.openxmlformats.org/officeDocument/2006/relationships" xmlns:mc="http://schemas.openxmlformats.org/markup-compatibility/2006" xmlns:mv="urn:schemas-microsoft-com:mac:vml" xmlns:p="http://schemas.openxmlformats.org/presentationml/2006/main" xmlns:c="http://schemas.openxmlformats.org/drawingml/2006/chart" xmlns:dgm="http://schemas.openxmlformats.org/drawingml/2006/diagram" xmlns:o="urn:schemas-microsoft-com:office:office" xmlns:v="urn:schemas-microsoft-com:vml" xmlns:pvml="urn:schemas-microsoft-com:office:powerpoint" xmlns:com="http://schemas.openxmlformats.org/drawingml/2006/compatibility" xmlns:p14="http://schemas.microsoft.com/office/powerpoint/2010/main" xmlns:p15="http://schemas.microsoft.com/office/powerpoint/2012/main">
+  <p:cSld>
+    <p:spTree>
+      <p:nvGrpSpPr>
+        <p:cNvPr id="222" name="Shape 222"/>
         <p:cNvGrpSpPr/>
         <p:nvPr/>
       </p:nvGrpSpPr>
@@ -15837,7 +15314,7 @@
       </p:grpSpPr>
       <p:sp>
         <p:nvSpPr>
-          <p:cNvPr id="228" name="Google Shape;228;p28"/>
+          <p:cNvPr id="223" name="Google Shape;223;p26"/>
           <p:cNvSpPr/>
           <p:nvPr/>
         </p:nvSpPr>
@@ -15895,7 +15372,7 @@
       </p:sp>
       <p:sp>
         <p:nvSpPr>
-          <p:cNvPr id="229" name="Google Shape;229;p28"/>
+          <p:cNvPr id="224" name="Google Shape;224;p26"/>
           <p:cNvSpPr/>
           <p:nvPr/>
         </p:nvSpPr>
@@ -15953,7 +15430,7 @@
       </p:sp>
       <p:sp>
         <p:nvSpPr>
-          <p:cNvPr id="230" name="Google Shape;230;p28"/>
+          <p:cNvPr id="225" name="Google Shape;225;p26"/>
           <p:cNvSpPr txBox="1"/>
           <p:nvPr/>
         </p:nvSpPr>
@@ -16268,7 +15745,7 @@
       </p:sp>
       <p:pic>
         <p:nvPicPr>
-          <p:cNvPr id="231" name="Google Shape;231;p28"/>
+          <p:cNvPr id="226" name="Google Shape;226;p26"/>
           <p:cNvPicPr preferRelativeResize="0"/>
           <p:nvPr/>
         </p:nvPicPr>
@@ -16296,7 +15773,7 @@
       </p:pic>
       <p:pic>
         <p:nvPicPr>
-          <p:cNvPr id="232" name="Google Shape;232;p28"/>
+          <p:cNvPr id="227" name="Google Shape;227;p26"/>
           <p:cNvPicPr preferRelativeResize="0"/>
           <p:nvPr/>
         </p:nvPicPr>
@@ -16322,6 +15799,441 @@
           </a:ln>
         </p:spPr>
       </p:pic>
+    </p:spTree>
+  </p:cSld>
+  <p:clrMapOvr>
+    <a:masterClrMapping/>
+  </p:clrMapOvr>
+</p:sld>
+</file>
+
+<file path=ppt/slides/slide15.xml><?xml version="1.0" encoding="utf-8"?>
+<p:sld xmlns:a="http://schemas.openxmlformats.org/drawingml/2006/main" xmlns:r="http://schemas.openxmlformats.org/officeDocument/2006/relationships" xmlns:mc="http://schemas.openxmlformats.org/markup-compatibility/2006" xmlns:mv="urn:schemas-microsoft-com:mac:vml" xmlns:p="http://schemas.openxmlformats.org/presentationml/2006/main" xmlns:c="http://schemas.openxmlformats.org/drawingml/2006/chart" xmlns:dgm="http://schemas.openxmlformats.org/drawingml/2006/diagram" xmlns:o="urn:schemas-microsoft-com:office:office" xmlns:v="urn:schemas-microsoft-com:vml" xmlns:pvml="urn:schemas-microsoft-com:office:powerpoint" xmlns:com="http://schemas.openxmlformats.org/drawingml/2006/compatibility" xmlns:p14="http://schemas.microsoft.com/office/powerpoint/2010/main" xmlns:p15="http://schemas.microsoft.com/office/powerpoint/2012/main">
+  <p:cSld>
+    <p:spTree>
+      <p:nvGrpSpPr>
+        <p:cNvPr id="231" name="Shape 231"/>
+        <p:cNvGrpSpPr/>
+        <p:nvPr/>
+      </p:nvGrpSpPr>
+      <p:grpSpPr>
+        <a:xfrm>
+          <a:off x="0" y="0"/>
+          <a:ext cx="0" cy="0"/>
+          <a:chOff x="0" y="0"/>
+          <a:chExt cx="0" cy="0"/>
+        </a:xfrm>
+      </p:grpSpPr>
+      <p:pic>
+        <p:nvPicPr>
+          <p:cNvPr id="232" name="Google Shape;232;p27"/>
+          <p:cNvPicPr preferRelativeResize="0"/>
+          <p:nvPr/>
+        </p:nvPicPr>
+        <p:blipFill>
+          <a:blip r:embed="rId3">
+            <a:alphaModFix/>
+          </a:blip>
+          <a:stretch>
+            <a:fillRect/>
+          </a:stretch>
+        </p:blipFill>
+        <p:spPr>
+          <a:xfrm>
+            <a:off x="0" y="0"/>
+            <a:ext cx="5148875" cy="3223425"/>
+          </a:xfrm>
+          <a:prstGeom prst="rect">
+            <a:avLst/>
+          </a:prstGeom>
+          <a:noFill/>
+          <a:ln>
+            <a:noFill/>
+          </a:ln>
+        </p:spPr>
+      </p:pic>
+      <p:pic>
+        <p:nvPicPr>
+          <p:cNvPr id="233" name="Google Shape;233;p27"/>
+          <p:cNvPicPr preferRelativeResize="0"/>
+          <p:nvPr/>
+        </p:nvPicPr>
+        <p:blipFill>
+          <a:blip r:embed="rId4">
+            <a:alphaModFix/>
+          </a:blip>
+          <a:stretch>
+            <a:fillRect/>
+          </a:stretch>
+        </p:blipFill>
+        <p:spPr>
+          <a:xfrm>
+            <a:off x="6579700" y="0"/>
+            <a:ext cx="4661698" cy="3223425"/>
+          </a:xfrm>
+          <a:prstGeom prst="rect">
+            <a:avLst/>
+          </a:prstGeom>
+          <a:noFill/>
+          <a:ln>
+            <a:noFill/>
+          </a:ln>
+        </p:spPr>
+      </p:pic>
+      <p:pic>
+        <p:nvPicPr>
+          <p:cNvPr id="234" name="Google Shape;234;p27"/>
+          <p:cNvPicPr preferRelativeResize="0"/>
+          <p:nvPr/>
+        </p:nvPicPr>
+        <p:blipFill>
+          <a:blip r:embed="rId5">
+            <a:alphaModFix/>
+          </a:blip>
+          <a:stretch>
+            <a:fillRect/>
+          </a:stretch>
+        </p:blipFill>
+        <p:spPr>
+          <a:xfrm>
+            <a:off x="0" y="3429000"/>
+            <a:ext cx="5248275" cy="3451155"/>
+          </a:xfrm>
+          <a:prstGeom prst="rect">
+            <a:avLst/>
+          </a:prstGeom>
+          <a:noFill/>
+          <a:ln>
+            <a:noFill/>
+          </a:ln>
+        </p:spPr>
+      </p:pic>
+      <p:pic>
+        <p:nvPicPr>
+          <p:cNvPr id="235" name="Google Shape;235;p27"/>
+          <p:cNvPicPr preferRelativeResize="0"/>
+          <p:nvPr/>
+        </p:nvPicPr>
+        <p:blipFill>
+          <a:blip r:embed="rId6">
+            <a:alphaModFix/>
+          </a:blip>
+          <a:stretch>
+            <a:fillRect/>
+          </a:stretch>
+        </p:blipFill>
+        <p:spPr>
+          <a:xfrm>
+            <a:off x="6359417" y="3933825"/>
+            <a:ext cx="3864563" cy="2771775"/>
+          </a:xfrm>
+          <a:prstGeom prst="rect">
+            <a:avLst/>
+          </a:prstGeom>
+          <a:noFill/>
+          <a:ln>
+            <a:noFill/>
+          </a:ln>
+        </p:spPr>
+      </p:pic>
+    </p:spTree>
+  </p:cSld>
+  <p:clrMapOvr>
+    <a:masterClrMapping/>
+  </p:clrMapOvr>
+</p:sld>
+</file>
+
+<file path=ppt/slides/slide16.xml><?xml version="1.0" encoding="utf-8"?>
+<p:sld xmlns:a="http://schemas.openxmlformats.org/drawingml/2006/main" xmlns:r="http://schemas.openxmlformats.org/officeDocument/2006/relationships" xmlns:mc="http://schemas.openxmlformats.org/markup-compatibility/2006" xmlns:mv="urn:schemas-microsoft-com:mac:vml" xmlns:p="http://schemas.openxmlformats.org/presentationml/2006/main" xmlns:c="http://schemas.openxmlformats.org/drawingml/2006/chart" xmlns:dgm="http://schemas.openxmlformats.org/drawingml/2006/diagram" xmlns:o="urn:schemas-microsoft-com:office:office" xmlns:v="urn:schemas-microsoft-com:vml" xmlns:pvml="urn:schemas-microsoft-com:office:powerpoint" xmlns:com="http://schemas.openxmlformats.org/drawingml/2006/compatibility" xmlns:p14="http://schemas.microsoft.com/office/powerpoint/2010/main" xmlns:p15="http://schemas.microsoft.com/office/powerpoint/2012/main">
+  <p:cSld>
+    <p:spTree>
+      <p:nvGrpSpPr>
+        <p:cNvPr id="239" name="Shape 239"/>
+        <p:cNvGrpSpPr/>
+        <p:nvPr/>
+      </p:nvGrpSpPr>
+      <p:grpSpPr>
+        <a:xfrm>
+          <a:off x="0" y="0"/>
+          <a:ext cx="0" cy="0"/>
+          <a:chOff x="0" y="0"/>
+          <a:chExt cx="0" cy="0"/>
+        </a:xfrm>
+      </p:grpSpPr>
+      <p:sp>
+        <p:nvSpPr>
+          <p:cNvPr id="240" name="Google Shape;240;p28"/>
+          <p:cNvSpPr/>
+          <p:nvPr/>
+        </p:nvSpPr>
+        <p:spPr>
+          <a:xfrm>
+            <a:off x="526966" y="389781"/>
+            <a:ext cx="2634300" cy="923400"/>
+          </a:xfrm>
+          <a:prstGeom prst="rect">
+            <a:avLst/>
+          </a:prstGeom>
+          <a:noFill/>
+          <a:ln>
+            <a:noFill/>
+          </a:ln>
+        </p:spPr>
+        <p:txBody>
+          <a:bodyPr anchorCtr="0" anchor="t" bIns="45700" lIns="91425" spcFirstLastPara="1" rIns="91425" wrap="square" tIns="45700">
+            <a:noAutofit/>
+          </a:bodyPr>
+          <a:lstStyle/>
+          <a:p>
+            <a:pPr indent="0" lvl="0" marL="0" marR="0" rtl="0" algn="ctr">
+              <a:spcBef>
+                <a:spcPts val="0"/>
+              </a:spcBef>
+              <a:spcAft>
+                <a:spcPts val="0"/>
+              </a:spcAft>
+              <a:buNone/>
+            </a:pPr>
+            <a:r>
+              <a:rPr lang="es-ES" sz="5400">
+                <a:solidFill>
+                  <a:schemeClr val="dk1"/>
+                </a:solidFill>
+                <a:latin typeface="Calibri"/>
+                <a:ea typeface="Calibri"/>
+                <a:cs typeface="Calibri"/>
+                <a:sym typeface="Calibri"/>
+              </a:rPr>
+              <a:t>Analysis:</a:t>
+            </a:r>
+            <a:endParaRPr sz="5400">
+              <a:solidFill>
+                <a:schemeClr val="dk1"/>
+              </a:solidFill>
+              <a:latin typeface="Calibri"/>
+              <a:ea typeface="Calibri"/>
+              <a:cs typeface="Calibri"/>
+              <a:sym typeface="Calibri"/>
+            </a:endParaRPr>
+          </a:p>
+        </p:txBody>
+      </p:sp>
+      <p:sp>
+        <p:nvSpPr>
+          <p:cNvPr id="241" name="Google Shape;241;p28"/>
+          <p:cNvSpPr/>
+          <p:nvPr/>
+        </p:nvSpPr>
+        <p:spPr>
+          <a:xfrm>
+            <a:off x="526975" y="1747701"/>
+            <a:ext cx="7532100" cy="4946100"/>
+          </a:xfrm>
+          <a:prstGeom prst="rect">
+            <a:avLst/>
+          </a:prstGeom>
+          <a:noFill/>
+          <a:ln>
+            <a:noFill/>
+          </a:ln>
+        </p:spPr>
+        <p:txBody>
+          <a:bodyPr anchorCtr="0" anchor="t" bIns="45700" lIns="91425" spcFirstLastPara="1" rIns="91425" wrap="square" tIns="45700">
+            <a:noAutofit/>
+          </a:bodyPr>
+          <a:lstStyle/>
+          <a:p>
+            <a:pPr indent="0" lvl="0" marL="0" marR="0" rtl="0" algn="just">
+              <a:spcBef>
+                <a:spcPts val="0"/>
+              </a:spcBef>
+              <a:spcAft>
+                <a:spcPts val="0"/>
+              </a:spcAft>
+              <a:buNone/>
+            </a:pPr>
+            <a:r>
+              <a:rPr lang="es-ES" sz="2500">
+                <a:solidFill>
+                  <a:schemeClr val="dk1"/>
+                </a:solidFill>
+                <a:latin typeface="Calibri"/>
+                <a:ea typeface="Calibri"/>
+                <a:cs typeface="Calibri"/>
+                <a:sym typeface="Calibri"/>
+              </a:rPr>
+              <a:t>We’ll observe how the optimizers work on the accuracy, convergence and its speed. </a:t>
+            </a:r>
+            <a:endParaRPr/>
+          </a:p>
+          <a:p>
+            <a:pPr indent="0" lvl="0" marL="0" marR="0" rtl="0" algn="just">
+              <a:spcBef>
+                <a:spcPts val="0"/>
+              </a:spcBef>
+              <a:spcAft>
+                <a:spcPts val="0"/>
+              </a:spcAft>
+              <a:buNone/>
+            </a:pPr>
+            <a:r>
+              <a:t/>
+            </a:r>
+            <a:endParaRPr sz="2500">
+              <a:solidFill>
+                <a:schemeClr val="dk1"/>
+              </a:solidFill>
+              <a:latin typeface="Calibri"/>
+              <a:ea typeface="Calibri"/>
+              <a:cs typeface="Calibri"/>
+              <a:sym typeface="Calibri"/>
+            </a:endParaRPr>
+          </a:p>
+          <a:p>
+            <a:pPr indent="0" lvl="0" marL="0" marR="0" rtl="0" algn="just">
+              <a:spcBef>
+                <a:spcPts val="0"/>
+              </a:spcBef>
+              <a:spcAft>
+                <a:spcPts val="0"/>
+              </a:spcAft>
+              <a:buNone/>
+            </a:pPr>
+            <a:r>
+              <a:rPr lang="es-ES" sz="2500">
+                <a:solidFill>
+                  <a:schemeClr val="dk1"/>
+                </a:solidFill>
+                <a:latin typeface="Calibri"/>
+                <a:ea typeface="Calibri"/>
+                <a:cs typeface="Calibri"/>
+                <a:sym typeface="Calibri"/>
+              </a:rPr>
+              <a:t>These factors vary a lot depending on the learning rate if we talk about SGD, Adam and RMSprop, so we’ll analyse them depending on the value of this hyper parameter that we have.</a:t>
+            </a:r>
+            <a:endParaRPr sz="2500">
+              <a:solidFill>
+                <a:schemeClr val="dk1"/>
+              </a:solidFill>
+              <a:latin typeface="Calibri"/>
+              <a:ea typeface="Calibri"/>
+              <a:cs typeface="Calibri"/>
+              <a:sym typeface="Calibri"/>
+            </a:endParaRPr>
+          </a:p>
+          <a:p>
+            <a:pPr indent="0" lvl="0" marL="0" marR="0" rtl="0" algn="just">
+              <a:spcBef>
+                <a:spcPts val="0"/>
+              </a:spcBef>
+              <a:spcAft>
+                <a:spcPts val="0"/>
+              </a:spcAft>
+              <a:buNone/>
+            </a:pPr>
+            <a:r>
+              <a:t/>
+            </a:r>
+            <a:endParaRPr sz="2500">
+              <a:solidFill>
+                <a:schemeClr val="dk1"/>
+              </a:solidFill>
+              <a:latin typeface="Calibri"/>
+              <a:ea typeface="Calibri"/>
+              <a:cs typeface="Calibri"/>
+              <a:sym typeface="Calibri"/>
+            </a:endParaRPr>
+          </a:p>
+          <a:p>
+            <a:pPr indent="0" lvl="0" marL="0" marR="0" rtl="0" algn="just">
+              <a:spcBef>
+                <a:spcPts val="0"/>
+              </a:spcBef>
+              <a:spcAft>
+                <a:spcPts val="0"/>
+              </a:spcAft>
+              <a:buNone/>
+            </a:pPr>
+            <a:r>
+              <a:rPr lang="es-ES" sz="2500">
+                <a:solidFill>
+                  <a:schemeClr val="dk1"/>
+                </a:solidFill>
+                <a:latin typeface="Calibri"/>
+                <a:ea typeface="Calibri"/>
+                <a:cs typeface="Calibri"/>
+                <a:sym typeface="Calibri"/>
+              </a:rPr>
+              <a:t>At the same time, the effect on the betas on Adam vary a lot so we’ll analyze the general case scenarios</a:t>
+            </a:r>
+            <a:endParaRPr sz="2500">
+              <a:solidFill>
+                <a:schemeClr val="dk1"/>
+              </a:solidFill>
+              <a:latin typeface="Calibri"/>
+              <a:ea typeface="Calibri"/>
+              <a:cs typeface="Calibri"/>
+              <a:sym typeface="Calibri"/>
+            </a:endParaRPr>
+          </a:p>
+          <a:p>
+            <a:pPr indent="0" lvl="0" marL="0" marR="0" rtl="0" algn="just">
+              <a:spcBef>
+                <a:spcPts val="0"/>
+              </a:spcBef>
+              <a:spcAft>
+                <a:spcPts val="0"/>
+              </a:spcAft>
+              <a:buNone/>
+            </a:pPr>
+            <a:r>
+              <a:t/>
+            </a:r>
+            <a:endParaRPr sz="2500">
+              <a:solidFill>
+                <a:schemeClr val="dk1"/>
+              </a:solidFill>
+              <a:latin typeface="Calibri"/>
+              <a:ea typeface="Calibri"/>
+              <a:cs typeface="Calibri"/>
+              <a:sym typeface="Calibri"/>
+            </a:endParaRPr>
+          </a:p>
+          <a:p>
+            <a:pPr indent="0" lvl="0" marL="0" marR="0" rtl="0" algn="just">
+              <a:spcBef>
+                <a:spcPts val="0"/>
+              </a:spcBef>
+              <a:spcAft>
+                <a:spcPts val="0"/>
+              </a:spcAft>
+              <a:buNone/>
+            </a:pPr>
+            <a:r>
+              <a:rPr lang="es-ES" sz="2500">
+                <a:solidFill>
+                  <a:schemeClr val="dk1"/>
+                </a:solidFill>
+                <a:latin typeface="Calibri"/>
+                <a:ea typeface="Calibri"/>
+                <a:cs typeface="Calibri"/>
+                <a:sym typeface="Calibri"/>
+              </a:rPr>
+              <a:t>Adadelta depends specifically on the parameter rho.</a:t>
+            </a:r>
+            <a:endParaRPr sz="2500">
+              <a:solidFill>
+                <a:schemeClr val="dk1"/>
+              </a:solidFill>
+              <a:latin typeface="Calibri"/>
+              <a:ea typeface="Calibri"/>
+              <a:cs typeface="Calibri"/>
+              <a:sym typeface="Calibri"/>
+            </a:endParaRPr>
+          </a:p>
+        </p:txBody>
+      </p:sp>
     </p:spTree>
   </p:cSld>
   <p:clrMapOvr>
@@ -16335,7 +16247,7 @@
   <p:cSld>
     <p:spTree>
       <p:nvGrpSpPr>
-        <p:cNvPr id="236" name="Shape 236"/>
+        <p:cNvPr id="245" name="Shape 245"/>
         <p:cNvGrpSpPr/>
         <p:nvPr/>
       </p:nvGrpSpPr>
@@ -16349,7 +16261,7 @@
       </p:grpSpPr>
       <p:sp>
         <p:nvSpPr>
-          <p:cNvPr id="237" name="Google Shape;237;p29"/>
+          <p:cNvPr id="246" name="Google Shape;246;p29"/>
           <p:cNvSpPr/>
           <p:nvPr/>
         </p:nvSpPr>
@@ -16405,155 +16317,16 @@
           </a:p>
         </p:txBody>
       </p:sp>
-      <p:pic>
-        <p:nvPicPr>
-          <p:cNvPr id="238" name="Google Shape;238;p29"/>
-          <p:cNvPicPr preferRelativeResize="0"/>
-          <p:nvPr/>
-        </p:nvPicPr>
-        <p:blipFill rotWithShape="1">
-          <a:blip r:embed="rId3">
-            <a:alphaModFix/>
-          </a:blip>
-          <a:srcRect b="0" l="0" r="0" t="0"/>
-          <a:stretch/>
-        </p:blipFill>
-        <p:spPr>
-          <a:xfrm>
-            <a:off x="6264274" y="2428875"/>
-            <a:ext cx="5661551" cy="3550925"/>
-          </a:xfrm>
-          <a:prstGeom prst="rect">
-            <a:avLst/>
-          </a:prstGeom>
-          <a:noFill/>
-          <a:ln>
-            <a:noFill/>
-          </a:ln>
-        </p:spPr>
-      </p:pic>
-      <p:pic>
-        <p:nvPicPr>
-          <p:cNvPr id="239" name="Google Shape;239;p29"/>
-          <p:cNvPicPr preferRelativeResize="0"/>
-          <p:nvPr/>
-        </p:nvPicPr>
-        <p:blipFill rotWithShape="1">
-          <a:blip r:embed="rId4">
-            <a:alphaModFix/>
-          </a:blip>
-          <a:srcRect b="0" l="0" r="0" t="0"/>
-          <a:stretch/>
-        </p:blipFill>
-        <p:spPr>
-          <a:xfrm>
-            <a:off x="546100" y="939800"/>
-            <a:ext cx="4665250" cy="5040000"/>
-          </a:xfrm>
-          <a:prstGeom prst="rect">
-            <a:avLst/>
-          </a:prstGeom>
-          <a:noFill/>
-          <a:ln>
-            <a:noFill/>
-          </a:ln>
-        </p:spPr>
-      </p:pic>
-      <p:cxnSp>
-        <p:nvCxnSpPr>
-          <p:cNvPr id="240" name="Google Shape;240;p29"/>
-          <p:cNvCxnSpPr/>
-          <p:nvPr/>
-        </p:nvCxnSpPr>
-        <p:spPr>
-          <a:xfrm rot="10800000">
-            <a:off x="10729913" y="5514975"/>
-            <a:ext cx="1014412" cy="842963"/>
-          </a:xfrm>
-          <a:prstGeom prst="straightConnector1">
-            <a:avLst/>
-          </a:prstGeom>
-          <a:noFill/>
-          <a:ln cap="flat" cmpd="sng" w="57150">
-            <a:solidFill>
-              <a:srgbClr val="FF0000"/>
-            </a:solidFill>
-            <a:prstDash val="solid"/>
-            <a:miter lim="800000"/>
-            <a:headEnd len="sm" w="sm" type="none"/>
-            <a:tailEnd len="med" w="med" type="triangle"/>
-          </a:ln>
-        </p:spPr>
-      </p:cxnSp>
       <p:sp>
         <p:nvSpPr>
-          <p:cNvPr id="241" name="Google Shape;241;p29"/>
+          <p:cNvPr id="247" name="Google Shape;247;p29"/>
           <p:cNvSpPr/>
           <p:nvPr/>
         </p:nvSpPr>
         <p:spPr>
           <a:xfrm>
-            <a:off x="6492931" y="3528366"/>
-            <a:ext cx="2571750" cy="2451434"/>
-          </a:xfrm>
-          <a:prstGeom prst="donut">
-            <a:avLst>
-              <a:gd fmla="val 797" name="adj"/>
-            </a:avLst>
-          </a:prstGeom>
-          <a:solidFill>
-            <a:schemeClr val="accent1"/>
-          </a:solidFill>
-          <a:ln cap="flat" cmpd="sng" w="12700">
-            <a:solidFill>
-              <a:srgbClr val="FF0000"/>
-            </a:solidFill>
-            <a:prstDash val="solid"/>
-            <a:miter lim="800000"/>
-            <a:headEnd len="sm" w="sm" type="none"/>
-            <a:tailEnd len="sm" w="sm" type="none"/>
-          </a:ln>
-        </p:spPr>
-        <p:txBody>
-          <a:bodyPr anchorCtr="0" anchor="ctr" bIns="45700" lIns="91425" spcFirstLastPara="1" rIns="91425" wrap="square" tIns="45700">
-            <a:noAutofit/>
-          </a:bodyPr>
-          <a:lstStyle/>
-          <a:p>
-            <a:pPr indent="0" lvl="0" marL="0" marR="0" rtl="0" algn="ctr">
-              <a:spcBef>
-                <a:spcPts val="0"/>
-              </a:spcBef>
-              <a:spcAft>
-                <a:spcPts val="0"/>
-              </a:spcAft>
-              <a:buNone/>
-            </a:pPr>
-            <a:r>
-              <a:t/>
-            </a:r>
-            <a:endParaRPr sz="1800">
-              <a:solidFill>
-                <a:schemeClr val="dk1"/>
-              </a:solidFill>
-              <a:latin typeface="Calibri"/>
-              <a:ea typeface="Calibri"/>
-              <a:cs typeface="Calibri"/>
-              <a:sym typeface="Calibri"/>
-            </a:endParaRPr>
-          </a:p>
-        </p:txBody>
-      </p:sp>
-      <p:sp>
-        <p:nvSpPr>
-          <p:cNvPr id="242" name="Google Shape;242;p29"/>
-          <p:cNvSpPr/>
-          <p:nvPr/>
-        </p:nvSpPr>
-        <p:spPr>
-          <a:xfrm>
-            <a:off x="7821591" y="779531"/>
-            <a:ext cx="2044150" cy="477054"/>
+            <a:off x="7740639" y="779531"/>
+            <a:ext cx="2206053" cy="477054"/>
           </a:xfrm>
           <a:prstGeom prst="rect">
             <a:avLst/>
@@ -16600,9 +16373,148 @@
                 <a:cs typeface="Calibri"/>
                 <a:sym typeface="Calibri"/>
               </a:rPr>
-              <a:t>lr = 0.001</a:t>
+              <a:t>lr = 0.0005</a:t>
             </a:r>
             <a:endParaRPr b="1" sz="2500" cap="none">
+              <a:solidFill>
+                <a:schemeClr val="dk1"/>
+              </a:solidFill>
+              <a:latin typeface="Calibri"/>
+              <a:ea typeface="Calibri"/>
+              <a:cs typeface="Calibri"/>
+              <a:sym typeface="Calibri"/>
+            </a:endParaRPr>
+          </a:p>
+        </p:txBody>
+      </p:sp>
+      <p:pic>
+        <p:nvPicPr>
+          <p:cNvPr id="248" name="Google Shape;248;p29"/>
+          <p:cNvPicPr preferRelativeResize="0"/>
+          <p:nvPr/>
+        </p:nvPicPr>
+        <p:blipFill rotWithShape="1">
+          <a:blip r:embed="rId3">
+            <a:alphaModFix/>
+          </a:blip>
+          <a:srcRect b="0" l="0" r="0" t="0"/>
+          <a:stretch/>
+        </p:blipFill>
+        <p:spPr>
+          <a:xfrm>
+            <a:off x="6137016" y="1877232"/>
+            <a:ext cx="5413300" cy="4343093"/>
+          </a:xfrm>
+          <a:prstGeom prst="rect">
+            <a:avLst/>
+          </a:prstGeom>
+          <a:noFill/>
+          <a:ln>
+            <a:noFill/>
+          </a:ln>
+        </p:spPr>
+      </p:pic>
+      <p:pic>
+        <p:nvPicPr>
+          <p:cNvPr id="249" name="Google Shape;249;p29"/>
+          <p:cNvPicPr preferRelativeResize="0"/>
+          <p:nvPr/>
+        </p:nvPicPr>
+        <p:blipFill rotWithShape="1">
+          <a:blip r:embed="rId4">
+            <a:alphaModFix/>
+          </a:blip>
+          <a:srcRect b="0" l="0" r="0" t="0"/>
+          <a:stretch/>
+        </p:blipFill>
+        <p:spPr>
+          <a:xfrm>
+            <a:off x="884341" y="779531"/>
+            <a:ext cx="4617557" cy="5731239"/>
+          </a:xfrm>
+          <a:prstGeom prst="rect">
+            <a:avLst/>
+          </a:prstGeom>
+          <a:noFill/>
+          <a:ln>
+            <a:noFill/>
+          </a:ln>
+        </p:spPr>
+      </p:pic>
+      <p:cxnSp>
+        <p:nvCxnSpPr>
+          <p:cNvPr id="250" name="Google Shape;250;p29"/>
+          <p:cNvCxnSpPr/>
+          <p:nvPr/>
+        </p:nvCxnSpPr>
+        <p:spPr>
+          <a:xfrm rot="10800000">
+            <a:off x="10729913" y="5514975"/>
+            <a:ext cx="1014412" cy="842963"/>
+          </a:xfrm>
+          <a:prstGeom prst="straightConnector1">
+            <a:avLst/>
+          </a:prstGeom>
+          <a:noFill/>
+          <a:ln cap="flat" cmpd="sng" w="57150">
+            <a:solidFill>
+              <a:srgbClr val="FF0000"/>
+            </a:solidFill>
+            <a:prstDash val="solid"/>
+            <a:miter lim="800000"/>
+            <a:headEnd len="sm" w="sm" type="none"/>
+            <a:tailEnd len="med" w="med" type="triangle"/>
+          </a:ln>
+        </p:spPr>
+      </p:cxnSp>
+      <p:sp>
+        <p:nvSpPr>
+          <p:cNvPr id="251" name="Google Shape;251;p29"/>
+          <p:cNvSpPr/>
+          <p:nvPr/>
+        </p:nvSpPr>
+        <p:spPr>
+          <a:xfrm>
+            <a:off x="6621726" y="3118526"/>
+            <a:ext cx="2571750" cy="2451434"/>
+          </a:xfrm>
+          <a:prstGeom prst="donut">
+            <a:avLst>
+              <a:gd fmla="val 797" name="adj"/>
+            </a:avLst>
+          </a:prstGeom>
+          <a:solidFill>
+            <a:schemeClr val="accent1"/>
+          </a:solidFill>
+          <a:ln cap="flat" cmpd="sng" w="12700">
+            <a:solidFill>
+              <a:srgbClr val="FF0000"/>
+            </a:solidFill>
+            <a:prstDash val="solid"/>
+            <a:miter lim="800000"/>
+            <a:headEnd len="sm" w="sm" type="none"/>
+            <a:tailEnd len="sm" w="sm" type="none"/>
+          </a:ln>
+        </p:spPr>
+        <p:txBody>
+          <a:bodyPr anchorCtr="0" anchor="ctr" bIns="45700" lIns="91425" spcFirstLastPara="1" rIns="91425" wrap="square" tIns="45700">
+            <a:noAutofit/>
+          </a:bodyPr>
+          <a:lstStyle/>
+          <a:p>
+            <a:pPr indent="0" lvl="0" marL="0" marR="0" rtl="0" algn="ctr">
+              <a:spcBef>
+                <a:spcPts val="0"/>
+              </a:spcBef>
+              <a:spcAft>
+                <a:spcPts val="0"/>
+              </a:spcAft>
+              <a:buNone/>
+            </a:pPr>
+            <a:r>
+              <a:t/>
+            </a:r>
+            <a:endParaRPr sz="1800">
               <a:solidFill>
                 <a:schemeClr val="dk1"/>
               </a:solidFill>
@@ -16627,7 +16539,7 @@
   <p:cSld>
     <p:spTree>
       <p:nvGrpSpPr>
-        <p:cNvPr id="246" name="Shape 246"/>
+        <p:cNvPr id="255" name="Shape 255"/>
         <p:cNvGrpSpPr/>
         <p:nvPr/>
       </p:nvGrpSpPr>
@@ -16641,7 +16553,7 @@
       </p:grpSpPr>
       <p:sp>
         <p:nvSpPr>
-          <p:cNvPr id="247" name="Google Shape;247;p30"/>
+          <p:cNvPr id="256" name="Google Shape;256;p30"/>
           <p:cNvSpPr/>
           <p:nvPr/>
         </p:nvSpPr>
@@ -16697,70 +16609,16 @@
           </a:p>
         </p:txBody>
       </p:sp>
-      <p:pic>
-        <p:nvPicPr>
-          <p:cNvPr id="248" name="Google Shape;248;p30"/>
-          <p:cNvPicPr preferRelativeResize="0"/>
-          <p:nvPr/>
-        </p:nvPicPr>
-        <p:blipFill rotWithShape="1">
-          <a:blip r:embed="rId3">
-            <a:alphaModFix/>
-          </a:blip>
-          <a:srcRect b="0" l="0" r="0" t="0"/>
-          <a:stretch/>
-        </p:blipFill>
-        <p:spPr>
-          <a:xfrm>
-            <a:off x="588962" y="957263"/>
-            <a:ext cx="4784908" cy="5040000"/>
-          </a:xfrm>
-          <a:prstGeom prst="rect">
-            <a:avLst/>
-          </a:prstGeom>
-          <a:noFill/>
-          <a:ln>
-            <a:noFill/>
-          </a:ln>
-        </p:spPr>
-      </p:pic>
-      <p:pic>
-        <p:nvPicPr>
-          <p:cNvPr id="249" name="Google Shape;249;p30"/>
-          <p:cNvPicPr preferRelativeResize="0"/>
-          <p:nvPr/>
-        </p:nvPicPr>
-        <p:blipFill rotWithShape="1">
-          <a:blip r:embed="rId4">
-            <a:alphaModFix/>
-          </a:blip>
-          <a:srcRect b="0" l="0" r="0" t="0"/>
-          <a:stretch/>
-        </p:blipFill>
-        <p:spPr>
-          <a:xfrm>
-            <a:off x="6238875" y="2930217"/>
-            <a:ext cx="5040000" cy="3067046"/>
-          </a:xfrm>
-          <a:prstGeom prst="rect">
-            <a:avLst/>
-          </a:prstGeom>
-          <a:noFill/>
-          <a:ln>
-            <a:noFill/>
-          </a:ln>
-        </p:spPr>
-      </p:pic>
       <p:sp>
         <p:nvSpPr>
-          <p:cNvPr id="250" name="Google Shape;250;p30"/>
+          <p:cNvPr id="257" name="Google Shape;257;p30"/>
           <p:cNvSpPr/>
           <p:nvPr/>
         </p:nvSpPr>
         <p:spPr>
           <a:xfrm>
-            <a:off x="7584194" y="1365630"/>
-            <a:ext cx="2349362" cy="477054"/>
+            <a:off x="7551099" y="894143"/>
+            <a:ext cx="2511265" cy="477054"/>
           </a:xfrm>
           <a:prstGeom prst="rect">
             <a:avLst/>
@@ -16795,7 +16653,7 @@
                 <a:cs typeface="Calibri"/>
                 <a:sym typeface="Calibri"/>
               </a:rPr>
-              <a:t>ADAM lr = 0.001</a:t>
+              <a:t>ADAM lr = 0.0005</a:t>
             </a:r>
             <a:endParaRPr b="1" sz="2500" cap="none">
               <a:solidFill>
@@ -16809,16 +16667,70 @@
           </a:p>
         </p:txBody>
       </p:sp>
+      <p:pic>
+        <p:nvPicPr>
+          <p:cNvPr id="258" name="Google Shape;258;p30"/>
+          <p:cNvPicPr preferRelativeResize="0"/>
+          <p:nvPr/>
+        </p:nvPicPr>
+        <p:blipFill rotWithShape="1">
+          <a:blip r:embed="rId3">
+            <a:alphaModFix/>
+          </a:blip>
+          <a:srcRect b="0" l="0" r="0" t="0"/>
+          <a:stretch/>
+        </p:blipFill>
+        <p:spPr>
+          <a:xfrm>
+            <a:off x="757238" y="1014413"/>
+            <a:ext cx="4761253" cy="5735877"/>
+          </a:xfrm>
+          <a:prstGeom prst="rect">
+            <a:avLst/>
+          </a:prstGeom>
+          <a:noFill/>
+          <a:ln>
+            <a:noFill/>
+          </a:ln>
+        </p:spPr>
+      </p:pic>
+      <p:pic>
+        <p:nvPicPr>
+          <p:cNvPr id="259" name="Google Shape;259;p30"/>
+          <p:cNvPicPr preferRelativeResize="0"/>
+          <p:nvPr/>
+        </p:nvPicPr>
+        <p:blipFill rotWithShape="1">
+          <a:blip r:embed="rId4">
+            <a:alphaModFix/>
+          </a:blip>
+          <a:srcRect b="0" l="0" r="0" t="0"/>
+          <a:stretch/>
+        </p:blipFill>
+        <p:spPr>
+          <a:xfrm>
+            <a:off x="5619904" y="1977388"/>
+            <a:ext cx="6373657" cy="4109614"/>
+          </a:xfrm>
+          <a:prstGeom prst="rect">
+            <a:avLst/>
+          </a:prstGeom>
+          <a:noFill/>
+          <a:ln>
+            <a:noFill/>
+          </a:ln>
+        </p:spPr>
+      </p:pic>
       <p:cxnSp>
         <p:nvCxnSpPr>
-          <p:cNvPr id="251" name="Google Shape;251;p30"/>
+          <p:cNvPr id="260" name="Google Shape;260;p30"/>
           <p:cNvCxnSpPr/>
           <p:nvPr/>
         </p:nvCxnSpPr>
         <p:spPr>
           <a:xfrm rot="10800000">
-            <a:off x="10529888" y="5572125"/>
-            <a:ext cx="1214437" cy="785814"/>
+            <a:off x="10729913" y="5514975"/>
+            <a:ext cx="1014412" cy="842963"/>
           </a:xfrm>
           <a:prstGeom prst="straightConnector1">
             <a:avLst/>
@@ -16837,13 +16749,13 @@
       </p:cxnSp>
       <p:sp>
         <p:nvSpPr>
-          <p:cNvPr id="252" name="Google Shape;252;p30"/>
+          <p:cNvPr id="261" name="Google Shape;261;p30"/>
           <p:cNvSpPr/>
           <p:nvPr/>
         </p:nvSpPr>
         <p:spPr>
           <a:xfrm>
-            <a:off x="5921638" y="3906505"/>
+            <a:off x="5619904" y="3635568"/>
             <a:ext cx="2571750" cy="2451434"/>
           </a:xfrm>
           <a:prstGeom prst="donut">
@@ -16907,7 +16819,7 @@
   <p:cSld>
     <p:spTree>
       <p:nvGrpSpPr>
-        <p:cNvPr id="256" name="Shape 256"/>
+        <p:cNvPr id="265" name="Shape 265"/>
         <p:cNvGrpSpPr/>
         <p:nvPr/>
       </p:nvGrpSpPr>
@@ -16921,7 +16833,7 @@
       </p:grpSpPr>
       <p:sp>
         <p:nvSpPr>
-          <p:cNvPr id="257" name="Google Shape;257;p31"/>
+          <p:cNvPr id="266" name="Google Shape;266;p31"/>
           <p:cNvSpPr/>
           <p:nvPr/>
         </p:nvSpPr>
@@ -16979,7 +16891,7 @@
       </p:sp>
       <p:pic>
         <p:nvPicPr>
-          <p:cNvPr id="258" name="Google Shape;258;p31"/>
+          <p:cNvPr id="267" name="Google Shape;267;p31"/>
           <p:cNvPicPr preferRelativeResize="0"/>
           <p:nvPr/>
         </p:nvPicPr>
@@ -16992,8 +16904,8 @@
         </p:blipFill>
         <p:spPr>
           <a:xfrm>
-            <a:off x="507006" y="1308100"/>
-            <a:ext cx="4780156" cy="5253439"/>
+            <a:off x="6264274" y="2428875"/>
+            <a:ext cx="5661551" cy="3550925"/>
           </a:xfrm>
           <a:prstGeom prst="rect">
             <a:avLst/>
@@ -17006,7 +16918,7 @@
       </p:pic>
       <p:pic>
         <p:nvPicPr>
-          <p:cNvPr id="259" name="Google Shape;259;p31"/>
+          <p:cNvPr id="268" name="Google Shape;268;p31"/>
           <p:cNvPicPr preferRelativeResize="0"/>
           <p:nvPr/>
         </p:nvPicPr>
@@ -17019,8 +16931,8 @@
         </p:blipFill>
         <p:spPr>
           <a:xfrm>
-            <a:off x="6710363" y="2822575"/>
-            <a:ext cx="5040000" cy="3504516"/>
+            <a:off x="546100" y="939800"/>
+            <a:ext cx="4665250" cy="5040000"/>
           </a:xfrm>
           <a:prstGeom prst="rect">
             <a:avLst/>
@@ -17031,74 +16943,16 @@
           </a:ln>
         </p:spPr>
       </p:pic>
-      <p:sp>
-        <p:nvSpPr>
-          <p:cNvPr id="260" name="Google Shape;260;p31"/>
-          <p:cNvSpPr/>
-          <p:nvPr/>
-        </p:nvSpPr>
-        <p:spPr>
-          <a:xfrm>
-            <a:off x="7784326" y="794131"/>
-            <a:ext cx="2726387" cy="477054"/>
-          </a:xfrm>
-          <a:prstGeom prst="rect">
-            <a:avLst/>
-          </a:prstGeom>
-          <a:noFill/>
-          <a:ln>
-            <a:noFill/>
-          </a:ln>
-        </p:spPr>
-        <p:txBody>
-          <a:bodyPr anchorCtr="0" anchor="t" bIns="45700" lIns="91425" spcFirstLastPara="1" rIns="91425" wrap="square" tIns="45700">
-            <a:noAutofit/>
-          </a:bodyPr>
-          <a:lstStyle/>
-          <a:p>
-            <a:pPr indent="0" lvl="0" marL="0" marR="0" rtl="0" algn="ctr">
-              <a:spcBef>
-                <a:spcPts val="0"/>
-              </a:spcBef>
-              <a:spcAft>
-                <a:spcPts val="0"/>
-              </a:spcAft>
-              <a:buNone/>
-            </a:pPr>
-            <a:r>
-              <a:rPr b="1" lang="es-ES" sz="2500">
-                <a:solidFill>
-                  <a:schemeClr val="dk1"/>
-                </a:solidFill>
-                <a:latin typeface="Calibri"/>
-                <a:ea typeface="Calibri"/>
-                <a:cs typeface="Calibri"/>
-                <a:sym typeface="Calibri"/>
-              </a:rPr>
-              <a:t>RMSprop lr = 0.001</a:t>
-            </a:r>
-            <a:endParaRPr b="1" sz="2500" cap="none">
-              <a:solidFill>
-                <a:schemeClr val="dk1"/>
-              </a:solidFill>
-              <a:latin typeface="Calibri"/>
-              <a:ea typeface="Calibri"/>
-              <a:cs typeface="Calibri"/>
-              <a:sym typeface="Calibri"/>
-            </a:endParaRPr>
-          </a:p>
-        </p:txBody>
-      </p:sp>
       <p:cxnSp>
         <p:nvCxnSpPr>
-          <p:cNvPr id="261" name="Google Shape;261;p31"/>
+          <p:cNvPr id="269" name="Google Shape;269;p31"/>
           <p:cNvCxnSpPr/>
           <p:nvPr/>
         </p:nvCxnSpPr>
         <p:spPr>
           <a:xfrm rot="10800000">
-            <a:off x="10510713" y="5786438"/>
-            <a:ext cx="1233612" cy="571501"/>
+            <a:off x="10729913" y="5514975"/>
+            <a:ext cx="1014412" cy="842963"/>
           </a:xfrm>
           <a:prstGeom prst="straightConnector1">
             <a:avLst/>
@@ -17117,14 +16971,14 @@
       </p:cxnSp>
       <p:sp>
         <p:nvSpPr>
-          <p:cNvPr id="262" name="Google Shape;262;p31"/>
+          <p:cNvPr id="270" name="Google Shape;270;p31"/>
           <p:cNvSpPr/>
           <p:nvPr/>
         </p:nvSpPr>
         <p:spPr>
           <a:xfrm>
-            <a:off x="6886575" y="5057775"/>
-            <a:ext cx="1949714" cy="1503764"/>
+            <a:off x="6492931" y="3528366"/>
+            <a:ext cx="2571750" cy="2451434"/>
           </a:xfrm>
           <a:prstGeom prst="donut">
             <a:avLst>
@@ -17163,6 +17017,76 @@
               <a:t/>
             </a:r>
             <a:endParaRPr sz="1800">
+              <a:solidFill>
+                <a:schemeClr val="dk1"/>
+              </a:solidFill>
+              <a:latin typeface="Calibri"/>
+              <a:ea typeface="Calibri"/>
+              <a:cs typeface="Calibri"/>
+              <a:sym typeface="Calibri"/>
+            </a:endParaRPr>
+          </a:p>
+        </p:txBody>
+      </p:sp>
+      <p:sp>
+        <p:nvSpPr>
+          <p:cNvPr id="271" name="Google Shape;271;p31"/>
+          <p:cNvSpPr/>
+          <p:nvPr/>
+        </p:nvSpPr>
+        <p:spPr>
+          <a:xfrm>
+            <a:off x="7821591" y="779531"/>
+            <a:ext cx="2044150" cy="477054"/>
+          </a:xfrm>
+          <a:prstGeom prst="rect">
+            <a:avLst/>
+          </a:prstGeom>
+          <a:noFill/>
+          <a:ln>
+            <a:noFill/>
+          </a:ln>
+        </p:spPr>
+        <p:txBody>
+          <a:bodyPr anchorCtr="0" anchor="t" bIns="45700" lIns="91425" spcFirstLastPara="1" rIns="91425" wrap="square" tIns="45700">
+            <a:noAutofit/>
+          </a:bodyPr>
+          <a:lstStyle/>
+          <a:p>
+            <a:pPr indent="0" lvl="0" marL="0" marR="0" rtl="0" algn="ctr">
+              <a:spcBef>
+                <a:spcPts val="0"/>
+              </a:spcBef>
+              <a:spcAft>
+                <a:spcPts val="0"/>
+              </a:spcAft>
+              <a:buNone/>
+            </a:pPr>
+            <a:r>
+              <a:rPr b="1" lang="es-ES" sz="2500">
+                <a:solidFill>
+                  <a:schemeClr val="dk1"/>
+                </a:solidFill>
+                <a:latin typeface="Calibri"/>
+                <a:ea typeface="Calibri"/>
+                <a:cs typeface="Calibri"/>
+                <a:sym typeface="Calibri"/>
+              </a:rPr>
+              <a:t>SGD </a:t>
+            </a:r>
+            <a:r>
+              <a:rPr b="1" lang="es-ES" sz="2500" cap="none">
+                <a:solidFill>
+                  <a:schemeClr val="dk1"/>
+                </a:solidFill>
+                <a:latin typeface="Calibri"/>
+                <a:ea typeface="Calibri"/>
+                <a:cs typeface="Calibri"/>
+                <a:sym typeface="Calibri"/>
+              </a:rPr>
+              <a:t>lr = 0.001</a:t>
+            </a:r>
+            <a:endParaRPr b="1" sz="2500" cap="none">
               <a:solidFill>
                 <a:schemeClr val="dk1"/>
               </a:solidFill>
@@ -17520,7 +17444,1064 @@
   <p:cSld>
     <p:spTree>
       <p:nvGrpSpPr>
-        <p:cNvPr id="266" name="Shape 266"/>
+        <p:cNvPr id="275" name="Shape 275"/>
+        <p:cNvGrpSpPr/>
+        <p:nvPr/>
+      </p:nvGrpSpPr>
+      <p:grpSpPr>
+        <a:xfrm>
+          <a:off x="0" y="0"/>
+          <a:ext cx="0" cy="0"/>
+          <a:chOff x="0" y="0"/>
+          <a:chExt cx="0" cy="0"/>
+        </a:xfrm>
+      </p:grpSpPr>
+      <p:sp>
+        <p:nvSpPr>
+          <p:cNvPr id="276" name="Google Shape;276;p32"/>
+          <p:cNvSpPr/>
+          <p:nvPr/>
+        </p:nvSpPr>
+        <p:spPr>
+          <a:xfrm>
+            <a:off x="0" y="0"/>
+            <a:ext cx="3987310" cy="477054"/>
+          </a:xfrm>
+          <a:prstGeom prst="rect">
+            <a:avLst/>
+          </a:prstGeom>
+          <a:noFill/>
+          <a:ln>
+            <a:noFill/>
+          </a:ln>
+        </p:spPr>
+        <p:txBody>
+          <a:bodyPr anchorCtr="0" anchor="t" bIns="45700" lIns="91425" spcFirstLastPara="1" rIns="91425" wrap="square" tIns="45700">
+            <a:noAutofit/>
+          </a:bodyPr>
+          <a:lstStyle/>
+          <a:p>
+            <a:pPr indent="0" lvl="0" marL="0" marR="0" rtl="0" algn="ctr">
+              <a:spcBef>
+                <a:spcPts val="0"/>
+              </a:spcBef>
+              <a:spcAft>
+                <a:spcPts val="0"/>
+              </a:spcAft>
+              <a:buNone/>
+            </a:pPr>
+            <a:r>
+              <a:rPr lang="es-ES" sz="2500">
+                <a:solidFill>
+                  <a:schemeClr val="dk1"/>
+                </a:solidFill>
+                <a:latin typeface="Calibri"/>
+                <a:ea typeface="Calibri"/>
+                <a:cs typeface="Calibri"/>
+                <a:sym typeface="Calibri"/>
+              </a:rPr>
+              <a:t>Deep Learning - Optimization</a:t>
+            </a:r>
+            <a:endParaRPr b="0" sz="2500" cap="none">
+              <a:solidFill>
+                <a:schemeClr val="dk1"/>
+              </a:solidFill>
+              <a:latin typeface="Calibri"/>
+              <a:ea typeface="Calibri"/>
+              <a:cs typeface="Calibri"/>
+              <a:sym typeface="Calibri"/>
+            </a:endParaRPr>
+          </a:p>
+        </p:txBody>
+      </p:sp>
+      <p:pic>
+        <p:nvPicPr>
+          <p:cNvPr id="277" name="Google Shape;277;p32"/>
+          <p:cNvPicPr preferRelativeResize="0"/>
+          <p:nvPr/>
+        </p:nvPicPr>
+        <p:blipFill rotWithShape="1">
+          <a:blip r:embed="rId3">
+            <a:alphaModFix/>
+          </a:blip>
+          <a:srcRect b="0" l="0" r="0" t="0"/>
+          <a:stretch/>
+        </p:blipFill>
+        <p:spPr>
+          <a:xfrm>
+            <a:off x="507006" y="1308100"/>
+            <a:ext cx="4780156" cy="5253439"/>
+          </a:xfrm>
+          <a:prstGeom prst="rect">
+            <a:avLst/>
+          </a:prstGeom>
+          <a:noFill/>
+          <a:ln>
+            <a:noFill/>
+          </a:ln>
+        </p:spPr>
+      </p:pic>
+      <p:pic>
+        <p:nvPicPr>
+          <p:cNvPr id="278" name="Google Shape;278;p32"/>
+          <p:cNvPicPr preferRelativeResize="0"/>
+          <p:nvPr/>
+        </p:nvPicPr>
+        <p:blipFill rotWithShape="1">
+          <a:blip r:embed="rId4">
+            <a:alphaModFix/>
+          </a:blip>
+          <a:srcRect b="0" l="0" r="0" t="0"/>
+          <a:stretch/>
+        </p:blipFill>
+        <p:spPr>
+          <a:xfrm>
+            <a:off x="6710363" y="2822575"/>
+            <a:ext cx="5040000" cy="3504516"/>
+          </a:xfrm>
+          <a:prstGeom prst="rect">
+            <a:avLst/>
+          </a:prstGeom>
+          <a:noFill/>
+          <a:ln>
+            <a:noFill/>
+          </a:ln>
+        </p:spPr>
+      </p:pic>
+      <p:sp>
+        <p:nvSpPr>
+          <p:cNvPr id="279" name="Google Shape;279;p32"/>
+          <p:cNvSpPr/>
+          <p:nvPr/>
+        </p:nvSpPr>
+        <p:spPr>
+          <a:xfrm>
+            <a:off x="7784326" y="794131"/>
+            <a:ext cx="2726387" cy="477054"/>
+          </a:xfrm>
+          <a:prstGeom prst="rect">
+            <a:avLst/>
+          </a:prstGeom>
+          <a:noFill/>
+          <a:ln>
+            <a:noFill/>
+          </a:ln>
+        </p:spPr>
+        <p:txBody>
+          <a:bodyPr anchorCtr="0" anchor="t" bIns="45700" lIns="91425" spcFirstLastPara="1" rIns="91425" wrap="square" tIns="45700">
+            <a:noAutofit/>
+          </a:bodyPr>
+          <a:lstStyle/>
+          <a:p>
+            <a:pPr indent="0" lvl="0" marL="0" marR="0" rtl="0" algn="ctr">
+              <a:spcBef>
+                <a:spcPts val="0"/>
+              </a:spcBef>
+              <a:spcAft>
+                <a:spcPts val="0"/>
+              </a:spcAft>
+              <a:buNone/>
+            </a:pPr>
+            <a:r>
+              <a:rPr b="1" lang="es-ES" sz="2500">
+                <a:solidFill>
+                  <a:schemeClr val="dk1"/>
+                </a:solidFill>
+                <a:latin typeface="Calibri"/>
+                <a:ea typeface="Calibri"/>
+                <a:cs typeface="Calibri"/>
+                <a:sym typeface="Calibri"/>
+              </a:rPr>
+              <a:t>RMSprop lr = 0.001</a:t>
+            </a:r>
+            <a:endParaRPr b="1" sz="2500" cap="none">
+              <a:solidFill>
+                <a:schemeClr val="dk1"/>
+              </a:solidFill>
+              <a:latin typeface="Calibri"/>
+              <a:ea typeface="Calibri"/>
+              <a:cs typeface="Calibri"/>
+              <a:sym typeface="Calibri"/>
+            </a:endParaRPr>
+          </a:p>
+        </p:txBody>
+      </p:sp>
+      <p:cxnSp>
+        <p:nvCxnSpPr>
+          <p:cNvPr id="280" name="Google Shape;280;p32"/>
+          <p:cNvCxnSpPr/>
+          <p:nvPr/>
+        </p:nvCxnSpPr>
+        <p:spPr>
+          <a:xfrm rot="10800000">
+            <a:off x="10510713" y="5786438"/>
+            <a:ext cx="1233612" cy="571501"/>
+          </a:xfrm>
+          <a:prstGeom prst="straightConnector1">
+            <a:avLst/>
+          </a:prstGeom>
+          <a:noFill/>
+          <a:ln cap="flat" cmpd="sng" w="57150">
+            <a:solidFill>
+              <a:srgbClr val="FF0000"/>
+            </a:solidFill>
+            <a:prstDash val="solid"/>
+            <a:miter lim="800000"/>
+            <a:headEnd len="sm" w="sm" type="none"/>
+            <a:tailEnd len="med" w="med" type="triangle"/>
+          </a:ln>
+        </p:spPr>
+      </p:cxnSp>
+      <p:sp>
+        <p:nvSpPr>
+          <p:cNvPr id="281" name="Google Shape;281;p32"/>
+          <p:cNvSpPr/>
+          <p:nvPr/>
+        </p:nvSpPr>
+        <p:spPr>
+          <a:xfrm>
+            <a:off x="6886575" y="5057775"/>
+            <a:ext cx="1949714" cy="1503764"/>
+          </a:xfrm>
+          <a:prstGeom prst="donut">
+            <a:avLst>
+              <a:gd fmla="val 797" name="adj"/>
+            </a:avLst>
+          </a:prstGeom>
+          <a:solidFill>
+            <a:schemeClr val="accent1"/>
+          </a:solidFill>
+          <a:ln cap="flat" cmpd="sng" w="12700">
+            <a:solidFill>
+              <a:srgbClr val="FF0000"/>
+            </a:solidFill>
+            <a:prstDash val="solid"/>
+            <a:miter lim="800000"/>
+            <a:headEnd len="sm" w="sm" type="none"/>
+            <a:tailEnd len="sm" w="sm" type="none"/>
+          </a:ln>
+        </p:spPr>
+        <p:txBody>
+          <a:bodyPr anchorCtr="0" anchor="ctr" bIns="45700" lIns="91425" spcFirstLastPara="1" rIns="91425" wrap="square" tIns="45700">
+            <a:noAutofit/>
+          </a:bodyPr>
+          <a:lstStyle/>
+          <a:p>
+            <a:pPr indent="0" lvl="0" marL="0" marR="0" rtl="0" algn="ctr">
+              <a:spcBef>
+                <a:spcPts val="0"/>
+              </a:spcBef>
+              <a:spcAft>
+                <a:spcPts val="0"/>
+              </a:spcAft>
+              <a:buNone/>
+            </a:pPr>
+            <a:r>
+              <a:t/>
+            </a:r>
+            <a:endParaRPr sz="1800">
+              <a:solidFill>
+                <a:schemeClr val="dk1"/>
+              </a:solidFill>
+              <a:latin typeface="Calibri"/>
+              <a:ea typeface="Calibri"/>
+              <a:cs typeface="Calibri"/>
+              <a:sym typeface="Calibri"/>
+            </a:endParaRPr>
+          </a:p>
+        </p:txBody>
+      </p:sp>
+    </p:spTree>
+  </p:cSld>
+  <p:clrMapOvr>
+    <a:masterClrMapping/>
+  </p:clrMapOvr>
+</p:sld>
+</file>
+
+<file path=ppt/slides/slide21.xml><?xml version="1.0" encoding="utf-8"?>
+<p:sld xmlns:a="http://schemas.openxmlformats.org/drawingml/2006/main" xmlns:r="http://schemas.openxmlformats.org/officeDocument/2006/relationships" xmlns:mc="http://schemas.openxmlformats.org/markup-compatibility/2006" xmlns:mv="urn:schemas-microsoft-com:mac:vml" xmlns:p="http://schemas.openxmlformats.org/presentationml/2006/main" xmlns:c="http://schemas.openxmlformats.org/drawingml/2006/chart" xmlns:dgm="http://schemas.openxmlformats.org/drawingml/2006/diagram" xmlns:o="urn:schemas-microsoft-com:office:office" xmlns:v="urn:schemas-microsoft-com:vml" xmlns:pvml="urn:schemas-microsoft-com:office:powerpoint" xmlns:com="http://schemas.openxmlformats.org/drawingml/2006/compatibility" xmlns:p14="http://schemas.microsoft.com/office/powerpoint/2010/main" xmlns:p15="http://schemas.microsoft.com/office/powerpoint/2012/main">
+  <p:cSld>
+    <p:spTree>
+      <p:nvGrpSpPr>
+        <p:cNvPr id="285" name="Shape 285"/>
+        <p:cNvGrpSpPr/>
+        <p:nvPr/>
+      </p:nvGrpSpPr>
+      <p:grpSpPr>
+        <a:xfrm>
+          <a:off x="0" y="0"/>
+          <a:ext cx="0" cy="0"/>
+          <a:chOff x="0" y="0"/>
+          <a:chExt cx="0" cy="0"/>
+        </a:xfrm>
+      </p:grpSpPr>
+      <p:sp>
+        <p:nvSpPr>
+          <p:cNvPr id="286" name="Google Shape;286;p33"/>
+          <p:cNvSpPr/>
+          <p:nvPr/>
+        </p:nvSpPr>
+        <p:spPr>
+          <a:xfrm>
+            <a:off x="0" y="0"/>
+            <a:ext cx="3987300" cy="477000"/>
+          </a:xfrm>
+          <a:prstGeom prst="rect">
+            <a:avLst/>
+          </a:prstGeom>
+          <a:noFill/>
+          <a:ln>
+            <a:noFill/>
+          </a:ln>
+        </p:spPr>
+        <p:txBody>
+          <a:bodyPr anchorCtr="0" anchor="t" bIns="45700" lIns="91425" spcFirstLastPara="1" rIns="91425" wrap="square" tIns="45700">
+            <a:noAutofit/>
+          </a:bodyPr>
+          <a:lstStyle/>
+          <a:p>
+            <a:pPr indent="0" lvl="0" marL="0" marR="0" rtl="0" algn="ctr">
+              <a:spcBef>
+                <a:spcPts val="0"/>
+              </a:spcBef>
+              <a:spcAft>
+                <a:spcPts val="0"/>
+              </a:spcAft>
+              <a:buNone/>
+            </a:pPr>
+            <a:r>
+              <a:rPr lang="es-ES" sz="2500">
+                <a:solidFill>
+                  <a:schemeClr val="dk1"/>
+                </a:solidFill>
+                <a:latin typeface="Calibri"/>
+                <a:ea typeface="Calibri"/>
+                <a:cs typeface="Calibri"/>
+                <a:sym typeface="Calibri"/>
+              </a:rPr>
+              <a:t>Deep Learning - Optimization</a:t>
+            </a:r>
+            <a:endParaRPr b="0" sz="2500" cap="none">
+              <a:solidFill>
+                <a:schemeClr val="dk1"/>
+              </a:solidFill>
+              <a:latin typeface="Calibri"/>
+              <a:ea typeface="Calibri"/>
+              <a:cs typeface="Calibri"/>
+              <a:sym typeface="Calibri"/>
+            </a:endParaRPr>
+          </a:p>
+        </p:txBody>
+      </p:sp>
+      <p:sp>
+        <p:nvSpPr>
+          <p:cNvPr id="287" name="Google Shape;287;p33"/>
+          <p:cNvSpPr/>
+          <p:nvPr/>
+        </p:nvSpPr>
+        <p:spPr>
+          <a:xfrm>
+            <a:off x="309697" y="677325"/>
+            <a:ext cx="2861400" cy="923400"/>
+          </a:xfrm>
+          <a:prstGeom prst="rect">
+            <a:avLst/>
+          </a:prstGeom>
+          <a:noFill/>
+          <a:ln>
+            <a:noFill/>
+          </a:ln>
+        </p:spPr>
+        <p:txBody>
+          <a:bodyPr anchorCtr="0" anchor="t" bIns="45700" lIns="91425" spcFirstLastPara="1" rIns="91425" wrap="square" tIns="45700">
+            <a:noAutofit/>
+          </a:bodyPr>
+          <a:lstStyle/>
+          <a:p>
+            <a:pPr indent="0" lvl="0" marL="0" marR="0" rtl="0" algn="ctr">
+              <a:spcBef>
+                <a:spcPts val="0"/>
+              </a:spcBef>
+              <a:spcAft>
+                <a:spcPts val="0"/>
+              </a:spcAft>
+              <a:buNone/>
+            </a:pPr>
+            <a:r>
+              <a:rPr b="1" lang="es-ES" sz="5400" cap="none">
+                <a:solidFill>
+                  <a:schemeClr val="accent5"/>
+                </a:solidFill>
+                <a:latin typeface="Calibri"/>
+                <a:ea typeface="Calibri"/>
+                <a:cs typeface="Calibri"/>
+                <a:sym typeface="Calibri"/>
+              </a:rPr>
+              <a:t>RMSprop</a:t>
+            </a:r>
+            <a:endParaRPr b="1" sz="5400" cap="none">
+              <a:solidFill>
+                <a:schemeClr val="accent5"/>
+              </a:solidFill>
+              <a:latin typeface="Calibri"/>
+              <a:ea typeface="Calibri"/>
+              <a:cs typeface="Calibri"/>
+              <a:sym typeface="Calibri"/>
+            </a:endParaRPr>
+          </a:p>
+        </p:txBody>
+      </p:sp>
+      <p:pic>
+        <p:nvPicPr>
+          <p:cNvPr id="288" name="Google Shape;288;p33"/>
+          <p:cNvPicPr preferRelativeResize="0"/>
+          <p:nvPr/>
+        </p:nvPicPr>
+        <p:blipFill>
+          <a:blip r:embed="rId3">
+            <a:alphaModFix/>
+          </a:blip>
+          <a:stretch>
+            <a:fillRect/>
+          </a:stretch>
+        </p:blipFill>
+        <p:spPr>
+          <a:xfrm>
+            <a:off x="4984200" y="580875"/>
+            <a:ext cx="5332026" cy="3447925"/>
+          </a:xfrm>
+          <a:prstGeom prst="rect">
+            <a:avLst/>
+          </a:prstGeom>
+          <a:noFill/>
+          <a:ln>
+            <a:noFill/>
+          </a:ln>
+        </p:spPr>
+      </p:pic>
+      <p:pic>
+        <p:nvPicPr>
+          <p:cNvPr id="289" name="Google Shape;289;p33"/>
+          <p:cNvPicPr preferRelativeResize="0"/>
+          <p:nvPr/>
+        </p:nvPicPr>
+        <p:blipFill>
+          <a:blip r:embed="rId4">
+            <a:alphaModFix/>
+          </a:blip>
+          <a:stretch>
+            <a:fillRect/>
+          </a:stretch>
+        </p:blipFill>
+        <p:spPr>
+          <a:xfrm>
+            <a:off x="828026" y="4301950"/>
+            <a:ext cx="10337325" cy="2000775"/>
+          </a:xfrm>
+          <a:prstGeom prst="rect">
+            <a:avLst/>
+          </a:prstGeom>
+          <a:noFill/>
+          <a:ln>
+            <a:noFill/>
+          </a:ln>
+        </p:spPr>
+      </p:pic>
+      <p:sp>
+        <p:nvSpPr>
+          <p:cNvPr id="290" name="Google Shape;290;p33"/>
+          <p:cNvSpPr txBox="1"/>
+          <p:nvPr/>
+        </p:nvSpPr>
+        <p:spPr>
+          <a:xfrm>
+            <a:off x="1324850" y="1889850"/>
+            <a:ext cx="3000000" cy="1928700"/>
+          </a:xfrm>
+          <a:prstGeom prst="rect">
+            <a:avLst/>
+          </a:prstGeom>
+          <a:noFill/>
+          <a:ln>
+            <a:noFill/>
+          </a:ln>
+        </p:spPr>
+        <p:txBody>
+          <a:bodyPr anchorCtr="0" anchor="t" bIns="91425" lIns="91425" spcFirstLastPara="1" rIns="91425" wrap="square" tIns="91425">
+            <a:noAutofit/>
+          </a:bodyPr>
+          <a:lstStyle/>
+          <a:p>
+            <a:pPr indent="0" lvl="0" marL="0" rtl="0" algn="l">
+              <a:spcBef>
+                <a:spcPts val="0"/>
+              </a:spcBef>
+              <a:spcAft>
+                <a:spcPts val="0"/>
+              </a:spcAft>
+              <a:buNone/>
+            </a:pPr>
+            <a:r>
+              <a:rPr lang="es-ES" sz="1050">
+                <a:solidFill>
+                  <a:srgbClr val="212121"/>
+                </a:solidFill>
+                <a:highlight>
+                  <a:srgbClr val="FFFFFF"/>
+                </a:highlight>
+                <a:latin typeface="Courier New"/>
+                <a:ea typeface="Courier New"/>
+                <a:cs typeface="Courier New"/>
+                <a:sym typeface="Courier New"/>
+              </a:rPr>
+              <a:t>RMSprop (</a:t>
+            </a:r>
+            <a:br>
+              <a:rPr lang="es-ES" sz="1050">
+                <a:solidFill>
+                  <a:srgbClr val="212121"/>
+                </a:solidFill>
+                <a:highlight>
+                  <a:srgbClr val="FFFFFF"/>
+                </a:highlight>
+                <a:latin typeface="Courier New"/>
+                <a:ea typeface="Courier New"/>
+                <a:cs typeface="Courier New"/>
+                <a:sym typeface="Courier New"/>
+              </a:rPr>
+            </a:br>
+            <a:r>
+              <a:rPr lang="es-ES" sz="1050">
+                <a:solidFill>
+                  <a:srgbClr val="212121"/>
+                </a:solidFill>
+                <a:highlight>
+                  <a:srgbClr val="FFFFFF"/>
+                </a:highlight>
+                <a:latin typeface="Courier New"/>
+                <a:ea typeface="Courier New"/>
+                <a:cs typeface="Courier New"/>
+                <a:sym typeface="Courier New"/>
+              </a:rPr>
+              <a:t>Parameter Group 0</a:t>
+            </a:r>
+            <a:br>
+              <a:rPr lang="es-ES" sz="1050">
+                <a:solidFill>
+                  <a:srgbClr val="212121"/>
+                </a:solidFill>
+                <a:highlight>
+                  <a:srgbClr val="FFFFFF"/>
+                </a:highlight>
+                <a:latin typeface="Courier New"/>
+                <a:ea typeface="Courier New"/>
+                <a:cs typeface="Courier New"/>
+                <a:sym typeface="Courier New"/>
+              </a:rPr>
+            </a:br>
+            <a:r>
+              <a:rPr lang="es-ES" sz="1050">
+                <a:solidFill>
+                  <a:srgbClr val="212121"/>
+                </a:solidFill>
+                <a:highlight>
+                  <a:srgbClr val="FFFFFF"/>
+                </a:highlight>
+                <a:latin typeface="Courier New"/>
+                <a:ea typeface="Courier New"/>
+                <a:cs typeface="Courier New"/>
+                <a:sym typeface="Courier New"/>
+              </a:rPr>
+              <a:t>    alpha: 0.99</a:t>
+            </a:r>
+            <a:br>
+              <a:rPr lang="es-ES" sz="1050">
+                <a:solidFill>
+                  <a:srgbClr val="212121"/>
+                </a:solidFill>
+                <a:highlight>
+                  <a:srgbClr val="FFFFFF"/>
+                </a:highlight>
+                <a:latin typeface="Courier New"/>
+                <a:ea typeface="Courier New"/>
+                <a:cs typeface="Courier New"/>
+                <a:sym typeface="Courier New"/>
+              </a:rPr>
+            </a:br>
+            <a:r>
+              <a:rPr lang="es-ES" sz="1050">
+                <a:solidFill>
+                  <a:srgbClr val="212121"/>
+                </a:solidFill>
+                <a:highlight>
+                  <a:srgbClr val="FFFFFF"/>
+                </a:highlight>
+                <a:latin typeface="Courier New"/>
+                <a:ea typeface="Courier New"/>
+                <a:cs typeface="Courier New"/>
+                <a:sym typeface="Courier New"/>
+              </a:rPr>
+              <a:t>    centered: False</a:t>
+            </a:r>
+            <a:br>
+              <a:rPr lang="es-ES" sz="1050">
+                <a:solidFill>
+                  <a:srgbClr val="212121"/>
+                </a:solidFill>
+                <a:highlight>
+                  <a:srgbClr val="FFFFFF"/>
+                </a:highlight>
+                <a:latin typeface="Courier New"/>
+                <a:ea typeface="Courier New"/>
+                <a:cs typeface="Courier New"/>
+                <a:sym typeface="Courier New"/>
+              </a:rPr>
+            </a:br>
+            <a:r>
+              <a:rPr lang="es-ES" sz="1050">
+                <a:solidFill>
+                  <a:srgbClr val="212121"/>
+                </a:solidFill>
+                <a:highlight>
+                  <a:srgbClr val="FFFFFF"/>
+                </a:highlight>
+                <a:latin typeface="Courier New"/>
+                <a:ea typeface="Courier New"/>
+                <a:cs typeface="Courier New"/>
+                <a:sym typeface="Courier New"/>
+              </a:rPr>
+              <a:t>    eps: 1e-08</a:t>
+            </a:r>
+            <a:br>
+              <a:rPr lang="es-ES" sz="1050">
+                <a:solidFill>
+                  <a:srgbClr val="212121"/>
+                </a:solidFill>
+                <a:highlight>
+                  <a:srgbClr val="FFFFFF"/>
+                </a:highlight>
+                <a:latin typeface="Courier New"/>
+                <a:ea typeface="Courier New"/>
+                <a:cs typeface="Courier New"/>
+                <a:sym typeface="Courier New"/>
+              </a:rPr>
+            </a:br>
+            <a:r>
+              <a:rPr lang="es-ES" sz="1050">
+                <a:solidFill>
+                  <a:srgbClr val="212121"/>
+                </a:solidFill>
+                <a:highlight>
+                  <a:srgbClr val="FFFFFF"/>
+                </a:highlight>
+                <a:latin typeface="Courier New"/>
+                <a:ea typeface="Courier New"/>
+                <a:cs typeface="Courier New"/>
+                <a:sym typeface="Courier New"/>
+              </a:rPr>
+              <a:t>    </a:t>
+            </a:r>
+            <a:r>
+              <a:rPr lang="es-ES" sz="1050">
+                <a:solidFill>
+                  <a:srgbClr val="212121"/>
+                </a:solidFill>
+                <a:highlight>
+                  <a:srgbClr val="6D9EEB"/>
+                </a:highlight>
+                <a:latin typeface="Courier New"/>
+                <a:ea typeface="Courier New"/>
+                <a:cs typeface="Courier New"/>
+                <a:sym typeface="Courier New"/>
+              </a:rPr>
+              <a:t>lr: 0.01</a:t>
+            </a:r>
+            <a:br>
+              <a:rPr lang="es-ES" sz="1050">
+                <a:solidFill>
+                  <a:srgbClr val="212121"/>
+                </a:solidFill>
+                <a:highlight>
+                  <a:srgbClr val="FFFFFF"/>
+                </a:highlight>
+                <a:latin typeface="Courier New"/>
+                <a:ea typeface="Courier New"/>
+                <a:cs typeface="Courier New"/>
+                <a:sym typeface="Courier New"/>
+              </a:rPr>
+            </a:br>
+            <a:r>
+              <a:rPr lang="es-ES" sz="1050">
+                <a:solidFill>
+                  <a:srgbClr val="212121"/>
+                </a:solidFill>
+                <a:highlight>
+                  <a:srgbClr val="FFFFFF"/>
+                </a:highlight>
+                <a:latin typeface="Courier New"/>
+                <a:ea typeface="Courier New"/>
+                <a:cs typeface="Courier New"/>
+                <a:sym typeface="Courier New"/>
+              </a:rPr>
+              <a:t>    momentum: 0</a:t>
+            </a:r>
+            <a:br>
+              <a:rPr lang="es-ES" sz="1050">
+                <a:solidFill>
+                  <a:srgbClr val="212121"/>
+                </a:solidFill>
+                <a:highlight>
+                  <a:srgbClr val="FFFFFF"/>
+                </a:highlight>
+                <a:latin typeface="Courier New"/>
+                <a:ea typeface="Courier New"/>
+                <a:cs typeface="Courier New"/>
+                <a:sym typeface="Courier New"/>
+              </a:rPr>
+            </a:br>
+            <a:r>
+              <a:rPr lang="es-ES" sz="1050">
+                <a:solidFill>
+                  <a:srgbClr val="212121"/>
+                </a:solidFill>
+                <a:highlight>
+                  <a:srgbClr val="FFFFFF"/>
+                </a:highlight>
+                <a:latin typeface="Courier New"/>
+                <a:ea typeface="Courier New"/>
+                <a:cs typeface="Courier New"/>
+                <a:sym typeface="Courier New"/>
+              </a:rPr>
+              <a:t>    weight_decay: 0</a:t>
+            </a:r>
+            <a:br>
+              <a:rPr lang="es-ES" sz="1050">
+                <a:solidFill>
+                  <a:srgbClr val="212121"/>
+                </a:solidFill>
+                <a:highlight>
+                  <a:srgbClr val="FFFFFF"/>
+                </a:highlight>
+                <a:latin typeface="Courier New"/>
+                <a:ea typeface="Courier New"/>
+                <a:cs typeface="Courier New"/>
+                <a:sym typeface="Courier New"/>
+              </a:rPr>
+            </a:br>
+            <a:r>
+              <a:rPr lang="es-ES" sz="1050">
+                <a:solidFill>
+                  <a:srgbClr val="212121"/>
+                </a:solidFill>
+                <a:highlight>
+                  <a:srgbClr val="FFFFFF"/>
+                </a:highlight>
+                <a:latin typeface="Courier New"/>
+                <a:ea typeface="Courier New"/>
+                <a:cs typeface="Courier New"/>
+                <a:sym typeface="Courier New"/>
+              </a:rPr>
+              <a:t>)</a:t>
+            </a:r>
+            <a:endParaRPr/>
+          </a:p>
+        </p:txBody>
+      </p:sp>
+    </p:spTree>
+  </p:cSld>
+  <p:clrMapOvr>
+    <a:masterClrMapping/>
+  </p:clrMapOvr>
+</p:sld>
+</file>
+
+<file path=ppt/slides/slide22.xml><?xml version="1.0" encoding="utf-8"?>
+<p:sld xmlns:a="http://schemas.openxmlformats.org/drawingml/2006/main" xmlns:r="http://schemas.openxmlformats.org/officeDocument/2006/relationships" xmlns:mc="http://schemas.openxmlformats.org/markup-compatibility/2006" xmlns:mv="urn:schemas-microsoft-com:mac:vml" xmlns:p="http://schemas.openxmlformats.org/presentationml/2006/main" xmlns:c="http://schemas.openxmlformats.org/drawingml/2006/chart" xmlns:dgm="http://schemas.openxmlformats.org/drawingml/2006/diagram" xmlns:o="urn:schemas-microsoft-com:office:office" xmlns:v="urn:schemas-microsoft-com:vml" xmlns:pvml="urn:schemas-microsoft-com:office:powerpoint" xmlns:com="http://schemas.openxmlformats.org/drawingml/2006/compatibility" xmlns:p14="http://schemas.microsoft.com/office/powerpoint/2010/main" xmlns:p15="http://schemas.microsoft.com/office/powerpoint/2012/main">
+  <p:cSld>
+    <p:spTree>
+      <p:nvGrpSpPr>
+        <p:cNvPr id="294" name="Shape 294"/>
+        <p:cNvGrpSpPr/>
+        <p:nvPr/>
+      </p:nvGrpSpPr>
+      <p:grpSpPr>
+        <a:xfrm>
+          <a:off x="0" y="0"/>
+          <a:ext cx="0" cy="0"/>
+          <a:chOff x="0" y="0"/>
+          <a:chExt cx="0" cy="0"/>
+        </a:xfrm>
+      </p:grpSpPr>
+      <p:sp>
+        <p:nvSpPr>
+          <p:cNvPr id="295" name="Google Shape;295;p34"/>
+          <p:cNvSpPr/>
+          <p:nvPr/>
+        </p:nvSpPr>
+        <p:spPr>
+          <a:xfrm>
+            <a:off x="0" y="0"/>
+            <a:ext cx="3987310" cy="477054"/>
+          </a:xfrm>
+          <a:prstGeom prst="rect">
+            <a:avLst/>
+          </a:prstGeom>
+          <a:noFill/>
+          <a:ln>
+            <a:noFill/>
+          </a:ln>
+        </p:spPr>
+        <p:txBody>
+          <a:bodyPr anchorCtr="0" anchor="t" bIns="45700" lIns="91425" spcFirstLastPara="1" rIns="91425" wrap="square" tIns="45700">
+            <a:noAutofit/>
+          </a:bodyPr>
+          <a:lstStyle/>
+          <a:p>
+            <a:pPr indent="0" lvl="0" marL="0" marR="0" rtl="0" algn="ctr">
+              <a:spcBef>
+                <a:spcPts val="0"/>
+              </a:spcBef>
+              <a:spcAft>
+                <a:spcPts val="0"/>
+              </a:spcAft>
+              <a:buNone/>
+            </a:pPr>
+            <a:r>
+              <a:rPr lang="es-ES" sz="2500">
+                <a:solidFill>
+                  <a:schemeClr val="dk1"/>
+                </a:solidFill>
+                <a:latin typeface="Calibri"/>
+                <a:ea typeface="Calibri"/>
+                <a:cs typeface="Calibri"/>
+                <a:sym typeface="Calibri"/>
+              </a:rPr>
+              <a:t>Deep Learning - Optimization</a:t>
+            </a:r>
+            <a:endParaRPr b="0" sz="2500" cap="none">
+              <a:solidFill>
+                <a:schemeClr val="dk1"/>
+              </a:solidFill>
+              <a:latin typeface="Calibri"/>
+              <a:ea typeface="Calibri"/>
+              <a:cs typeface="Calibri"/>
+              <a:sym typeface="Calibri"/>
+            </a:endParaRPr>
+          </a:p>
+        </p:txBody>
+      </p:sp>
+      <p:pic>
+        <p:nvPicPr>
+          <p:cNvPr id="296" name="Google Shape;296;p34"/>
+          <p:cNvPicPr preferRelativeResize="0"/>
+          <p:nvPr/>
+        </p:nvPicPr>
+        <p:blipFill rotWithShape="1">
+          <a:blip r:embed="rId3">
+            <a:alphaModFix/>
+          </a:blip>
+          <a:srcRect b="0" l="0" r="0" t="0"/>
+          <a:stretch/>
+        </p:blipFill>
+        <p:spPr>
+          <a:xfrm>
+            <a:off x="588962" y="957263"/>
+            <a:ext cx="4784908" cy="5040000"/>
+          </a:xfrm>
+          <a:prstGeom prst="rect">
+            <a:avLst/>
+          </a:prstGeom>
+          <a:noFill/>
+          <a:ln>
+            <a:noFill/>
+          </a:ln>
+        </p:spPr>
+      </p:pic>
+      <p:pic>
+        <p:nvPicPr>
+          <p:cNvPr id="297" name="Google Shape;297;p34"/>
+          <p:cNvPicPr preferRelativeResize="0"/>
+          <p:nvPr/>
+        </p:nvPicPr>
+        <p:blipFill rotWithShape="1">
+          <a:blip r:embed="rId4">
+            <a:alphaModFix/>
+          </a:blip>
+          <a:srcRect b="0" l="0" r="0" t="0"/>
+          <a:stretch/>
+        </p:blipFill>
+        <p:spPr>
+          <a:xfrm>
+            <a:off x="6238875" y="2930217"/>
+            <a:ext cx="5040000" cy="3067046"/>
+          </a:xfrm>
+          <a:prstGeom prst="rect">
+            <a:avLst/>
+          </a:prstGeom>
+          <a:noFill/>
+          <a:ln>
+            <a:noFill/>
+          </a:ln>
+        </p:spPr>
+      </p:pic>
+      <p:sp>
+        <p:nvSpPr>
+          <p:cNvPr id="298" name="Google Shape;298;p34"/>
+          <p:cNvSpPr/>
+          <p:nvPr/>
+        </p:nvSpPr>
+        <p:spPr>
+          <a:xfrm>
+            <a:off x="7584194" y="1365630"/>
+            <a:ext cx="2349362" cy="477054"/>
+          </a:xfrm>
+          <a:prstGeom prst="rect">
+            <a:avLst/>
+          </a:prstGeom>
+          <a:noFill/>
+          <a:ln>
+            <a:noFill/>
+          </a:ln>
+        </p:spPr>
+        <p:txBody>
+          <a:bodyPr anchorCtr="0" anchor="t" bIns="45700" lIns="91425" spcFirstLastPara="1" rIns="91425" wrap="square" tIns="45700">
+            <a:noAutofit/>
+          </a:bodyPr>
+          <a:lstStyle/>
+          <a:p>
+            <a:pPr indent="0" lvl="0" marL="0" marR="0" rtl="0" algn="ctr">
+              <a:spcBef>
+                <a:spcPts val="0"/>
+              </a:spcBef>
+              <a:spcAft>
+                <a:spcPts val="0"/>
+              </a:spcAft>
+              <a:buNone/>
+            </a:pPr>
+            <a:r>
+              <a:rPr b="1" lang="es-ES" sz="2500">
+                <a:solidFill>
+                  <a:schemeClr val="dk1"/>
+                </a:solidFill>
+                <a:latin typeface="Calibri"/>
+                <a:ea typeface="Calibri"/>
+                <a:cs typeface="Calibri"/>
+                <a:sym typeface="Calibri"/>
+              </a:rPr>
+              <a:t>ADAM lr = 0.001</a:t>
+            </a:r>
+            <a:endParaRPr b="1" sz="2500" cap="none">
+              <a:solidFill>
+                <a:schemeClr val="dk1"/>
+              </a:solidFill>
+              <a:latin typeface="Calibri"/>
+              <a:ea typeface="Calibri"/>
+              <a:cs typeface="Calibri"/>
+              <a:sym typeface="Calibri"/>
+            </a:endParaRPr>
+          </a:p>
+        </p:txBody>
+      </p:sp>
+      <p:cxnSp>
+        <p:nvCxnSpPr>
+          <p:cNvPr id="299" name="Google Shape;299;p34"/>
+          <p:cNvCxnSpPr/>
+          <p:nvPr/>
+        </p:nvCxnSpPr>
+        <p:spPr>
+          <a:xfrm rot="10800000">
+            <a:off x="10529888" y="5572125"/>
+            <a:ext cx="1214437" cy="785814"/>
+          </a:xfrm>
+          <a:prstGeom prst="straightConnector1">
+            <a:avLst/>
+          </a:prstGeom>
+          <a:noFill/>
+          <a:ln cap="flat" cmpd="sng" w="57150">
+            <a:solidFill>
+              <a:srgbClr val="FF0000"/>
+            </a:solidFill>
+            <a:prstDash val="solid"/>
+            <a:miter lim="800000"/>
+            <a:headEnd len="sm" w="sm" type="none"/>
+            <a:tailEnd len="med" w="med" type="triangle"/>
+          </a:ln>
+        </p:spPr>
+      </p:cxnSp>
+      <p:sp>
+        <p:nvSpPr>
+          <p:cNvPr id="300" name="Google Shape;300;p34"/>
+          <p:cNvSpPr/>
+          <p:nvPr/>
+        </p:nvSpPr>
+        <p:spPr>
+          <a:xfrm>
+            <a:off x="5921638" y="3906505"/>
+            <a:ext cx="2571750" cy="2451434"/>
+          </a:xfrm>
+          <a:prstGeom prst="donut">
+            <a:avLst>
+              <a:gd fmla="val 797" name="adj"/>
+            </a:avLst>
+          </a:prstGeom>
+          <a:solidFill>
+            <a:schemeClr val="accent1"/>
+          </a:solidFill>
+          <a:ln cap="flat" cmpd="sng" w="12700">
+            <a:solidFill>
+              <a:srgbClr val="FF0000"/>
+            </a:solidFill>
+            <a:prstDash val="solid"/>
+            <a:miter lim="800000"/>
+            <a:headEnd len="sm" w="sm" type="none"/>
+            <a:tailEnd len="sm" w="sm" type="none"/>
+          </a:ln>
+        </p:spPr>
+        <p:txBody>
+          <a:bodyPr anchorCtr="0" anchor="ctr" bIns="45700" lIns="91425" spcFirstLastPara="1" rIns="91425" wrap="square" tIns="45700">
+            <a:noAutofit/>
+          </a:bodyPr>
+          <a:lstStyle/>
+          <a:p>
+            <a:pPr indent="0" lvl="0" marL="0" marR="0" rtl="0" algn="ctr">
+              <a:spcBef>
+                <a:spcPts val="0"/>
+              </a:spcBef>
+              <a:spcAft>
+                <a:spcPts val="0"/>
+              </a:spcAft>
+              <a:buNone/>
+            </a:pPr>
+            <a:r>
+              <a:t/>
+            </a:r>
+            <a:endParaRPr sz="1800">
+              <a:solidFill>
+                <a:schemeClr val="dk1"/>
+              </a:solidFill>
+              <a:latin typeface="Calibri"/>
+              <a:ea typeface="Calibri"/>
+              <a:cs typeface="Calibri"/>
+              <a:sym typeface="Calibri"/>
+            </a:endParaRPr>
+          </a:p>
+        </p:txBody>
+      </p:sp>
+    </p:spTree>
+  </p:cSld>
+  <p:clrMapOvr>
+    <a:masterClrMapping/>
+  </p:clrMapOvr>
+</p:sld>
+</file>
+
+<file path=ppt/slides/slide23.xml><?xml version="1.0" encoding="utf-8"?>
+<p:sld xmlns:a="http://schemas.openxmlformats.org/drawingml/2006/main" xmlns:r="http://schemas.openxmlformats.org/officeDocument/2006/relationships" xmlns:mc="http://schemas.openxmlformats.org/markup-compatibility/2006" xmlns:mv="urn:schemas-microsoft-com:mac:vml" xmlns:p="http://schemas.openxmlformats.org/presentationml/2006/main" xmlns:c="http://schemas.openxmlformats.org/drawingml/2006/chart" xmlns:dgm="http://schemas.openxmlformats.org/drawingml/2006/diagram" xmlns:o="urn:schemas-microsoft-com:office:office" xmlns:v="urn:schemas-microsoft-com:vml" xmlns:pvml="urn:schemas-microsoft-com:office:powerpoint" xmlns:com="http://schemas.openxmlformats.org/drawingml/2006/compatibility" xmlns:p14="http://schemas.microsoft.com/office/powerpoint/2010/main" xmlns:p15="http://schemas.microsoft.com/office/powerpoint/2012/main">
+  <p:cSld>
+    <p:spTree>
+      <p:nvGrpSpPr>
+        <p:cNvPr id="304" name="Shape 304"/>
         <p:cNvGrpSpPr/>
         <p:nvPr/>
       </p:nvGrpSpPr>
@@ -17534,7 +18515,7 @@
       </p:grpSpPr>
       <p:pic>
         <p:nvPicPr>
-          <p:cNvPr id="267" name="Google Shape;267;p32"/>
+          <p:cNvPr id="305" name="Google Shape;305;p35"/>
           <p:cNvPicPr preferRelativeResize="0"/>
           <p:nvPr/>
         </p:nvPicPr>
@@ -17561,7 +18542,7 @@
       </p:pic>
       <p:pic>
         <p:nvPicPr>
-          <p:cNvPr id="268" name="Google Shape;268;p32"/>
+          <p:cNvPr id="306" name="Google Shape;306;p35"/>
           <p:cNvPicPr preferRelativeResize="0"/>
           <p:nvPr/>
         </p:nvPicPr>
@@ -17588,7 +18569,7 @@
       </p:pic>
       <p:sp>
         <p:nvSpPr>
-          <p:cNvPr id="269" name="Google Shape;269;p32"/>
+          <p:cNvPr id="307" name="Google Shape;307;p35"/>
           <p:cNvSpPr/>
           <p:nvPr/>
         </p:nvSpPr>
@@ -17646,7 +18627,7 @@
       </p:sp>
       <p:sp>
         <p:nvSpPr>
-          <p:cNvPr id="270" name="Google Shape;270;p32"/>
+          <p:cNvPr id="308" name="Google Shape;308;p35"/>
           <p:cNvSpPr/>
           <p:nvPr/>
         </p:nvSpPr>
@@ -17704,7 +18685,7 @@
       </p:sp>
       <p:sp>
         <p:nvSpPr>
-          <p:cNvPr id="271" name="Google Shape;271;p32"/>
+          <p:cNvPr id="309" name="Google Shape;309;p35"/>
           <p:cNvSpPr/>
           <p:nvPr/>
         </p:nvSpPr>
@@ -17763,7 +18744,7 @@
       </p:sp>
       <p:sp>
         <p:nvSpPr>
-          <p:cNvPr id="272" name="Google Shape;272;p32"/>
+          <p:cNvPr id="310" name="Google Shape;310;p35"/>
           <p:cNvSpPr/>
           <p:nvPr/>
         </p:nvSpPr>
@@ -17822,7 +18803,7 @@
       </p:sp>
       <p:sp>
         <p:nvSpPr>
-          <p:cNvPr id="273" name="Google Shape;273;p32"/>
+          <p:cNvPr id="311" name="Google Shape;311;p35"/>
           <p:cNvSpPr/>
           <p:nvPr/>
         </p:nvSpPr>
@@ -17886,506 +18867,12 @@
 </p:sld>
 </file>
 
-<file path=ppt/slides/slide21.xml><?xml version="1.0" encoding="utf-8"?>
+<file path=ppt/slides/slide24.xml><?xml version="1.0" encoding="utf-8"?>
 <p:sld xmlns:a="http://schemas.openxmlformats.org/drawingml/2006/main" xmlns:r="http://schemas.openxmlformats.org/officeDocument/2006/relationships" xmlns:mc="http://schemas.openxmlformats.org/markup-compatibility/2006" xmlns:mv="urn:schemas-microsoft-com:mac:vml" xmlns:p="http://schemas.openxmlformats.org/presentationml/2006/main" xmlns:c="http://schemas.openxmlformats.org/drawingml/2006/chart" xmlns:dgm="http://schemas.openxmlformats.org/drawingml/2006/diagram" xmlns:o="urn:schemas-microsoft-com:office:office" xmlns:v="urn:schemas-microsoft-com:vml" xmlns:pvml="urn:schemas-microsoft-com:office:powerpoint" xmlns:com="http://schemas.openxmlformats.org/drawingml/2006/compatibility" xmlns:p14="http://schemas.microsoft.com/office/powerpoint/2010/main" xmlns:p15="http://schemas.microsoft.com/office/powerpoint/2012/main">
   <p:cSld>
     <p:spTree>
       <p:nvGrpSpPr>
-        <p:cNvPr id="277" name="Shape 277"/>
-        <p:cNvGrpSpPr/>
-        <p:nvPr/>
-      </p:nvGrpSpPr>
-      <p:grpSpPr>
-        <a:xfrm>
-          <a:off x="0" y="0"/>
-          <a:ext cx="0" cy="0"/>
-          <a:chOff x="0" y="0"/>
-          <a:chExt cx="0" cy="0"/>
-        </a:xfrm>
-      </p:grpSpPr>
-      <p:pic>
-        <p:nvPicPr>
-          <p:cNvPr id="278" name="Google Shape;278;p33"/>
-          <p:cNvPicPr preferRelativeResize="0"/>
-          <p:nvPr/>
-        </p:nvPicPr>
-        <p:blipFill rotWithShape="1">
-          <a:blip r:embed="rId3">
-            <a:alphaModFix/>
-          </a:blip>
-          <a:srcRect b="0" l="0" r="0" t="0"/>
-          <a:stretch/>
-        </p:blipFill>
-        <p:spPr>
-          <a:xfrm>
-            <a:off x="7067424" y="272073"/>
-            <a:ext cx="4791074" cy="2969602"/>
-          </a:xfrm>
-          <a:prstGeom prst="rect">
-            <a:avLst/>
-          </a:prstGeom>
-          <a:noFill/>
-          <a:ln>
-            <a:noFill/>
-          </a:ln>
-        </p:spPr>
-      </p:pic>
-      <p:pic>
-        <p:nvPicPr>
-          <p:cNvPr id="279" name="Google Shape;279;p33"/>
-          <p:cNvPicPr preferRelativeResize="0"/>
-          <p:nvPr/>
-        </p:nvPicPr>
-        <p:blipFill rotWithShape="1">
-          <a:blip r:embed="rId4">
-            <a:alphaModFix/>
-          </a:blip>
-          <a:srcRect b="0" l="0" r="0" t="0"/>
-          <a:stretch/>
-        </p:blipFill>
-        <p:spPr>
-          <a:xfrm>
-            <a:off x="6969229" y="3414713"/>
-            <a:ext cx="4987463" cy="3285537"/>
-          </a:xfrm>
-          <a:prstGeom prst="rect">
-            <a:avLst/>
-          </a:prstGeom>
-          <a:noFill/>
-          <a:ln>
-            <a:noFill/>
-          </a:ln>
-        </p:spPr>
-      </p:pic>
-      <p:pic>
-        <p:nvPicPr>
-          <p:cNvPr id="280" name="Google Shape;280;p33"/>
-          <p:cNvPicPr preferRelativeResize="0"/>
-          <p:nvPr/>
-        </p:nvPicPr>
-        <p:blipFill rotWithShape="1">
-          <a:blip r:embed="rId5">
-            <a:alphaModFix/>
-          </a:blip>
-          <a:srcRect b="0" l="0" r="0" t="0"/>
-          <a:stretch/>
-        </p:blipFill>
-        <p:spPr>
-          <a:xfrm>
-            <a:off x="460418" y="1326178"/>
-            <a:ext cx="3714750" cy="3510375"/>
-          </a:xfrm>
-          <a:prstGeom prst="rect">
-            <a:avLst/>
-          </a:prstGeom>
-          <a:noFill/>
-          <a:ln>
-            <a:noFill/>
-          </a:ln>
-        </p:spPr>
-      </p:pic>
-      <p:sp>
-        <p:nvSpPr>
-          <p:cNvPr id="281" name="Google Shape;281;p33"/>
-          <p:cNvSpPr/>
-          <p:nvPr/>
-        </p:nvSpPr>
-        <p:spPr>
-          <a:xfrm>
-            <a:off x="8369224" y="609050"/>
-            <a:ext cx="2571600" cy="477000"/>
-          </a:xfrm>
-          <a:prstGeom prst="rect">
-            <a:avLst/>
-          </a:prstGeom>
-          <a:noFill/>
-          <a:ln>
-            <a:noFill/>
-          </a:ln>
-        </p:spPr>
-        <p:txBody>
-          <a:bodyPr anchorCtr="0" anchor="t" bIns="45700" lIns="91425" spcFirstLastPara="1" rIns="91425" wrap="square" tIns="45700">
-            <a:noAutofit/>
-          </a:bodyPr>
-          <a:lstStyle/>
-          <a:p>
-            <a:pPr indent="0" lvl="0" marL="0" marR="0" rtl="0" algn="ctr">
-              <a:spcBef>
-                <a:spcPts val="0"/>
-              </a:spcBef>
-              <a:spcAft>
-                <a:spcPts val="0"/>
-              </a:spcAft>
-              <a:buNone/>
-            </a:pPr>
-            <a:r>
-              <a:rPr b="1" lang="es-ES" sz="2500">
-                <a:solidFill>
-                  <a:schemeClr val="dk1"/>
-                </a:solidFill>
-                <a:latin typeface="Calibri"/>
-                <a:ea typeface="Calibri"/>
-                <a:cs typeface="Calibri"/>
-                <a:sym typeface="Calibri"/>
-              </a:rPr>
-              <a:t>ADAM lr = 0.035</a:t>
-            </a:r>
-            <a:endParaRPr b="1" sz="2500" cap="none">
-              <a:solidFill>
-                <a:schemeClr val="dk1"/>
-              </a:solidFill>
-              <a:latin typeface="Calibri"/>
-              <a:ea typeface="Calibri"/>
-              <a:cs typeface="Calibri"/>
-              <a:sym typeface="Calibri"/>
-            </a:endParaRPr>
-          </a:p>
-        </p:txBody>
-      </p:sp>
-      <p:cxnSp>
-        <p:nvCxnSpPr>
-          <p:cNvPr id="282" name="Google Shape;282;p33"/>
-          <p:cNvCxnSpPr/>
-          <p:nvPr/>
-        </p:nvCxnSpPr>
-        <p:spPr>
-          <a:xfrm rot="10800000">
-            <a:off x="3494385" y="4247228"/>
-            <a:ext cx="1014412" cy="842963"/>
-          </a:xfrm>
-          <a:prstGeom prst="straightConnector1">
-            <a:avLst/>
-          </a:prstGeom>
-          <a:noFill/>
-          <a:ln cap="flat" cmpd="sng" w="57150">
-            <a:solidFill>
-              <a:srgbClr val="FF0000"/>
-            </a:solidFill>
-            <a:prstDash val="solid"/>
-            <a:miter lim="800000"/>
-            <a:headEnd len="sm" w="sm" type="none"/>
-            <a:tailEnd len="med" w="med" type="triangle"/>
-          </a:ln>
-        </p:spPr>
-      </p:cxnSp>
-      <p:sp>
-        <p:nvSpPr>
-          <p:cNvPr id="283" name="Google Shape;283;p33"/>
-          <p:cNvSpPr/>
-          <p:nvPr/>
-        </p:nvSpPr>
-        <p:spPr>
-          <a:xfrm>
-            <a:off x="6278826" y="4247228"/>
-            <a:ext cx="2571750" cy="2451434"/>
-          </a:xfrm>
-          <a:prstGeom prst="donut">
-            <a:avLst>
-              <a:gd fmla="val 797" name="adj"/>
-            </a:avLst>
-          </a:prstGeom>
-          <a:solidFill>
-            <a:schemeClr val="accent1"/>
-          </a:solidFill>
-          <a:ln cap="flat" cmpd="sng" w="12700">
-            <a:solidFill>
-              <a:srgbClr val="FF0000"/>
-            </a:solidFill>
-            <a:prstDash val="solid"/>
-            <a:miter lim="800000"/>
-            <a:headEnd len="sm" w="sm" type="none"/>
-            <a:tailEnd len="sm" w="sm" type="none"/>
-          </a:ln>
-        </p:spPr>
-        <p:txBody>
-          <a:bodyPr anchorCtr="0" anchor="ctr" bIns="45700" lIns="91425" spcFirstLastPara="1" rIns="91425" wrap="square" tIns="45700">
-            <a:noAutofit/>
-          </a:bodyPr>
-          <a:lstStyle/>
-          <a:p>
-            <a:pPr indent="0" lvl="0" marL="0" marR="0" rtl="0" algn="ctr">
-              <a:spcBef>
-                <a:spcPts val="0"/>
-              </a:spcBef>
-              <a:spcAft>
-                <a:spcPts val="0"/>
-              </a:spcAft>
-              <a:buNone/>
-            </a:pPr>
-            <a:r>
-              <a:t/>
-            </a:r>
-            <a:endParaRPr sz="1800">
-              <a:solidFill>
-                <a:schemeClr val="dk1"/>
-              </a:solidFill>
-              <a:latin typeface="Calibri"/>
-              <a:ea typeface="Calibri"/>
-              <a:cs typeface="Calibri"/>
-              <a:sym typeface="Calibri"/>
-            </a:endParaRPr>
-          </a:p>
-        </p:txBody>
-      </p:sp>
-      <p:sp>
-        <p:nvSpPr>
-          <p:cNvPr id="284" name="Google Shape;284;p33"/>
-          <p:cNvSpPr/>
-          <p:nvPr/>
-        </p:nvSpPr>
-        <p:spPr>
-          <a:xfrm>
-            <a:off x="432482" y="3302822"/>
-            <a:ext cx="1740004" cy="1533731"/>
-          </a:xfrm>
-          <a:prstGeom prst="donut">
-            <a:avLst>
-              <a:gd fmla="val 797" name="adj"/>
-            </a:avLst>
-          </a:prstGeom>
-          <a:solidFill>
-            <a:schemeClr val="accent1"/>
-          </a:solidFill>
-          <a:ln cap="flat" cmpd="sng" w="12700">
-            <a:solidFill>
-              <a:srgbClr val="FF0000"/>
-            </a:solidFill>
-            <a:prstDash val="solid"/>
-            <a:miter lim="800000"/>
-            <a:headEnd len="sm" w="sm" type="none"/>
-            <a:tailEnd len="sm" w="sm" type="none"/>
-          </a:ln>
-        </p:spPr>
-        <p:txBody>
-          <a:bodyPr anchorCtr="0" anchor="ctr" bIns="45700" lIns="91425" spcFirstLastPara="1" rIns="91425" wrap="square" tIns="45700">
-            <a:noAutofit/>
-          </a:bodyPr>
-          <a:lstStyle/>
-          <a:p>
-            <a:pPr indent="0" lvl="0" marL="0" marR="0" rtl="0" algn="ctr">
-              <a:spcBef>
-                <a:spcPts val="0"/>
-              </a:spcBef>
-              <a:spcAft>
-                <a:spcPts val="0"/>
-              </a:spcAft>
-              <a:buNone/>
-            </a:pPr>
-            <a:r>
-              <a:t/>
-            </a:r>
-            <a:endParaRPr sz="1800">
-              <a:solidFill>
-                <a:schemeClr val="dk1"/>
-              </a:solidFill>
-              <a:latin typeface="Calibri"/>
-              <a:ea typeface="Calibri"/>
-              <a:cs typeface="Calibri"/>
-              <a:sym typeface="Calibri"/>
-            </a:endParaRPr>
-          </a:p>
-        </p:txBody>
-      </p:sp>
-      <p:sp>
-        <p:nvSpPr>
-          <p:cNvPr id="285" name="Google Shape;285;p33"/>
-          <p:cNvSpPr/>
-          <p:nvPr/>
-        </p:nvSpPr>
-        <p:spPr>
-          <a:xfrm>
-            <a:off x="1005796" y="609050"/>
-            <a:ext cx="1882247" cy="477054"/>
-          </a:xfrm>
-          <a:prstGeom prst="rect">
-            <a:avLst/>
-          </a:prstGeom>
-          <a:noFill/>
-          <a:ln>
-            <a:noFill/>
-          </a:ln>
-        </p:spPr>
-        <p:txBody>
-          <a:bodyPr anchorCtr="0" anchor="t" bIns="45700" lIns="91425" spcFirstLastPara="1" rIns="91425" wrap="square" tIns="45700">
-            <a:noAutofit/>
-          </a:bodyPr>
-          <a:lstStyle/>
-          <a:p>
-            <a:pPr indent="0" lvl="0" marL="0" marR="0" rtl="0" algn="ctr">
-              <a:spcBef>
-                <a:spcPts val="0"/>
-              </a:spcBef>
-              <a:spcAft>
-                <a:spcPts val="0"/>
-              </a:spcAft>
-              <a:buNone/>
-            </a:pPr>
-            <a:r>
-              <a:rPr b="1" lang="es-ES" sz="2500">
-                <a:solidFill>
-                  <a:schemeClr val="dk1"/>
-                </a:solidFill>
-                <a:latin typeface="Calibri"/>
-                <a:ea typeface="Calibri"/>
-                <a:cs typeface="Calibri"/>
-                <a:sym typeface="Calibri"/>
-              </a:rPr>
-              <a:t>SGD </a:t>
-            </a:r>
-            <a:r>
-              <a:rPr b="1" lang="es-ES" sz="2500" cap="none">
-                <a:solidFill>
-                  <a:schemeClr val="dk1"/>
-                </a:solidFill>
-                <a:latin typeface="Calibri"/>
-                <a:ea typeface="Calibri"/>
-                <a:cs typeface="Calibri"/>
-                <a:sym typeface="Calibri"/>
-              </a:rPr>
-              <a:t>lr = 0.01</a:t>
-            </a:r>
-            <a:endParaRPr b="1" sz="2500" cap="none">
-              <a:solidFill>
-                <a:schemeClr val="dk1"/>
-              </a:solidFill>
-              <a:latin typeface="Calibri"/>
-              <a:ea typeface="Calibri"/>
-              <a:cs typeface="Calibri"/>
-              <a:sym typeface="Calibri"/>
-            </a:endParaRPr>
-          </a:p>
-        </p:txBody>
-      </p:sp>
-      <p:sp>
-        <p:nvSpPr>
-          <p:cNvPr id="286" name="Google Shape;286;p33"/>
-          <p:cNvSpPr/>
-          <p:nvPr/>
-        </p:nvSpPr>
-        <p:spPr>
-          <a:xfrm>
-            <a:off x="8194856" y="3505928"/>
-            <a:ext cx="2726400" cy="477000"/>
-          </a:xfrm>
-          <a:prstGeom prst="rect">
-            <a:avLst/>
-          </a:prstGeom>
-          <a:noFill/>
-          <a:ln>
-            <a:noFill/>
-          </a:ln>
-        </p:spPr>
-        <p:txBody>
-          <a:bodyPr anchorCtr="0" anchor="t" bIns="45700" lIns="91425" spcFirstLastPara="1" rIns="91425" wrap="square" tIns="45700">
-            <a:noAutofit/>
-          </a:bodyPr>
-          <a:lstStyle/>
-          <a:p>
-            <a:pPr indent="0" lvl="0" marL="0" marR="0" rtl="0" algn="ctr">
-              <a:spcBef>
-                <a:spcPts val="0"/>
-              </a:spcBef>
-              <a:spcAft>
-                <a:spcPts val="0"/>
-              </a:spcAft>
-              <a:buNone/>
-            </a:pPr>
-            <a:r>
-              <a:rPr b="1" lang="es-ES" sz="2500">
-                <a:solidFill>
-                  <a:schemeClr val="dk1"/>
-                </a:solidFill>
-                <a:latin typeface="Calibri"/>
-                <a:ea typeface="Calibri"/>
-                <a:cs typeface="Calibri"/>
-                <a:sym typeface="Calibri"/>
-              </a:rPr>
-              <a:t>RMSprop lr = 0.01</a:t>
-            </a:r>
-            <a:endParaRPr b="1" sz="2500" cap="none">
-              <a:solidFill>
-                <a:schemeClr val="dk1"/>
-              </a:solidFill>
-              <a:latin typeface="Calibri"/>
-              <a:ea typeface="Calibri"/>
-              <a:cs typeface="Calibri"/>
-              <a:sym typeface="Calibri"/>
-            </a:endParaRPr>
-          </a:p>
-        </p:txBody>
-      </p:sp>
-      <p:sp>
-        <p:nvSpPr>
-          <p:cNvPr id="287" name="Google Shape;287;p33"/>
-          <p:cNvSpPr/>
-          <p:nvPr/>
-        </p:nvSpPr>
-        <p:spPr>
-          <a:xfrm>
-            <a:off x="0" y="0"/>
-            <a:ext cx="3987310" cy="477054"/>
-          </a:xfrm>
-          <a:prstGeom prst="rect">
-            <a:avLst/>
-          </a:prstGeom>
-          <a:noFill/>
-          <a:ln>
-            <a:noFill/>
-          </a:ln>
-        </p:spPr>
-        <p:txBody>
-          <a:bodyPr anchorCtr="0" anchor="t" bIns="45700" lIns="91425" spcFirstLastPara="1" rIns="91425" wrap="square" tIns="45700">
-            <a:noAutofit/>
-          </a:bodyPr>
-          <a:lstStyle/>
-          <a:p>
-            <a:pPr indent="0" lvl="0" marL="0" marR="0" rtl="0" algn="ctr">
-              <a:spcBef>
-                <a:spcPts val="0"/>
-              </a:spcBef>
-              <a:spcAft>
-                <a:spcPts val="0"/>
-              </a:spcAft>
-              <a:buNone/>
-            </a:pPr>
-            <a:r>
-              <a:rPr lang="es-ES" sz="2500">
-                <a:solidFill>
-                  <a:schemeClr val="dk1"/>
-                </a:solidFill>
-                <a:latin typeface="Calibri"/>
-                <a:ea typeface="Calibri"/>
-                <a:cs typeface="Calibri"/>
-                <a:sym typeface="Calibri"/>
-              </a:rPr>
-              <a:t>Deep Learning - Optimization</a:t>
-            </a:r>
-            <a:endParaRPr b="0" sz="2500" cap="none">
-              <a:solidFill>
-                <a:schemeClr val="dk1"/>
-              </a:solidFill>
-              <a:latin typeface="Calibri"/>
-              <a:ea typeface="Calibri"/>
-              <a:cs typeface="Calibri"/>
-              <a:sym typeface="Calibri"/>
-            </a:endParaRPr>
-          </a:p>
-        </p:txBody>
-      </p:sp>
-    </p:spTree>
-  </p:cSld>
-  <p:clrMapOvr>
-    <a:masterClrMapping/>
-  </p:clrMapOvr>
-</p:sld>
-</file>
-
-<file path=ppt/slides/slide22.xml><?xml version="1.0" encoding="utf-8"?>
-<p:sld xmlns:a="http://schemas.openxmlformats.org/drawingml/2006/main" xmlns:r="http://schemas.openxmlformats.org/officeDocument/2006/relationships" xmlns:mc="http://schemas.openxmlformats.org/markup-compatibility/2006" xmlns:mv="urn:schemas-microsoft-com:mac:vml" xmlns:p="http://schemas.openxmlformats.org/presentationml/2006/main" xmlns:c="http://schemas.openxmlformats.org/drawingml/2006/chart" xmlns:dgm="http://schemas.openxmlformats.org/drawingml/2006/diagram" xmlns:o="urn:schemas-microsoft-com:office:office" xmlns:v="urn:schemas-microsoft-com:vml" xmlns:pvml="urn:schemas-microsoft-com:office:powerpoint" xmlns:com="http://schemas.openxmlformats.org/drawingml/2006/compatibility" xmlns:p14="http://schemas.microsoft.com/office/powerpoint/2010/main" xmlns:p15="http://schemas.microsoft.com/office/powerpoint/2012/main">
-  <p:cSld>
-    <p:spTree>
-      <p:nvGrpSpPr>
-        <p:cNvPr id="291" name="Shape 291"/>
+        <p:cNvPr id="315" name="Shape 315"/>
         <p:cNvGrpSpPr/>
         <p:nvPr/>
       </p:nvGrpSpPr>
@@ -18399,698 +18886,7 @@
       </p:grpSpPr>
       <p:sp>
         <p:nvSpPr>
-          <p:cNvPr id="292" name="Google Shape;292;p34"/>
-          <p:cNvSpPr/>
-          <p:nvPr/>
-        </p:nvSpPr>
-        <p:spPr>
-          <a:xfrm>
-            <a:off x="0" y="0"/>
-            <a:ext cx="3987300" cy="477000"/>
-          </a:xfrm>
-          <a:prstGeom prst="rect">
-            <a:avLst/>
-          </a:prstGeom>
-          <a:noFill/>
-          <a:ln>
-            <a:noFill/>
-          </a:ln>
-        </p:spPr>
-        <p:txBody>
-          <a:bodyPr anchorCtr="0" anchor="t" bIns="45700" lIns="91425" spcFirstLastPara="1" rIns="91425" wrap="square" tIns="45700">
-            <a:noAutofit/>
-          </a:bodyPr>
-          <a:lstStyle/>
-          <a:p>
-            <a:pPr indent="0" lvl="0" marL="0" marR="0" rtl="0" algn="ctr">
-              <a:spcBef>
-                <a:spcPts val="0"/>
-              </a:spcBef>
-              <a:spcAft>
-                <a:spcPts val="0"/>
-              </a:spcAft>
-              <a:buNone/>
-            </a:pPr>
-            <a:r>
-              <a:rPr lang="es-ES" sz="2500">
-                <a:solidFill>
-                  <a:schemeClr val="dk1"/>
-                </a:solidFill>
-                <a:latin typeface="Calibri"/>
-                <a:ea typeface="Calibri"/>
-                <a:cs typeface="Calibri"/>
-                <a:sym typeface="Calibri"/>
-              </a:rPr>
-              <a:t>Deep Learning - Optimization</a:t>
-            </a:r>
-            <a:endParaRPr b="0" sz="2500" cap="none">
-              <a:solidFill>
-                <a:schemeClr val="dk1"/>
-              </a:solidFill>
-              <a:latin typeface="Calibri"/>
-              <a:ea typeface="Calibri"/>
-              <a:cs typeface="Calibri"/>
-              <a:sym typeface="Calibri"/>
-            </a:endParaRPr>
-          </a:p>
-        </p:txBody>
-      </p:sp>
-      <p:sp>
-        <p:nvSpPr>
-          <p:cNvPr id="293" name="Google Shape;293;p34"/>
-          <p:cNvSpPr/>
-          <p:nvPr/>
-        </p:nvSpPr>
-        <p:spPr>
-          <a:xfrm>
-            <a:off x="5232375" y="0"/>
-            <a:ext cx="4539300" cy="477000"/>
-          </a:xfrm>
-          <a:prstGeom prst="rect">
-            <a:avLst/>
-          </a:prstGeom>
-          <a:noFill/>
-          <a:ln>
-            <a:noFill/>
-          </a:ln>
-        </p:spPr>
-        <p:txBody>
-          <a:bodyPr anchorCtr="0" anchor="t" bIns="45700" lIns="91425" spcFirstLastPara="1" rIns="91425" wrap="square" tIns="45700">
-            <a:noAutofit/>
-          </a:bodyPr>
-          <a:lstStyle/>
-          <a:p>
-            <a:pPr indent="0" lvl="0" marL="0" marR="0" rtl="0" algn="l">
-              <a:spcBef>
-                <a:spcPts val="0"/>
-              </a:spcBef>
-              <a:spcAft>
-                <a:spcPts val="0"/>
-              </a:spcAft>
-              <a:buNone/>
-            </a:pPr>
-            <a:r>
-              <a:rPr lang="es-ES" sz="2500">
-                <a:solidFill>
-                  <a:schemeClr val="dk1"/>
-                </a:solidFill>
-                <a:latin typeface="Calibri"/>
-                <a:ea typeface="Calibri"/>
-                <a:cs typeface="Calibri"/>
-                <a:sym typeface="Calibri"/>
-              </a:rPr>
-              <a:t>Effect on the betas </a:t>
-            </a:r>
-            <a:endParaRPr b="0" sz="2500" cap="none">
-              <a:solidFill>
-                <a:schemeClr val="dk1"/>
-              </a:solidFill>
-              <a:latin typeface="Calibri"/>
-              <a:ea typeface="Calibri"/>
-              <a:cs typeface="Calibri"/>
-              <a:sym typeface="Calibri"/>
-            </a:endParaRPr>
-          </a:p>
-        </p:txBody>
-      </p:sp>
-      <p:pic>
-        <p:nvPicPr>
-          <p:cNvPr id="294" name="Google Shape;294;p34"/>
-          <p:cNvPicPr preferRelativeResize="0"/>
-          <p:nvPr/>
-        </p:nvPicPr>
-        <p:blipFill>
-          <a:blip r:embed="rId3">
-            <a:alphaModFix/>
-          </a:blip>
-          <a:stretch>
-            <a:fillRect/>
-          </a:stretch>
-        </p:blipFill>
-        <p:spPr>
-          <a:xfrm>
-            <a:off x="152400" y="629400"/>
-            <a:ext cx="5867400" cy="3752850"/>
-          </a:xfrm>
-          <a:prstGeom prst="rect">
-            <a:avLst/>
-          </a:prstGeom>
-          <a:noFill/>
-          <a:ln>
-            <a:noFill/>
-          </a:ln>
-        </p:spPr>
-      </p:pic>
-      <p:pic>
-        <p:nvPicPr>
-          <p:cNvPr id="295" name="Google Shape;295;p34"/>
-          <p:cNvPicPr preferRelativeResize="0"/>
-          <p:nvPr/>
-        </p:nvPicPr>
-        <p:blipFill>
-          <a:blip r:embed="rId4">
-            <a:alphaModFix/>
-          </a:blip>
-          <a:stretch>
-            <a:fillRect/>
-          </a:stretch>
-        </p:blipFill>
-        <p:spPr>
-          <a:xfrm>
-            <a:off x="6276800" y="603542"/>
-            <a:ext cx="4970924" cy="3156771"/>
-          </a:xfrm>
-          <a:prstGeom prst="rect">
-            <a:avLst/>
-          </a:prstGeom>
-          <a:noFill/>
-          <a:ln>
-            <a:noFill/>
-          </a:ln>
-        </p:spPr>
-      </p:pic>
-      <p:pic>
-        <p:nvPicPr>
-          <p:cNvPr id="296" name="Google Shape;296;p34"/>
-          <p:cNvPicPr preferRelativeResize="0"/>
-          <p:nvPr/>
-        </p:nvPicPr>
-        <p:blipFill>
-          <a:blip r:embed="rId5">
-            <a:alphaModFix/>
-          </a:blip>
-          <a:stretch>
-            <a:fillRect/>
-          </a:stretch>
-        </p:blipFill>
-        <p:spPr>
-          <a:xfrm>
-            <a:off x="6415800" y="3886875"/>
-            <a:ext cx="4692937" cy="2818725"/>
-          </a:xfrm>
-          <a:prstGeom prst="rect">
-            <a:avLst/>
-          </a:prstGeom>
-          <a:noFill/>
-          <a:ln>
-            <a:noFill/>
-          </a:ln>
-        </p:spPr>
-      </p:pic>
-      <p:pic>
-        <p:nvPicPr>
-          <p:cNvPr id="297" name="Google Shape;297;p34"/>
-          <p:cNvPicPr preferRelativeResize="0"/>
-          <p:nvPr/>
-        </p:nvPicPr>
-        <p:blipFill>
-          <a:blip r:embed="rId6">
-            <a:alphaModFix/>
-          </a:blip>
-          <a:stretch>
-            <a:fillRect/>
-          </a:stretch>
-        </p:blipFill>
-        <p:spPr>
-          <a:xfrm>
-            <a:off x="1256588" y="4171931"/>
-            <a:ext cx="3659026" cy="2533669"/>
-          </a:xfrm>
-          <a:prstGeom prst="rect">
-            <a:avLst/>
-          </a:prstGeom>
-          <a:noFill/>
-          <a:ln>
-            <a:noFill/>
-          </a:ln>
-        </p:spPr>
-      </p:pic>
-      <p:sp>
-        <p:nvSpPr>
-          <p:cNvPr id="298" name="Google Shape;298;p34"/>
-          <p:cNvSpPr txBox="1"/>
-          <p:nvPr/>
-        </p:nvSpPr>
-        <p:spPr>
-          <a:xfrm>
-            <a:off x="3018125" y="1404475"/>
-            <a:ext cx="1822800" cy="747000"/>
-          </a:xfrm>
-          <a:prstGeom prst="rect">
-            <a:avLst/>
-          </a:prstGeom>
-          <a:noFill/>
-          <a:ln>
-            <a:noFill/>
-          </a:ln>
-        </p:spPr>
-        <p:txBody>
-          <a:bodyPr anchorCtr="0" anchor="t" bIns="91425" lIns="91425" spcFirstLastPara="1" rIns="91425" wrap="square" tIns="91425">
-            <a:noAutofit/>
-          </a:bodyPr>
-          <a:lstStyle/>
-          <a:p>
-            <a:pPr indent="0" lvl="0" marL="0" rtl="0" algn="l">
-              <a:spcBef>
-                <a:spcPts val="0"/>
-              </a:spcBef>
-              <a:spcAft>
-                <a:spcPts val="0"/>
-              </a:spcAft>
-              <a:buNone/>
-            </a:pPr>
-            <a:r>
-              <a:t/>
-            </a:r>
-            <a:endParaRPr>
-              <a:latin typeface="Calibri"/>
-              <a:ea typeface="Calibri"/>
-              <a:cs typeface="Calibri"/>
-              <a:sym typeface="Calibri"/>
-            </a:endParaRPr>
-          </a:p>
-        </p:txBody>
-      </p:sp>
-      <p:sp>
-        <p:nvSpPr>
-          <p:cNvPr id="299" name="Google Shape;299;p34"/>
-          <p:cNvSpPr/>
-          <p:nvPr/>
-        </p:nvSpPr>
-        <p:spPr>
-          <a:xfrm>
-            <a:off x="3740250" y="1046950"/>
-            <a:ext cx="3987300" cy="1247700"/>
-          </a:xfrm>
-          <a:prstGeom prst="rect">
-            <a:avLst/>
-          </a:prstGeom>
-          <a:noFill/>
-          <a:ln>
-            <a:noFill/>
-          </a:ln>
-        </p:spPr>
-        <p:txBody>
-          <a:bodyPr anchorCtr="0" anchor="t" bIns="45700" lIns="91425" spcFirstLastPara="1" rIns="91425" wrap="square" tIns="45700">
-            <a:noAutofit/>
-          </a:bodyPr>
-          <a:lstStyle/>
-          <a:p>
-            <a:pPr indent="0" lvl="0" marL="0" marR="0" rtl="0" algn="ctr">
-              <a:spcBef>
-                <a:spcPts val="0"/>
-              </a:spcBef>
-              <a:spcAft>
-                <a:spcPts val="0"/>
-              </a:spcAft>
-              <a:buNone/>
-            </a:pPr>
-            <a:r>
-              <a:rPr lang="es-ES" sz="2500">
-                <a:solidFill>
-                  <a:schemeClr val="dk1"/>
-                </a:solidFill>
-                <a:latin typeface="Calibri"/>
-                <a:ea typeface="Calibri"/>
-                <a:cs typeface="Calibri"/>
-                <a:sym typeface="Calibri"/>
-              </a:rPr>
-              <a:t>β1 = 0.9</a:t>
-            </a:r>
-            <a:endParaRPr sz="2500">
-              <a:solidFill>
-                <a:schemeClr val="dk1"/>
-              </a:solidFill>
-              <a:latin typeface="Calibri"/>
-              <a:ea typeface="Calibri"/>
-              <a:cs typeface="Calibri"/>
-              <a:sym typeface="Calibri"/>
-            </a:endParaRPr>
-          </a:p>
-          <a:p>
-            <a:pPr indent="0" lvl="0" marL="0" marR="0" rtl="0" algn="ctr">
-              <a:spcBef>
-                <a:spcPts val="0"/>
-              </a:spcBef>
-              <a:spcAft>
-                <a:spcPts val="0"/>
-              </a:spcAft>
-              <a:buNone/>
-            </a:pPr>
-            <a:r>
-              <a:rPr lang="es-ES" sz="2500">
-                <a:solidFill>
-                  <a:schemeClr val="dk1"/>
-                </a:solidFill>
-                <a:latin typeface="Calibri"/>
-                <a:ea typeface="Calibri"/>
-                <a:cs typeface="Calibri"/>
-                <a:sym typeface="Calibri"/>
-              </a:rPr>
-              <a:t>β2=0.99</a:t>
-            </a:r>
-            <a:endParaRPr sz="2500">
-              <a:solidFill>
-                <a:schemeClr val="dk1"/>
-              </a:solidFill>
-              <a:latin typeface="Calibri"/>
-              <a:ea typeface="Calibri"/>
-              <a:cs typeface="Calibri"/>
-              <a:sym typeface="Calibri"/>
-            </a:endParaRPr>
-          </a:p>
-          <a:p>
-            <a:pPr indent="0" lvl="0" marL="0" marR="0" rtl="0" algn="ctr">
-              <a:spcBef>
-                <a:spcPts val="0"/>
-              </a:spcBef>
-              <a:spcAft>
-                <a:spcPts val="0"/>
-              </a:spcAft>
-              <a:buNone/>
-            </a:pPr>
-            <a:r>
-              <a:rPr lang="es-ES" sz="2500">
-                <a:solidFill>
-                  <a:schemeClr val="dk1"/>
-                </a:solidFill>
-                <a:latin typeface="Calibri"/>
-                <a:ea typeface="Calibri"/>
-                <a:cs typeface="Calibri"/>
-                <a:sym typeface="Calibri"/>
-              </a:rPr>
-              <a:t>  lr &lt; 0.001</a:t>
-            </a:r>
-            <a:endParaRPr sz="2500">
-              <a:solidFill>
-                <a:schemeClr val="dk1"/>
-              </a:solidFill>
-              <a:latin typeface="Calibri"/>
-              <a:ea typeface="Calibri"/>
-              <a:cs typeface="Calibri"/>
-              <a:sym typeface="Calibri"/>
-            </a:endParaRPr>
-          </a:p>
-        </p:txBody>
-      </p:sp>
-      <p:sp>
-        <p:nvSpPr>
-          <p:cNvPr id="300" name="Google Shape;300;p34"/>
-          <p:cNvSpPr/>
-          <p:nvPr/>
-        </p:nvSpPr>
-        <p:spPr>
-          <a:xfrm>
-            <a:off x="5232375" y="4474863"/>
-            <a:ext cx="3987300" cy="1014900"/>
-          </a:xfrm>
-          <a:prstGeom prst="rect">
-            <a:avLst/>
-          </a:prstGeom>
-          <a:noFill/>
-          <a:ln>
-            <a:noFill/>
-          </a:ln>
-        </p:spPr>
-        <p:txBody>
-          <a:bodyPr anchorCtr="0" anchor="t" bIns="45700" lIns="91425" spcFirstLastPara="1" rIns="91425" wrap="square" tIns="45700">
-            <a:noAutofit/>
-          </a:bodyPr>
-          <a:lstStyle/>
-          <a:p>
-            <a:pPr indent="0" lvl="0" marL="0" marR="0" rtl="0" algn="l">
-              <a:spcBef>
-                <a:spcPts val="0"/>
-              </a:spcBef>
-              <a:spcAft>
-                <a:spcPts val="0"/>
-              </a:spcAft>
-              <a:buNone/>
-            </a:pPr>
-            <a:r>
-              <a:rPr lang="es-ES" sz="2500">
-                <a:solidFill>
-                  <a:schemeClr val="dk1"/>
-                </a:solidFill>
-                <a:latin typeface="Calibri"/>
-                <a:ea typeface="Calibri"/>
-                <a:cs typeface="Calibri"/>
-                <a:sym typeface="Calibri"/>
-              </a:rPr>
-              <a:t>β1 &gt; β2</a:t>
-            </a:r>
-            <a:endParaRPr sz="2500">
-              <a:solidFill>
-                <a:schemeClr val="dk1"/>
-              </a:solidFill>
-              <a:latin typeface="Calibri"/>
-              <a:ea typeface="Calibri"/>
-              <a:cs typeface="Calibri"/>
-              <a:sym typeface="Calibri"/>
-            </a:endParaRPr>
-          </a:p>
-        </p:txBody>
-      </p:sp>
-      <p:sp>
-        <p:nvSpPr>
-          <p:cNvPr id="301" name="Google Shape;301;p34"/>
-          <p:cNvSpPr/>
-          <p:nvPr/>
-        </p:nvSpPr>
-        <p:spPr>
-          <a:xfrm>
-            <a:off x="8975625" y="4382250"/>
-            <a:ext cx="3987300" cy="1014900"/>
-          </a:xfrm>
-          <a:prstGeom prst="rect">
-            <a:avLst/>
-          </a:prstGeom>
-          <a:noFill/>
-          <a:ln>
-            <a:noFill/>
-          </a:ln>
-        </p:spPr>
-        <p:txBody>
-          <a:bodyPr anchorCtr="0" anchor="t" bIns="45700" lIns="91425" spcFirstLastPara="1" rIns="91425" wrap="square" tIns="45700">
-            <a:noAutofit/>
-          </a:bodyPr>
-          <a:lstStyle/>
-          <a:p>
-            <a:pPr indent="0" lvl="0" marL="0" marR="0" rtl="0" algn="ctr">
-              <a:spcBef>
-                <a:spcPts val="0"/>
-              </a:spcBef>
-              <a:spcAft>
-                <a:spcPts val="0"/>
-              </a:spcAft>
-              <a:buNone/>
-            </a:pPr>
-            <a:r>
-              <a:rPr lang="es-ES" sz="2500">
-                <a:solidFill>
-                  <a:schemeClr val="dk1"/>
-                </a:solidFill>
-                <a:latin typeface="Calibri"/>
-                <a:ea typeface="Calibri"/>
-                <a:cs typeface="Calibri"/>
-                <a:sym typeface="Calibri"/>
-              </a:rPr>
-              <a:t>β1 = 0.01</a:t>
-            </a:r>
-            <a:endParaRPr sz="2500">
-              <a:solidFill>
-                <a:schemeClr val="dk1"/>
-              </a:solidFill>
-              <a:latin typeface="Calibri"/>
-              <a:ea typeface="Calibri"/>
-              <a:cs typeface="Calibri"/>
-              <a:sym typeface="Calibri"/>
-            </a:endParaRPr>
-          </a:p>
-          <a:p>
-            <a:pPr indent="0" lvl="0" marL="0" marR="0" rtl="0" algn="ctr">
-              <a:spcBef>
-                <a:spcPts val="0"/>
-              </a:spcBef>
-              <a:spcAft>
-                <a:spcPts val="0"/>
-              </a:spcAft>
-              <a:buNone/>
-            </a:pPr>
-            <a:r>
-              <a:rPr lang="es-ES" sz="2500">
-                <a:solidFill>
-                  <a:schemeClr val="dk1"/>
-                </a:solidFill>
-                <a:latin typeface="Calibri"/>
-                <a:ea typeface="Calibri"/>
-                <a:cs typeface="Calibri"/>
-                <a:sym typeface="Calibri"/>
-              </a:rPr>
-              <a:t>β2= 0.01</a:t>
-            </a:r>
-            <a:endParaRPr sz="2500">
-              <a:solidFill>
-                <a:schemeClr val="dk1"/>
-              </a:solidFill>
-              <a:latin typeface="Calibri"/>
-              <a:ea typeface="Calibri"/>
-              <a:cs typeface="Calibri"/>
-              <a:sym typeface="Calibri"/>
-            </a:endParaRPr>
-          </a:p>
-        </p:txBody>
-      </p:sp>
-      <p:sp>
-        <p:nvSpPr>
-          <p:cNvPr id="302" name="Google Shape;302;p34"/>
-          <p:cNvSpPr/>
-          <p:nvPr/>
-        </p:nvSpPr>
-        <p:spPr>
-          <a:xfrm>
-            <a:off x="9219675" y="903775"/>
-            <a:ext cx="3987300" cy="1247700"/>
-          </a:xfrm>
-          <a:prstGeom prst="rect">
-            <a:avLst/>
-          </a:prstGeom>
-          <a:noFill/>
-          <a:ln>
-            <a:noFill/>
-          </a:ln>
-        </p:spPr>
-        <p:txBody>
-          <a:bodyPr anchorCtr="0" anchor="t" bIns="45700" lIns="91425" spcFirstLastPara="1" rIns="91425" wrap="square" tIns="45700">
-            <a:noAutofit/>
-          </a:bodyPr>
-          <a:lstStyle/>
-          <a:p>
-            <a:pPr indent="0" lvl="0" marL="0" marR="0" rtl="0" algn="ctr">
-              <a:spcBef>
-                <a:spcPts val="0"/>
-              </a:spcBef>
-              <a:spcAft>
-                <a:spcPts val="0"/>
-              </a:spcAft>
-              <a:buNone/>
-            </a:pPr>
-            <a:r>
-              <a:rPr lang="es-ES" sz="2500">
-                <a:solidFill>
-                  <a:schemeClr val="dk1"/>
-                </a:solidFill>
-                <a:latin typeface="Calibri"/>
-                <a:ea typeface="Calibri"/>
-                <a:cs typeface="Calibri"/>
-                <a:sym typeface="Calibri"/>
-              </a:rPr>
-              <a:t>β1 = 0.9</a:t>
-            </a:r>
-            <a:endParaRPr sz="2500">
-              <a:solidFill>
-                <a:schemeClr val="dk1"/>
-              </a:solidFill>
-              <a:latin typeface="Calibri"/>
-              <a:ea typeface="Calibri"/>
-              <a:cs typeface="Calibri"/>
-              <a:sym typeface="Calibri"/>
-            </a:endParaRPr>
-          </a:p>
-          <a:p>
-            <a:pPr indent="0" lvl="0" marL="0" marR="0" rtl="0" algn="ctr">
-              <a:spcBef>
-                <a:spcPts val="0"/>
-              </a:spcBef>
-              <a:spcAft>
-                <a:spcPts val="0"/>
-              </a:spcAft>
-              <a:buNone/>
-            </a:pPr>
-            <a:r>
-              <a:rPr lang="es-ES" sz="2500">
-                <a:solidFill>
-                  <a:schemeClr val="dk1"/>
-                </a:solidFill>
-                <a:latin typeface="Calibri"/>
-                <a:ea typeface="Calibri"/>
-                <a:cs typeface="Calibri"/>
-                <a:sym typeface="Calibri"/>
-              </a:rPr>
-              <a:t>β2= 0.99</a:t>
-            </a:r>
-            <a:endParaRPr sz="2500">
-              <a:solidFill>
-                <a:schemeClr val="dk1"/>
-              </a:solidFill>
-              <a:latin typeface="Calibri"/>
-              <a:ea typeface="Calibri"/>
-              <a:cs typeface="Calibri"/>
-              <a:sym typeface="Calibri"/>
-            </a:endParaRPr>
-          </a:p>
-          <a:p>
-            <a:pPr indent="0" lvl="0" marL="0" marR="0" rtl="0" algn="ctr">
-              <a:spcBef>
-                <a:spcPts val="0"/>
-              </a:spcBef>
-              <a:spcAft>
-                <a:spcPts val="0"/>
-              </a:spcAft>
-              <a:buNone/>
-            </a:pPr>
-            <a:r>
-              <a:rPr lang="es-ES" sz="2500">
-                <a:solidFill>
-                  <a:schemeClr val="dk1"/>
-                </a:solidFill>
-                <a:latin typeface="Calibri"/>
-                <a:ea typeface="Calibri"/>
-                <a:cs typeface="Calibri"/>
-                <a:sym typeface="Calibri"/>
-              </a:rPr>
-              <a:t> lr = 0.001</a:t>
-            </a:r>
-            <a:endParaRPr sz="2500">
-              <a:solidFill>
-                <a:schemeClr val="dk1"/>
-              </a:solidFill>
-              <a:latin typeface="Calibri"/>
-              <a:ea typeface="Calibri"/>
-              <a:cs typeface="Calibri"/>
-              <a:sym typeface="Calibri"/>
-            </a:endParaRPr>
-          </a:p>
-        </p:txBody>
-      </p:sp>
-    </p:spTree>
-  </p:cSld>
-  <p:clrMapOvr>
-    <a:masterClrMapping/>
-  </p:clrMapOvr>
-</p:sld>
-</file>
-
-<file path=ppt/slides/slide23.xml><?xml version="1.0" encoding="utf-8"?>
-<p:sld xmlns:a="http://schemas.openxmlformats.org/drawingml/2006/main" xmlns:r="http://schemas.openxmlformats.org/officeDocument/2006/relationships" xmlns:mc="http://schemas.openxmlformats.org/markup-compatibility/2006" xmlns:mv="urn:schemas-microsoft-com:mac:vml" xmlns:p="http://schemas.openxmlformats.org/presentationml/2006/main" xmlns:c="http://schemas.openxmlformats.org/drawingml/2006/chart" xmlns:dgm="http://schemas.openxmlformats.org/drawingml/2006/diagram" xmlns:o="urn:schemas-microsoft-com:office:office" xmlns:v="urn:schemas-microsoft-com:vml" xmlns:pvml="urn:schemas-microsoft-com:office:powerpoint" xmlns:com="http://schemas.openxmlformats.org/drawingml/2006/compatibility" xmlns:p14="http://schemas.microsoft.com/office/powerpoint/2010/main" xmlns:p15="http://schemas.microsoft.com/office/powerpoint/2012/main">
-  <p:cSld>
-    <p:spTree>
-      <p:nvGrpSpPr>
-        <p:cNvPr id="306" name="Shape 306"/>
-        <p:cNvGrpSpPr/>
-        <p:nvPr/>
-      </p:nvGrpSpPr>
-      <p:grpSpPr>
-        <a:xfrm>
-          <a:off x="0" y="0"/>
-          <a:ext cx="0" cy="0"/>
-          <a:chOff x="0" y="0"/>
-          <a:chExt cx="0" cy="0"/>
-        </a:xfrm>
-      </p:grpSpPr>
-      <p:sp>
-        <p:nvSpPr>
-          <p:cNvPr id="307" name="Google Shape;307;p35"/>
+          <p:cNvPr id="316" name="Google Shape;316;p36"/>
           <p:cNvSpPr/>
           <p:nvPr/>
         </p:nvSpPr>
@@ -19148,7 +18944,7 @@
       </p:sp>
       <p:pic>
         <p:nvPicPr>
-          <p:cNvPr id="308" name="Google Shape;308;p35"/>
+          <p:cNvPr id="317" name="Google Shape;317;p36"/>
           <p:cNvPicPr preferRelativeResize="0"/>
           <p:nvPr/>
         </p:nvPicPr>
@@ -19175,7 +18971,7 @@
       </p:pic>
       <p:pic>
         <p:nvPicPr>
-          <p:cNvPr id="309" name="Google Shape;309;p35"/>
+          <p:cNvPr id="318" name="Google Shape;318;p36"/>
           <p:cNvPicPr preferRelativeResize="0"/>
           <p:nvPr/>
         </p:nvPicPr>
@@ -20152,7 +19948,7 @@
                 <a:cs typeface="Calibri"/>
                 <a:sym typeface="Calibri"/>
               </a:rPr>
-              <a:t>However, after a while people started noticing that despite superior training time, Adam in some areas does not converge to an optimal solution, so for some tasks </a:t>
+              <a:t>However, after a while people started noticing that despite superior training time, Adam in some areas does not converge to an optimal solution.</a:t>
             </a:r>
             <a:endParaRPr sz="1500">
               <a:solidFill>
@@ -20216,6 +20012,187 @@
           </a:ln>
         </p:spPr>
       </p:pic>
+      <p:sp>
+        <p:nvSpPr>
+          <p:cNvPr id="131" name="Google Shape;131;p17"/>
+          <p:cNvSpPr txBox="1"/>
+          <p:nvPr/>
+        </p:nvSpPr>
+        <p:spPr>
+          <a:xfrm>
+            <a:off x="8535050" y="477050"/>
+            <a:ext cx="3000000" cy="3000000"/>
+          </a:xfrm>
+          <a:prstGeom prst="rect">
+            <a:avLst/>
+          </a:prstGeom>
+          <a:noFill/>
+          <a:ln>
+            <a:noFill/>
+          </a:ln>
+        </p:spPr>
+        <p:txBody>
+          <a:bodyPr anchorCtr="0" anchor="t" bIns="91425" lIns="91425" spcFirstLastPara="1" rIns="91425" wrap="square" tIns="91425">
+            <a:noAutofit/>
+          </a:bodyPr>
+          <a:lstStyle/>
+          <a:p>
+            <a:pPr indent="0" lvl="0" marL="0" rtl="0" algn="l">
+              <a:lnSpc>
+                <a:spcPct val="115000"/>
+              </a:lnSpc>
+              <a:spcBef>
+                <a:spcPts val="500"/>
+              </a:spcBef>
+              <a:spcAft>
+                <a:spcPts val="0"/>
+              </a:spcAft>
+              <a:buNone/>
+            </a:pPr>
+            <a:r>
+              <a:rPr lang="es-ES" sz="1050">
+                <a:solidFill>
+                  <a:srgbClr val="212121"/>
+                </a:solidFill>
+                <a:latin typeface="Roboto"/>
+                <a:ea typeface="Roboto"/>
+                <a:cs typeface="Roboto"/>
+                <a:sym typeface="Roboto"/>
+              </a:rPr>
+              <a:t>From the Adam analysis, in general, you must know that:</a:t>
+            </a:r>
+            <a:endParaRPr sz="1050">
+              <a:solidFill>
+                <a:srgbClr val="212121"/>
+              </a:solidFill>
+              <a:latin typeface="Roboto"/>
+              <a:ea typeface="Roboto"/>
+              <a:cs typeface="Roboto"/>
+              <a:sym typeface="Roboto"/>
+            </a:endParaRPr>
+          </a:p>
+          <a:p>
+            <a:pPr indent="-295275" lvl="0" marL="457200" rtl="0" algn="l">
+              <a:lnSpc>
+                <a:spcPct val="115000"/>
+              </a:lnSpc>
+              <a:spcBef>
+                <a:spcPts val="500"/>
+              </a:spcBef>
+              <a:spcAft>
+                <a:spcPts val="0"/>
+              </a:spcAft>
+              <a:buClr>
+                <a:srgbClr val="212121"/>
+              </a:buClr>
+              <a:buSzPts val="1050"/>
+              <a:buFont typeface="Roboto"/>
+              <a:buChar char="●"/>
+            </a:pPr>
+            <a:r>
+              <a:rPr lang="es-ES" sz="1050">
+                <a:solidFill>
+                  <a:srgbClr val="212121"/>
+                </a:solidFill>
+                <a:latin typeface="Roboto"/>
+                <a:ea typeface="Roboto"/>
+                <a:cs typeface="Roboto"/>
+                <a:sym typeface="Roboto"/>
+              </a:rPr>
+              <a:t>Adaptive Moment Estimation (Adam) is an algorithm that computes adaptive learning rates for each parameter.</a:t>
+            </a:r>
+            <a:endParaRPr sz="1050">
+              <a:solidFill>
+                <a:srgbClr val="212121"/>
+              </a:solidFill>
+              <a:latin typeface="Roboto"/>
+              <a:ea typeface="Roboto"/>
+              <a:cs typeface="Roboto"/>
+              <a:sym typeface="Roboto"/>
+            </a:endParaRPr>
+          </a:p>
+          <a:p>
+            <a:pPr indent="-295275" lvl="0" marL="457200" rtl="0" algn="l">
+              <a:lnSpc>
+                <a:spcPct val="115000"/>
+              </a:lnSpc>
+              <a:spcBef>
+                <a:spcPts val="0"/>
+              </a:spcBef>
+              <a:spcAft>
+                <a:spcPts val="0"/>
+              </a:spcAft>
+              <a:buClr>
+                <a:srgbClr val="212121"/>
+              </a:buClr>
+              <a:buSzPts val="1050"/>
+              <a:buFont typeface="Roboto"/>
+              <a:buChar char="●"/>
+            </a:pPr>
+            <a:r>
+              <a:rPr lang="es-ES" sz="1050">
+                <a:solidFill>
+                  <a:srgbClr val="212121"/>
+                </a:solidFill>
+                <a:latin typeface="Roboto"/>
+                <a:ea typeface="Roboto"/>
+                <a:cs typeface="Roboto"/>
+                <a:sym typeface="Roboto"/>
+              </a:rPr>
+              <a:t>Also, it keeps an exponentially decaying average of past gradients similar to momentum.</a:t>
+            </a:r>
+            <a:endParaRPr sz="1050">
+              <a:solidFill>
+                <a:srgbClr val="212121"/>
+              </a:solidFill>
+              <a:latin typeface="Roboto"/>
+              <a:ea typeface="Roboto"/>
+              <a:cs typeface="Roboto"/>
+              <a:sym typeface="Roboto"/>
+            </a:endParaRPr>
+          </a:p>
+          <a:p>
+            <a:pPr indent="-295275" lvl="0" marL="457200" rtl="0" algn="l">
+              <a:lnSpc>
+                <a:spcPct val="115000"/>
+              </a:lnSpc>
+              <a:spcBef>
+                <a:spcPts val="0"/>
+              </a:spcBef>
+              <a:spcAft>
+                <a:spcPts val="0"/>
+              </a:spcAft>
+              <a:buClr>
+                <a:srgbClr val="212121"/>
+              </a:buClr>
+              <a:buSzPts val="1050"/>
+              <a:buFont typeface="Roboto"/>
+              <a:buChar char="●"/>
+            </a:pPr>
+            <a:r>
+              <a:rPr lang="es-ES" sz="1050">
+                <a:solidFill>
+                  <a:srgbClr val="212121"/>
+                </a:solidFill>
+                <a:latin typeface="Roboto"/>
+                <a:ea typeface="Roboto"/>
+                <a:cs typeface="Roboto"/>
+                <a:sym typeface="Roboto"/>
+              </a:rPr>
+              <a:t>Each beta is for one of the 2 estimations that you make, they are estimates of the first moment (the mean) and the second moment (the uncentered variance) of the gradients respectively, hence the name of the method</a:t>
+            </a:r>
+            <a:endParaRPr sz="1050">
+              <a:solidFill>
+                <a:srgbClr val="212121"/>
+              </a:solidFill>
+              <a:latin typeface="Roboto"/>
+              <a:ea typeface="Roboto"/>
+              <a:cs typeface="Roboto"/>
+              <a:sym typeface="Roboto"/>
+            </a:endParaRPr>
+          </a:p>
+        </p:txBody>
+      </p:sp>
     </p:spTree>
   </p:cSld>
   <p:clrMapOvr>
@@ -20229,7 +20206,7 @@
   <p:cSld>
     <p:spTree>
       <p:nvGrpSpPr>
-        <p:cNvPr id="134" name="Shape 134"/>
+        <p:cNvPr id="135" name="Shape 135"/>
         <p:cNvGrpSpPr/>
         <p:nvPr/>
       </p:nvGrpSpPr>
@@ -20243,7 +20220,7 @@
       </p:grpSpPr>
       <p:pic>
         <p:nvPicPr>
-          <p:cNvPr id="135" name="Google Shape;135;p18"/>
+          <p:cNvPr id="136" name="Google Shape;136;p18"/>
           <p:cNvPicPr preferRelativeResize="0"/>
           <p:nvPr/>
         </p:nvPicPr>
@@ -20271,7 +20248,7 @@
       </p:pic>
       <p:pic>
         <p:nvPicPr>
-          <p:cNvPr id="136" name="Google Shape;136;p18"/>
+          <p:cNvPr id="137" name="Google Shape;137;p18"/>
           <p:cNvPicPr preferRelativeResize="0"/>
           <p:nvPr/>
         </p:nvPicPr>
@@ -20299,7 +20276,7 @@
       </p:pic>
       <p:pic>
         <p:nvPicPr>
-          <p:cNvPr id="137" name="Google Shape;137;p18"/>
+          <p:cNvPr id="138" name="Google Shape;138;p18"/>
           <p:cNvPicPr preferRelativeResize="0"/>
           <p:nvPr/>
         </p:nvPicPr>
@@ -20327,7 +20304,7 @@
       </p:pic>
       <p:sp>
         <p:nvSpPr>
-          <p:cNvPr id="138" name="Google Shape;138;p18"/>
+          <p:cNvPr id="139" name="Google Shape;139;p18"/>
           <p:cNvSpPr/>
           <p:nvPr/>
         </p:nvSpPr>
@@ -20379,7 +20356,7 @@
       </p:sp>
       <p:sp>
         <p:nvSpPr>
-          <p:cNvPr id="139" name="Google Shape;139;p18"/>
+          <p:cNvPr id="140" name="Google Shape;140;p18"/>
           <p:cNvSpPr/>
           <p:nvPr/>
         </p:nvSpPr>
@@ -20431,7 +20408,7 @@
       </p:sp>
       <p:pic>
         <p:nvPicPr>
-          <p:cNvPr id="140" name="Google Shape;140;p18"/>
+          <p:cNvPr id="141" name="Google Shape;141;p18"/>
           <p:cNvPicPr preferRelativeResize="0"/>
           <p:nvPr/>
         </p:nvPicPr>
@@ -20459,7 +20436,7 @@
       </p:pic>
       <p:pic>
         <p:nvPicPr>
-          <p:cNvPr id="141" name="Google Shape;141;p18"/>
+          <p:cNvPr id="142" name="Google Shape;142;p18"/>
           <p:cNvPicPr preferRelativeResize="0"/>
           <p:nvPr/>
         </p:nvPicPr>
@@ -20498,7 +20475,7 @@
   <p:cSld>
     <p:spTree>
       <p:nvGrpSpPr>
-        <p:cNvPr id="145" name="Shape 145"/>
+        <p:cNvPr id="146" name="Shape 146"/>
         <p:cNvGrpSpPr/>
         <p:nvPr/>
       </p:nvGrpSpPr>
@@ -20512,7 +20489,7 @@
       </p:grpSpPr>
       <p:sp>
         <p:nvSpPr>
-          <p:cNvPr id="146" name="Google Shape;146;p19"/>
+          <p:cNvPr id="147" name="Google Shape;147;p19"/>
           <p:cNvSpPr/>
           <p:nvPr/>
         </p:nvSpPr>
@@ -20570,7 +20547,698 @@
       </p:sp>
       <p:sp>
         <p:nvSpPr>
-          <p:cNvPr id="147" name="Google Shape;147;p19"/>
+          <p:cNvPr id="148" name="Google Shape;148;p19"/>
+          <p:cNvSpPr/>
+          <p:nvPr/>
+        </p:nvSpPr>
+        <p:spPr>
+          <a:xfrm>
+            <a:off x="5232375" y="0"/>
+            <a:ext cx="4539300" cy="477000"/>
+          </a:xfrm>
+          <a:prstGeom prst="rect">
+            <a:avLst/>
+          </a:prstGeom>
+          <a:noFill/>
+          <a:ln>
+            <a:noFill/>
+          </a:ln>
+        </p:spPr>
+        <p:txBody>
+          <a:bodyPr anchorCtr="0" anchor="t" bIns="45700" lIns="91425" spcFirstLastPara="1" rIns="91425" wrap="square" tIns="45700">
+            <a:noAutofit/>
+          </a:bodyPr>
+          <a:lstStyle/>
+          <a:p>
+            <a:pPr indent="0" lvl="0" marL="0" marR="0" rtl="0" algn="l">
+              <a:spcBef>
+                <a:spcPts val="0"/>
+              </a:spcBef>
+              <a:spcAft>
+                <a:spcPts val="0"/>
+              </a:spcAft>
+              <a:buNone/>
+            </a:pPr>
+            <a:r>
+              <a:rPr lang="es-ES" sz="2500">
+                <a:solidFill>
+                  <a:schemeClr val="dk1"/>
+                </a:solidFill>
+                <a:latin typeface="Calibri"/>
+                <a:ea typeface="Calibri"/>
+                <a:cs typeface="Calibri"/>
+                <a:sym typeface="Calibri"/>
+              </a:rPr>
+              <a:t>Effect on the betas </a:t>
+            </a:r>
+            <a:endParaRPr b="0" sz="2500" cap="none">
+              <a:solidFill>
+                <a:schemeClr val="dk1"/>
+              </a:solidFill>
+              <a:latin typeface="Calibri"/>
+              <a:ea typeface="Calibri"/>
+              <a:cs typeface="Calibri"/>
+              <a:sym typeface="Calibri"/>
+            </a:endParaRPr>
+          </a:p>
+        </p:txBody>
+      </p:sp>
+      <p:pic>
+        <p:nvPicPr>
+          <p:cNvPr id="149" name="Google Shape;149;p19"/>
+          <p:cNvPicPr preferRelativeResize="0"/>
+          <p:nvPr/>
+        </p:nvPicPr>
+        <p:blipFill>
+          <a:blip r:embed="rId3">
+            <a:alphaModFix/>
+          </a:blip>
+          <a:stretch>
+            <a:fillRect/>
+          </a:stretch>
+        </p:blipFill>
+        <p:spPr>
+          <a:xfrm>
+            <a:off x="152400" y="629400"/>
+            <a:ext cx="5867400" cy="3752850"/>
+          </a:xfrm>
+          <a:prstGeom prst="rect">
+            <a:avLst/>
+          </a:prstGeom>
+          <a:noFill/>
+          <a:ln>
+            <a:noFill/>
+          </a:ln>
+        </p:spPr>
+      </p:pic>
+      <p:pic>
+        <p:nvPicPr>
+          <p:cNvPr id="150" name="Google Shape;150;p19"/>
+          <p:cNvPicPr preferRelativeResize="0"/>
+          <p:nvPr/>
+        </p:nvPicPr>
+        <p:blipFill>
+          <a:blip r:embed="rId4">
+            <a:alphaModFix/>
+          </a:blip>
+          <a:stretch>
+            <a:fillRect/>
+          </a:stretch>
+        </p:blipFill>
+        <p:spPr>
+          <a:xfrm>
+            <a:off x="6276800" y="603542"/>
+            <a:ext cx="4970924" cy="3156771"/>
+          </a:xfrm>
+          <a:prstGeom prst="rect">
+            <a:avLst/>
+          </a:prstGeom>
+          <a:noFill/>
+          <a:ln>
+            <a:noFill/>
+          </a:ln>
+        </p:spPr>
+      </p:pic>
+      <p:pic>
+        <p:nvPicPr>
+          <p:cNvPr id="151" name="Google Shape;151;p19"/>
+          <p:cNvPicPr preferRelativeResize="0"/>
+          <p:nvPr/>
+        </p:nvPicPr>
+        <p:blipFill>
+          <a:blip r:embed="rId5">
+            <a:alphaModFix/>
+          </a:blip>
+          <a:stretch>
+            <a:fillRect/>
+          </a:stretch>
+        </p:blipFill>
+        <p:spPr>
+          <a:xfrm>
+            <a:off x="6415800" y="3886875"/>
+            <a:ext cx="4692937" cy="2818725"/>
+          </a:xfrm>
+          <a:prstGeom prst="rect">
+            <a:avLst/>
+          </a:prstGeom>
+          <a:noFill/>
+          <a:ln>
+            <a:noFill/>
+          </a:ln>
+        </p:spPr>
+      </p:pic>
+      <p:pic>
+        <p:nvPicPr>
+          <p:cNvPr id="152" name="Google Shape;152;p19"/>
+          <p:cNvPicPr preferRelativeResize="0"/>
+          <p:nvPr/>
+        </p:nvPicPr>
+        <p:blipFill>
+          <a:blip r:embed="rId6">
+            <a:alphaModFix/>
+          </a:blip>
+          <a:stretch>
+            <a:fillRect/>
+          </a:stretch>
+        </p:blipFill>
+        <p:spPr>
+          <a:xfrm>
+            <a:off x="1256588" y="4171931"/>
+            <a:ext cx="3659026" cy="2533669"/>
+          </a:xfrm>
+          <a:prstGeom prst="rect">
+            <a:avLst/>
+          </a:prstGeom>
+          <a:noFill/>
+          <a:ln>
+            <a:noFill/>
+          </a:ln>
+        </p:spPr>
+      </p:pic>
+      <p:sp>
+        <p:nvSpPr>
+          <p:cNvPr id="153" name="Google Shape;153;p19"/>
+          <p:cNvSpPr txBox="1"/>
+          <p:nvPr/>
+        </p:nvSpPr>
+        <p:spPr>
+          <a:xfrm>
+            <a:off x="3018125" y="1404475"/>
+            <a:ext cx="1822800" cy="747000"/>
+          </a:xfrm>
+          <a:prstGeom prst="rect">
+            <a:avLst/>
+          </a:prstGeom>
+          <a:noFill/>
+          <a:ln>
+            <a:noFill/>
+          </a:ln>
+        </p:spPr>
+        <p:txBody>
+          <a:bodyPr anchorCtr="0" anchor="t" bIns="91425" lIns="91425" spcFirstLastPara="1" rIns="91425" wrap="square" tIns="91425">
+            <a:noAutofit/>
+          </a:bodyPr>
+          <a:lstStyle/>
+          <a:p>
+            <a:pPr indent="0" lvl="0" marL="0" rtl="0" algn="l">
+              <a:spcBef>
+                <a:spcPts val="0"/>
+              </a:spcBef>
+              <a:spcAft>
+                <a:spcPts val="0"/>
+              </a:spcAft>
+              <a:buNone/>
+            </a:pPr>
+            <a:r>
+              <a:t/>
+            </a:r>
+            <a:endParaRPr>
+              <a:latin typeface="Calibri"/>
+              <a:ea typeface="Calibri"/>
+              <a:cs typeface="Calibri"/>
+              <a:sym typeface="Calibri"/>
+            </a:endParaRPr>
+          </a:p>
+        </p:txBody>
+      </p:sp>
+      <p:sp>
+        <p:nvSpPr>
+          <p:cNvPr id="154" name="Google Shape;154;p19"/>
+          <p:cNvSpPr/>
+          <p:nvPr/>
+        </p:nvSpPr>
+        <p:spPr>
+          <a:xfrm>
+            <a:off x="3740250" y="1046950"/>
+            <a:ext cx="3987300" cy="1247700"/>
+          </a:xfrm>
+          <a:prstGeom prst="rect">
+            <a:avLst/>
+          </a:prstGeom>
+          <a:noFill/>
+          <a:ln>
+            <a:noFill/>
+          </a:ln>
+        </p:spPr>
+        <p:txBody>
+          <a:bodyPr anchorCtr="0" anchor="t" bIns="45700" lIns="91425" spcFirstLastPara="1" rIns="91425" wrap="square" tIns="45700">
+            <a:noAutofit/>
+          </a:bodyPr>
+          <a:lstStyle/>
+          <a:p>
+            <a:pPr indent="0" lvl="0" marL="0" marR="0" rtl="0" algn="ctr">
+              <a:spcBef>
+                <a:spcPts val="0"/>
+              </a:spcBef>
+              <a:spcAft>
+                <a:spcPts val="0"/>
+              </a:spcAft>
+              <a:buNone/>
+            </a:pPr>
+            <a:r>
+              <a:rPr lang="es-ES" sz="2500">
+                <a:solidFill>
+                  <a:schemeClr val="dk1"/>
+                </a:solidFill>
+                <a:latin typeface="Calibri"/>
+                <a:ea typeface="Calibri"/>
+                <a:cs typeface="Calibri"/>
+                <a:sym typeface="Calibri"/>
+              </a:rPr>
+              <a:t>β1 = 0.9</a:t>
+            </a:r>
+            <a:endParaRPr sz="2500">
+              <a:solidFill>
+                <a:schemeClr val="dk1"/>
+              </a:solidFill>
+              <a:latin typeface="Calibri"/>
+              <a:ea typeface="Calibri"/>
+              <a:cs typeface="Calibri"/>
+              <a:sym typeface="Calibri"/>
+            </a:endParaRPr>
+          </a:p>
+          <a:p>
+            <a:pPr indent="0" lvl="0" marL="0" marR="0" rtl="0" algn="ctr">
+              <a:spcBef>
+                <a:spcPts val="0"/>
+              </a:spcBef>
+              <a:spcAft>
+                <a:spcPts val="0"/>
+              </a:spcAft>
+              <a:buNone/>
+            </a:pPr>
+            <a:r>
+              <a:rPr lang="es-ES" sz="2500">
+                <a:solidFill>
+                  <a:schemeClr val="dk1"/>
+                </a:solidFill>
+                <a:latin typeface="Calibri"/>
+                <a:ea typeface="Calibri"/>
+                <a:cs typeface="Calibri"/>
+                <a:sym typeface="Calibri"/>
+              </a:rPr>
+              <a:t>β2=0.99</a:t>
+            </a:r>
+            <a:endParaRPr sz="2500">
+              <a:solidFill>
+                <a:schemeClr val="dk1"/>
+              </a:solidFill>
+              <a:latin typeface="Calibri"/>
+              <a:ea typeface="Calibri"/>
+              <a:cs typeface="Calibri"/>
+              <a:sym typeface="Calibri"/>
+            </a:endParaRPr>
+          </a:p>
+          <a:p>
+            <a:pPr indent="0" lvl="0" marL="0" marR="0" rtl="0" algn="ctr">
+              <a:spcBef>
+                <a:spcPts val="0"/>
+              </a:spcBef>
+              <a:spcAft>
+                <a:spcPts val="0"/>
+              </a:spcAft>
+              <a:buNone/>
+            </a:pPr>
+            <a:r>
+              <a:rPr lang="es-ES" sz="2500">
+                <a:solidFill>
+                  <a:schemeClr val="dk1"/>
+                </a:solidFill>
+                <a:latin typeface="Calibri"/>
+                <a:ea typeface="Calibri"/>
+                <a:cs typeface="Calibri"/>
+                <a:sym typeface="Calibri"/>
+              </a:rPr>
+              <a:t>  lr &lt; 0.001</a:t>
+            </a:r>
+            <a:endParaRPr sz="2500">
+              <a:solidFill>
+                <a:schemeClr val="dk1"/>
+              </a:solidFill>
+              <a:latin typeface="Calibri"/>
+              <a:ea typeface="Calibri"/>
+              <a:cs typeface="Calibri"/>
+              <a:sym typeface="Calibri"/>
+            </a:endParaRPr>
+          </a:p>
+        </p:txBody>
+      </p:sp>
+      <p:sp>
+        <p:nvSpPr>
+          <p:cNvPr id="155" name="Google Shape;155;p19"/>
+          <p:cNvSpPr/>
+          <p:nvPr/>
+        </p:nvSpPr>
+        <p:spPr>
+          <a:xfrm>
+            <a:off x="5232375" y="4474863"/>
+            <a:ext cx="3987300" cy="1014900"/>
+          </a:xfrm>
+          <a:prstGeom prst="rect">
+            <a:avLst/>
+          </a:prstGeom>
+          <a:noFill/>
+          <a:ln>
+            <a:noFill/>
+          </a:ln>
+        </p:spPr>
+        <p:txBody>
+          <a:bodyPr anchorCtr="0" anchor="t" bIns="45700" lIns="91425" spcFirstLastPara="1" rIns="91425" wrap="square" tIns="45700">
+            <a:noAutofit/>
+          </a:bodyPr>
+          <a:lstStyle/>
+          <a:p>
+            <a:pPr indent="0" lvl="0" marL="0" marR="0" rtl="0" algn="l">
+              <a:spcBef>
+                <a:spcPts val="0"/>
+              </a:spcBef>
+              <a:spcAft>
+                <a:spcPts val="0"/>
+              </a:spcAft>
+              <a:buNone/>
+            </a:pPr>
+            <a:r>
+              <a:rPr lang="es-ES" sz="2500">
+                <a:solidFill>
+                  <a:schemeClr val="dk1"/>
+                </a:solidFill>
+                <a:latin typeface="Calibri"/>
+                <a:ea typeface="Calibri"/>
+                <a:cs typeface="Calibri"/>
+                <a:sym typeface="Calibri"/>
+              </a:rPr>
+              <a:t>β1 &gt; β2</a:t>
+            </a:r>
+            <a:endParaRPr sz="2500">
+              <a:solidFill>
+                <a:schemeClr val="dk1"/>
+              </a:solidFill>
+              <a:latin typeface="Calibri"/>
+              <a:ea typeface="Calibri"/>
+              <a:cs typeface="Calibri"/>
+              <a:sym typeface="Calibri"/>
+            </a:endParaRPr>
+          </a:p>
+        </p:txBody>
+      </p:sp>
+      <p:sp>
+        <p:nvSpPr>
+          <p:cNvPr id="156" name="Google Shape;156;p19"/>
+          <p:cNvSpPr/>
+          <p:nvPr/>
+        </p:nvSpPr>
+        <p:spPr>
+          <a:xfrm>
+            <a:off x="8975625" y="4382250"/>
+            <a:ext cx="3987300" cy="1014900"/>
+          </a:xfrm>
+          <a:prstGeom prst="rect">
+            <a:avLst/>
+          </a:prstGeom>
+          <a:noFill/>
+          <a:ln>
+            <a:noFill/>
+          </a:ln>
+        </p:spPr>
+        <p:txBody>
+          <a:bodyPr anchorCtr="0" anchor="t" bIns="45700" lIns="91425" spcFirstLastPara="1" rIns="91425" wrap="square" tIns="45700">
+            <a:noAutofit/>
+          </a:bodyPr>
+          <a:lstStyle/>
+          <a:p>
+            <a:pPr indent="0" lvl="0" marL="0" marR="0" rtl="0" algn="ctr">
+              <a:spcBef>
+                <a:spcPts val="0"/>
+              </a:spcBef>
+              <a:spcAft>
+                <a:spcPts val="0"/>
+              </a:spcAft>
+              <a:buNone/>
+            </a:pPr>
+            <a:r>
+              <a:rPr lang="es-ES" sz="2500">
+                <a:solidFill>
+                  <a:schemeClr val="dk1"/>
+                </a:solidFill>
+                <a:latin typeface="Calibri"/>
+                <a:ea typeface="Calibri"/>
+                <a:cs typeface="Calibri"/>
+                <a:sym typeface="Calibri"/>
+              </a:rPr>
+              <a:t>β1 = 0.01</a:t>
+            </a:r>
+            <a:endParaRPr sz="2500">
+              <a:solidFill>
+                <a:schemeClr val="dk1"/>
+              </a:solidFill>
+              <a:latin typeface="Calibri"/>
+              <a:ea typeface="Calibri"/>
+              <a:cs typeface="Calibri"/>
+              <a:sym typeface="Calibri"/>
+            </a:endParaRPr>
+          </a:p>
+          <a:p>
+            <a:pPr indent="0" lvl="0" marL="0" marR="0" rtl="0" algn="ctr">
+              <a:spcBef>
+                <a:spcPts val="0"/>
+              </a:spcBef>
+              <a:spcAft>
+                <a:spcPts val="0"/>
+              </a:spcAft>
+              <a:buNone/>
+            </a:pPr>
+            <a:r>
+              <a:rPr lang="es-ES" sz="2500">
+                <a:solidFill>
+                  <a:schemeClr val="dk1"/>
+                </a:solidFill>
+                <a:latin typeface="Calibri"/>
+                <a:ea typeface="Calibri"/>
+                <a:cs typeface="Calibri"/>
+                <a:sym typeface="Calibri"/>
+              </a:rPr>
+              <a:t>β2= 0.01</a:t>
+            </a:r>
+            <a:endParaRPr sz="2500">
+              <a:solidFill>
+                <a:schemeClr val="dk1"/>
+              </a:solidFill>
+              <a:latin typeface="Calibri"/>
+              <a:ea typeface="Calibri"/>
+              <a:cs typeface="Calibri"/>
+              <a:sym typeface="Calibri"/>
+            </a:endParaRPr>
+          </a:p>
+        </p:txBody>
+      </p:sp>
+      <p:sp>
+        <p:nvSpPr>
+          <p:cNvPr id="157" name="Google Shape;157;p19"/>
+          <p:cNvSpPr/>
+          <p:nvPr/>
+        </p:nvSpPr>
+        <p:spPr>
+          <a:xfrm>
+            <a:off x="9219675" y="903775"/>
+            <a:ext cx="3987300" cy="1247700"/>
+          </a:xfrm>
+          <a:prstGeom prst="rect">
+            <a:avLst/>
+          </a:prstGeom>
+          <a:noFill/>
+          <a:ln>
+            <a:noFill/>
+          </a:ln>
+        </p:spPr>
+        <p:txBody>
+          <a:bodyPr anchorCtr="0" anchor="t" bIns="45700" lIns="91425" spcFirstLastPara="1" rIns="91425" wrap="square" tIns="45700">
+            <a:noAutofit/>
+          </a:bodyPr>
+          <a:lstStyle/>
+          <a:p>
+            <a:pPr indent="0" lvl="0" marL="0" marR="0" rtl="0" algn="ctr">
+              <a:spcBef>
+                <a:spcPts val="0"/>
+              </a:spcBef>
+              <a:spcAft>
+                <a:spcPts val="0"/>
+              </a:spcAft>
+              <a:buNone/>
+            </a:pPr>
+            <a:r>
+              <a:rPr lang="es-ES" sz="2500">
+                <a:solidFill>
+                  <a:schemeClr val="dk1"/>
+                </a:solidFill>
+                <a:latin typeface="Calibri"/>
+                <a:ea typeface="Calibri"/>
+                <a:cs typeface="Calibri"/>
+                <a:sym typeface="Calibri"/>
+              </a:rPr>
+              <a:t>β1 = 0.9</a:t>
+            </a:r>
+            <a:endParaRPr sz="2500">
+              <a:solidFill>
+                <a:schemeClr val="dk1"/>
+              </a:solidFill>
+              <a:latin typeface="Calibri"/>
+              <a:ea typeface="Calibri"/>
+              <a:cs typeface="Calibri"/>
+              <a:sym typeface="Calibri"/>
+            </a:endParaRPr>
+          </a:p>
+          <a:p>
+            <a:pPr indent="0" lvl="0" marL="0" marR="0" rtl="0" algn="ctr">
+              <a:spcBef>
+                <a:spcPts val="0"/>
+              </a:spcBef>
+              <a:spcAft>
+                <a:spcPts val="0"/>
+              </a:spcAft>
+              <a:buNone/>
+            </a:pPr>
+            <a:r>
+              <a:rPr lang="es-ES" sz="2500">
+                <a:solidFill>
+                  <a:schemeClr val="dk1"/>
+                </a:solidFill>
+                <a:latin typeface="Calibri"/>
+                <a:ea typeface="Calibri"/>
+                <a:cs typeface="Calibri"/>
+                <a:sym typeface="Calibri"/>
+              </a:rPr>
+              <a:t>β2= 0.99</a:t>
+            </a:r>
+            <a:endParaRPr sz="2500">
+              <a:solidFill>
+                <a:schemeClr val="dk1"/>
+              </a:solidFill>
+              <a:latin typeface="Calibri"/>
+              <a:ea typeface="Calibri"/>
+              <a:cs typeface="Calibri"/>
+              <a:sym typeface="Calibri"/>
+            </a:endParaRPr>
+          </a:p>
+          <a:p>
+            <a:pPr indent="0" lvl="0" marL="0" marR="0" rtl="0" algn="ctr">
+              <a:spcBef>
+                <a:spcPts val="0"/>
+              </a:spcBef>
+              <a:spcAft>
+                <a:spcPts val="0"/>
+              </a:spcAft>
+              <a:buNone/>
+            </a:pPr>
+            <a:r>
+              <a:rPr lang="es-ES" sz="2500">
+                <a:solidFill>
+                  <a:schemeClr val="dk1"/>
+                </a:solidFill>
+                <a:latin typeface="Calibri"/>
+                <a:ea typeface="Calibri"/>
+                <a:cs typeface="Calibri"/>
+                <a:sym typeface="Calibri"/>
+              </a:rPr>
+              <a:t> lr = 0.001</a:t>
+            </a:r>
+            <a:endParaRPr sz="2500">
+              <a:solidFill>
+                <a:schemeClr val="dk1"/>
+              </a:solidFill>
+              <a:latin typeface="Calibri"/>
+              <a:ea typeface="Calibri"/>
+              <a:cs typeface="Calibri"/>
+              <a:sym typeface="Calibri"/>
+            </a:endParaRPr>
+          </a:p>
+        </p:txBody>
+      </p:sp>
+    </p:spTree>
+  </p:cSld>
+  <p:clrMapOvr>
+    <a:masterClrMapping/>
+  </p:clrMapOvr>
+</p:sld>
+</file>
+
+<file path=ppt/slides/slide8.xml><?xml version="1.0" encoding="utf-8"?>
+<p:sld xmlns:a="http://schemas.openxmlformats.org/drawingml/2006/main" xmlns:r="http://schemas.openxmlformats.org/officeDocument/2006/relationships" xmlns:mc="http://schemas.openxmlformats.org/markup-compatibility/2006" xmlns:mv="urn:schemas-microsoft-com:mac:vml" xmlns:p="http://schemas.openxmlformats.org/presentationml/2006/main" xmlns:c="http://schemas.openxmlformats.org/drawingml/2006/chart" xmlns:dgm="http://schemas.openxmlformats.org/drawingml/2006/diagram" xmlns:o="urn:schemas-microsoft-com:office:office" xmlns:v="urn:schemas-microsoft-com:vml" xmlns:pvml="urn:schemas-microsoft-com:office:powerpoint" xmlns:com="http://schemas.openxmlformats.org/drawingml/2006/compatibility" xmlns:p14="http://schemas.microsoft.com/office/powerpoint/2010/main" xmlns:p15="http://schemas.microsoft.com/office/powerpoint/2012/main">
+  <p:cSld>
+    <p:spTree>
+      <p:nvGrpSpPr>
+        <p:cNvPr id="161" name="Shape 161"/>
+        <p:cNvGrpSpPr/>
+        <p:nvPr/>
+      </p:nvGrpSpPr>
+      <p:grpSpPr>
+        <a:xfrm>
+          <a:off x="0" y="0"/>
+          <a:ext cx="0" cy="0"/>
+          <a:chOff x="0" y="0"/>
+          <a:chExt cx="0" cy="0"/>
+        </a:xfrm>
+      </p:grpSpPr>
+      <p:sp>
+        <p:nvSpPr>
+          <p:cNvPr id="162" name="Google Shape;162;p20"/>
+          <p:cNvSpPr/>
+          <p:nvPr/>
+        </p:nvSpPr>
+        <p:spPr>
+          <a:xfrm>
+            <a:off x="0" y="0"/>
+            <a:ext cx="3987300" cy="477000"/>
+          </a:xfrm>
+          <a:prstGeom prst="rect">
+            <a:avLst/>
+          </a:prstGeom>
+          <a:noFill/>
+          <a:ln>
+            <a:noFill/>
+          </a:ln>
+        </p:spPr>
+        <p:txBody>
+          <a:bodyPr anchorCtr="0" anchor="t" bIns="45700" lIns="91425" spcFirstLastPara="1" rIns="91425" wrap="square" tIns="45700">
+            <a:noAutofit/>
+          </a:bodyPr>
+          <a:lstStyle/>
+          <a:p>
+            <a:pPr indent="0" lvl="0" marL="0" marR="0" rtl="0" algn="ctr">
+              <a:spcBef>
+                <a:spcPts val="0"/>
+              </a:spcBef>
+              <a:spcAft>
+                <a:spcPts val="0"/>
+              </a:spcAft>
+              <a:buNone/>
+            </a:pPr>
+            <a:r>
+              <a:rPr lang="es-ES" sz="2500">
+                <a:solidFill>
+                  <a:schemeClr val="dk1"/>
+                </a:solidFill>
+                <a:latin typeface="Calibri"/>
+                <a:ea typeface="Calibri"/>
+                <a:cs typeface="Calibri"/>
+                <a:sym typeface="Calibri"/>
+              </a:rPr>
+              <a:t>Deep Learning - Optimization</a:t>
+            </a:r>
+            <a:endParaRPr b="0" sz="2500" cap="none">
+              <a:solidFill>
+                <a:schemeClr val="dk1"/>
+              </a:solidFill>
+              <a:latin typeface="Calibri"/>
+              <a:ea typeface="Calibri"/>
+              <a:cs typeface="Calibri"/>
+              <a:sym typeface="Calibri"/>
+            </a:endParaRPr>
+          </a:p>
+        </p:txBody>
+      </p:sp>
+      <p:sp>
+        <p:nvSpPr>
+          <p:cNvPr id="163" name="Google Shape;163;p20"/>
           <p:cNvSpPr/>
           <p:nvPr/>
         </p:nvSpPr>
@@ -20628,7 +21296,7 @@
       </p:sp>
       <p:sp>
         <p:nvSpPr>
-          <p:cNvPr id="148" name="Google Shape;148;p19"/>
+          <p:cNvPr id="164" name="Google Shape;164;p20"/>
           <p:cNvSpPr txBox="1"/>
           <p:nvPr/>
         </p:nvSpPr>
@@ -20959,12 +21627,12 @@
 </p:sld>
 </file>
 
-<file path=ppt/slides/slide8.xml><?xml version="1.0" encoding="utf-8"?>
+<file path=ppt/slides/slide9.xml><?xml version="1.0" encoding="utf-8"?>
 <p:sld xmlns:a="http://schemas.openxmlformats.org/drawingml/2006/main" xmlns:r="http://schemas.openxmlformats.org/officeDocument/2006/relationships" xmlns:mc="http://schemas.openxmlformats.org/markup-compatibility/2006" xmlns:mv="urn:schemas-microsoft-com:mac:vml" xmlns:p="http://schemas.openxmlformats.org/presentationml/2006/main" xmlns:c="http://schemas.openxmlformats.org/drawingml/2006/chart" xmlns:dgm="http://schemas.openxmlformats.org/drawingml/2006/diagram" xmlns:o="urn:schemas-microsoft-com:office:office" xmlns:v="urn:schemas-microsoft-com:vml" xmlns:pvml="urn:schemas-microsoft-com:office:powerpoint" xmlns:com="http://schemas.openxmlformats.org/drawingml/2006/compatibility" xmlns:p14="http://schemas.microsoft.com/office/powerpoint/2010/main" xmlns:p15="http://schemas.microsoft.com/office/powerpoint/2012/main">
   <p:cSld>
     <p:spTree>
       <p:nvGrpSpPr>
-        <p:cNvPr id="152" name="Shape 152"/>
+        <p:cNvPr id="168" name="Shape 168"/>
         <p:cNvGrpSpPr/>
         <p:nvPr/>
       </p:nvGrpSpPr>
@@ -20978,7 +21646,7 @@
       </p:grpSpPr>
       <p:sp>
         <p:nvSpPr>
-          <p:cNvPr id="153" name="Google Shape;153;p20"/>
+          <p:cNvPr id="169" name="Google Shape;169;p21"/>
           <p:cNvSpPr txBox="1"/>
           <p:nvPr/>
         </p:nvSpPr>
@@ -21020,7 +21688,7 @@
       </p:sp>
       <p:sp>
         <p:nvSpPr>
-          <p:cNvPr id="154" name="Google Shape;154;p20"/>
+          <p:cNvPr id="170" name="Google Shape;170;p21"/>
           <p:cNvSpPr/>
           <p:nvPr/>
         </p:nvSpPr>
@@ -21078,7 +21746,7 @@
       </p:sp>
       <p:sp>
         <p:nvSpPr>
-          <p:cNvPr id="155" name="Google Shape;155;p20"/>
+          <p:cNvPr id="171" name="Google Shape;171;p21"/>
           <p:cNvSpPr/>
           <p:nvPr/>
         </p:nvSpPr>
@@ -21136,7 +21804,7 @@
       </p:sp>
       <p:sp>
         <p:nvSpPr>
-          <p:cNvPr id="156" name="Google Shape;156;p20"/>
+          <p:cNvPr id="172" name="Google Shape;172;p21"/>
           <p:cNvSpPr txBox="1"/>
           <p:nvPr/>
         </p:nvSpPr>
@@ -21177,7 +21845,7 @@
       </p:sp>
       <p:pic>
         <p:nvPicPr>
-          <p:cNvPr id="157" name="Google Shape;157;p20"/>
+          <p:cNvPr id="173" name="Google Shape;173;p21"/>
           <p:cNvPicPr preferRelativeResize="0"/>
           <p:nvPr/>
         </p:nvPicPr>
@@ -21205,7 +21873,7 @@
       </p:pic>
       <p:pic>
         <p:nvPicPr>
-          <p:cNvPr id="158" name="Google Shape;158;p20"/>
+          <p:cNvPr id="174" name="Google Shape;174;p21"/>
           <p:cNvPicPr preferRelativeResize="0"/>
           <p:nvPr/>
         </p:nvPicPr>
@@ -21233,7 +21901,7 @@
       </p:pic>
       <p:sp>
         <p:nvSpPr>
-          <p:cNvPr id="159" name="Google Shape;159;p20"/>
+          <p:cNvPr id="175" name="Google Shape;175;p21"/>
           <p:cNvSpPr txBox="1"/>
           <p:nvPr/>
         </p:nvSpPr>
@@ -21276,247 +21944,6 @@
             <a:r>
               <a:rPr lang="es-ES"/>
               <a:t> Adadelta is so robust that can adapt its parameters properly.</a:t>
-            </a:r>
-            <a:endParaRPr/>
-          </a:p>
-        </p:txBody>
-      </p:sp>
-    </p:spTree>
-  </p:cSld>
-  <p:clrMapOvr>
-    <a:masterClrMapping/>
-  </p:clrMapOvr>
-</p:sld>
-</file>
-
-<file path=ppt/slides/slide9.xml><?xml version="1.0" encoding="utf-8"?>
-<p:sld xmlns:a="http://schemas.openxmlformats.org/drawingml/2006/main" xmlns:r="http://schemas.openxmlformats.org/officeDocument/2006/relationships" xmlns:mc="http://schemas.openxmlformats.org/markup-compatibility/2006" xmlns:mv="urn:schemas-microsoft-com:mac:vml" xmlns:p="http://schemas.openxmlformats.org/presentationml/2006/main" xmlns:c="http://schemas.openxmlformats.org/drawingml/2006/chart" xmlns:dgm="http://schemas.openxmlformats.org/drawingml/2006/diagram" xmlns:o="urn:schemas-microsoft-com:office:office" xmlns:v="urn:schemas-microsoft-com:vml" xmlns:pvml="urn:schemas-microsoft-com:office:powerpoint" xmlns:com="http://schemas.openxmlformats.org/drawingml/2006/compatibility" xmlns:p14="http://schemas.microsoft.com/office/powerpoint/2010/main" xmlns:p15="http://schemas.microsoft.com/office/powerpoint/2012/main">
-  <p:cSld>
-    <p:spTree>
-      <p:nvGrpSpPr>
-        <p:cNvPr id="163" name="Shape 163"/>
-        <p:cNvGrpSpPr/>
-        <p:nvPr/>
-      </p:nvGrpSpPr>
-      <p:grpSpPr>
-        <a:xfrm>
-          <a:off x="0" y="0"/>
-          <a:ext cx="0" cy="0"/>
-          <a:chOff x="0" y="0"/>
-          <a:chExt cx="0" cy="0"/>
-        </a:xfrm>
-      </p:grpSpPr>
-      <p:sp>
-        <p:nvSpPr>
-          <p:cNvPr id="164" name="Google Shape;164;p21"/>
-          <p:cNvSpPr/>
-          <p:nvPr/>
-        </p:nvSpPr>
-        <p:spPr>
-          <a:xfrm>
-            <a:off x="0" y="0"/>
-            <a:ext cx="3987310" cy="477054"/>
-          </a:xfrm>
-          <a:prstGeom prst="rect">
-            <a:avLst/>
-          </a:prstGeom>
-          <a:noFill/>
-          <a:ln>
-            <a:noFill/>
-          </a:ln>
-        </p:spPr>
-        <p:txBody>
-          <a:bodyPr anchorCtr="0" anchor="t" bIns="45700" lIns="91425" spcFirstLastPara="1" rIns="91425" wrap="square" tIns="45700">
-            <a:noAutofit/>
-          </a:bodyPr>
-          <a:lstStyle/>
-          <a:p>
-            <a:pPr indent="0" lvl="0" marL="0" marR="0" rtl="0" algn="ctr">
-              <a:spcBef>
-                <a:spcPts val="0"/>
-              </a:spcBef>
-              <a:spcAft>
-                <a:spcPts val="0"/>
-              </a:spcAft>
-              <a:buNone/>
-            </a:pPr>
-            <a:r>
-              <a:rPr lang="es-ES" sz="2500">
-                <a:solidFill>
-                  <a:schemeClr val="dk1"/>
-                </a:solidFill>
-                <a:latin typeface="Calibri"/>
-                <a:ea typeface="Calibri"/>
-                <a:cs typeface="Calibri"/>
-                <a:sym typeface="Calibri"/>
-              </a:rPr>
-              <a:t>Deep Learning - Optimization</a:t>
-            </a:r>
-            <a:endParaRPr b="0" sz="2500" cap="none">
-              <a:solidFill>
-                <a:schemeClr val="dk1"/>
-              </a:solidFill>
-              <a:latin typeface="Calibri"/>
-              <a:ea typeface="Calibri"/>
-              <a:cs typeface="Calibri"/>
-              <a:sym typeface="Calibri"/>
-            </a:endParaRPr>
-          </a:p>
-        </p:txBody>
-      </p:sp>
-      <p:sp>
-        <p:nvSpPr>
-          <p:cNvPr id="165" name="Google Shape;165;p21"/>
-          <p:cNvSpPr/>
-          <p:nvPr/>
-        </p:nvSpPr>
-        <p:spPr>
-          <a:xfrm>
-            <a:off x="309697" y="677325"/>
-            <a:ext cx="2861400" cy="923400"/>
-          </a:xfrm>
-          <a:prstGeom prst="rect">
-            <a:avLst/>
-          </a:prstGeom>
-          <a:noFill/>
-          <a:ln>
-            <a:noFill/>
-          </a:ln>
-        </p:spPr>
-        <p:txBody>
-          <a:bodyPr anchorCtr="0" anchor="t" bIns="45700" lIns="91425" spcFirstLastPara="1" rIns="91425" wrap="square" tIns="45700">
-            <a:noAutofit/>
-          </a:bodyPr>
-          <a:lstStyle/>
-          <a:p>
-            <a:pPr indent="0" lvl="0" marL="0" marR="0" rtl="0" algn="ctr">
-              <a:spcBef>
-                <a:spcPts val="0"/>
-              </a:spcBef>
-              <a:spcAft>
-                <a:spcPts val="0"/>
-              </a:spcAft>
-              <a:buNone/>
-            </a:pPr>
-            <a:r>
-              <a:rPr b="1" lang="es-ES" sz="5400" cap="none">
-                <a:solidFill>
-                  <a:schemeClr val="accent5"/>
-                </a:solidFill>
-                <a:latin typeface="Calibri"/>
-                <a:ea typeface="Calibri"/>
-                <a:cs typeface="Calibri"/>
-                <a:sym typeface="Calibri"/>
-              </a:rPr>
-              <a:t>RMSprop</a:t>
-            </a:r>
-            <a:endParaRPr b="1" sz="5400" cap="none">
-              <a:solidFill>
-                <a:schemeClr val="accent5"/>
-              </a:solidFill>
-              <a:latin typeface="Calibri"/>
-              <a:ea typeface="Calibri"/>
-              <a:cs typeface="Calibri"/>
-              <a:sym typeface="Calibri"/>
-            </a:endParaRPr>
-          </a:p>
-        </p:txBody>
-      </p:sp>
-      <p:pic>
-        <p:nvPicPr>
-          <p:cNvPr descr="esultado de imagen de rmsprop" id="166" name="Google Shape;166;p21"/>
-          <p:cNvPicPr preferRelativeResize="0"/>
-          <p:nvPr/>
-        </p:nvPicPr>
-        <p:blipFill rotWithShape="1">
-          <a:blip r:embed="rId3">
-            <a:alphaModFix/>
-          </a:blip>
-          <a:srcRect b="0" l="0" r="0" t="0"/>
-          <a:stretch/>
-        </p:blipFill>
-        <p:spPr>
-          <a:xfrm>
-            <a:off x="7666550" y="1524000"/>
-            <a:ext cx="4203975" cy="4203975"/>
-          </a:xfrm>
-          <a:prstGeom prst="rect">
-            <a:avLst/>
-          </a:prstGeom>
-          <a:noFill/>
-          <a:ln>
-            <a:noFill/>
-          </a:ln>
-        </p:spPr>
-      </p:pic>
-      <p:pic>
-        <p:nvPicPr>
-          <p:cNvPr id="167" name="Google Shape;167;p21"/>
-          <p:cNvPicPr preferRelativeResize="0"/>
-          <p:nvPr/>
-        </p:nvPicPr>
-        <p:blipFill rotWithShape="1">
-          <a:blip r:embed="rId4">
-            <a:alphaModFix/>
-          </a:blip>
-          <a:srcRect b="31691" l="25534" r="19976" t="26641"/>
-          <a:stretch/>
-        </p:blipFill>
-        <p:spPr>
-          <a:xfrm>
-            <a:off x="487100" y="2113899"/>
-            <a:ext cx="7020350" cy="3019850"/>
-          </a:xfrm>
-          <a:prstGeom prst="rect">
-            <a:avLst/>
-          </a:prstGeom>
-          <a:noFill/>
-          <a:ln>
-            <a:noFill/>
-          </a:ln>
-        </p:spPr>
-      </p:pic>
-      <p:sp>
-        <p:nvSpPr>
-          <p:cNvPr id="168" name="Google Shape;168;p21"/>
-          <p:cNvSpPr txBox="1"/>
-          <p:nvPr/>
-        </p:nvSpPr>
-        <p:spPr>
-          <a:xfrm>
-            <a:off x="1363800" y="5934600"/>
-            <a:ext cx="7072200" cy="923400"/>
-          </a:xfrm>
-          <a:prstGeom prst="rect">
-            <a:avLst/>
-          </a:prstGeom>
-          <a:noFill/>
-          <a:ln>
-            <a:noFill/>
-          </a:ln>
-        </p:spPr>
-        <p:txBody>
-          <a:bodyPr anchorCtr="0" anchor="t" bIns="91425" lIns="91425" spcFirstLastPara="1" rIns="91425" wrap="square" tIns="91425">
-            <a:noAutofit/>
-          </a:bodyPr>
-          <a:lstStyle/>
-          <a:p>
-            <a:pPr indent="0" lvl="0" marL="0" rtl="0" algn="l">
-              <a:spcBef>
-                <a:spcPts val="0"/>
-              </a:spcBef>
-              <a:spcAft>
-                <a:spcPts val="0"/>
-              </a:spcAft>
-              <a:buNone/>
-            </a:pPr>
-            <a:r>
-              <a:rPr lang="es-ES">
-                <a:solidFill>
-                  <a:schemeClr val="dk1"/>
-                </a:solidFill>
-              </a:rPr>
-              <a:t>The RMSprop optimizer is similar to the gradient descent algorithm with momentum. </a:t>
             </a:r>
             <a:endParaRPr/>
           </a:p>
